--- a/documents/actual presentation.pptx
+++ b/documents/actual presentation.pptx
@@ -5,7 +5,7 @@
     <p:sldMasterId id="2147483648" r:id="rId1"/>
   </p:sldMasterIdLst>
   <p:notesMasterIdLst>
-    <p:notesMasterId r:id="rId9"/>
+    <p:notesMasterId r:id="rId32"/>
   </p:notesMasterIdLst>
   <p:sldIdLst>
     <p:sldId id="256" r:id="rId2"/>
@@ -15,6 +15,29 @@
     <p:sldId id="261" r:id="rId6"/>
     <p:sldId id="258" r:id="rId7"/>
     <p:sldId id="262" r:id="rId8"/>
+    <p:sldId id="263" r:id="rId9"/>
+    <p:sldId id="264" r:id="rId10"/>
+    <p:sldId id="265" r:id="rId11"/>
+    <p:sldId id="272" r:id="rId12"/>
+    <p:sldId id="266" r:id="rId13"/>
+    <p:sldId id="273" r:id="rId14"/>
+    <p:sldId id="268" r:id="rId15"/>
+    <p:sldId id="274" r:id="rId16"/>
+    <p:sldId id="275" r:id="rId17"/>
+    <p:sldId id="276" r:id="rId18"/>
+    <p:sldId id="277" r:id="rId19"/>
+    <p:sldId id="278" r:id="rId20"/>
+    <p:sldId id="279" r:id="rId21"/>
+    <p:sldId id="280" r:id="rId22"/>
+    <p:sldId id="281" r:id="rId23"/>
+    <p:sldId id="282" r:id="rId24"/>
+    <p:sldId id="283" r:id="rId25"/>
+    <p:sldId id="287" r:id="rId26"/>
+    <p:sldId id="285" r:id="rId27"/>
+    <p:sldId id="286" r:id="rId28"/>
+    <p:sldId id="288" r:id="rId29"/>
+    <p:sldId id="289" r:id="rId30"/>
+    <p:sldId id="269" r:id="rId31"/>
   </p:sldIdLst>
   <p:sldSz cx="12192000" cy="6858000"/>
   <p:notesSz cx="6858000" cy="9144000"/>
@@ -113,6 +136,11 @@
       </a:defRPr>
     </a:lvl9pPr>
   </p:defaultTextStyle>
+  <p:extLst>
+    <p:ext uri="{EFAFB233-063F-42B5-8137-9DF3F51BA10A}">
+      <p15:sldGuideLst xmlns:p15="http://schemas.microsoft.com/office/powerpoint/2012/main"/>
+    </p:ext>
+  </p:extLst>
 </p:presentation>
 </file>
 
@@ -198,7 +226,7 @@
           <a:p>
             <a:fld id="{7FDCA980-834E-CB48-8A5D-79E5BA77E555}" type="datetimeFigureOut">
               <a:rPr lang="en-AU" smtClean="0"/>
-              <a:t>27/5/21</a:t>
+              <a:t>1/6/21</a:t>
             </a:fld>
             <a:endParaRPr lang="en-AU"/>
           </a:p>
@@ -615,7 +643,7 @@
           <a:p>
             <a:fld id="{605165FB-F268-E343-8AFE-79F707EE2475}" type="datetime1">
               <a:rPr lang="en-AU" smtClean="0"/>
-              <a:t>27/5/21</a:t>
+              <a:t>1/6/21</a:t>
             </a:fld>
             <a:endParaRPr lang="en-AU"/>
           </a:p>
@@ -815,7 +843,7 @@
           <a:p>
             <a:fld id="{B511606D-FBB6-F24B-9F7C-FA1DCE8EB0F5}" type="datetime1">
               <a:rPr lang="en-AU" smtClean="0"/>
-              <a:t>27/5/21</a:t>
+              <a:t>1/6/21</a:t>
             </a:fld>
             <a:endParaRPr lang="en-AU"/>
           </a:p>
@@ -1025,7 +1053,7 @@
           <a:p>
             <a:fld id="{755852DF-1E7B-D748-A8D2-D1B5F4E29BE1}" type="datetime1">
               <a:rPr lang="en-AU" smtClean="0"/>
-              <a:t>27/5/21</a:t>
+              <a:t>1/6/21</a:t>
             </a:fld>
             <a:endParaRPr lang="en-AU"/>
           </a:p>
@@ -1225,7 +1253,7 @@
           <a:p>
             <a:fld id="{68410EE5-D5A4-E04F-9A4E-E5144599CF7A}" type="datetime1">
               <a:rPr lang="en-AU" smtClean="0"/>
-              <a:t>27/5/21</a:t>
+              <a:t>1/6/21</a:t>
             </a:fld>
             <a:endParaRPr lang="en-AU"/>
           </a:p>
@@ -1501,7 +1529,7 @@
           <a:p>
             <a:fld id="{CEF0CFB9-983B-3E40-AA05-80646E8D9CBD}" type="datetime1">
               <a:rPr lang="en-AU" smtClean="0"/>
-              <a:t>27/5/21</a:t>
+              <a:t>1/6/21</a:t>
             </a:fld>
             <a:endParaRPr lang="en-AU"/>
           </a:p>
@@ -1769,7 +1797,7 @@
           <a:p>
             <a:fld id="{8FC5EA07-C252-D442-91DB-216CEFA96D14}" type="datetime1">
               <a:rPr lang="en-AU" smtClean="0"/>
-              <a:t>27/5/21</a:t>
+              <a:t>1/6/21</a:t>
             </a:fld>
             <a:endParaRPr lang="en-AU"/>
           </a:p>
@@ -2184,7 +2212,7 @@
           <a:p>
             <a:fld id="{BD8477B7-4975-424A-ABC7-459921502C8A}" type="datetime1">
               <a:rPr lang="en-AU" smtClean="0"/>
-              <a:t>27/5/21</a:t>
+              <a:t>1/6/21</a:t>
             </a:fld>
             <a:endParaRPr lang="en-AU"/>
           </a:p>
@@ -2326,7 +2354,7 @@
           <a:p>
             <a:fld id="{B45450A9-CA1B-3B48-AC26-2BEB89BB0DFF}" type="datetime1">
               <a:rPr lang="en-AU" smtClean="0"/>
-              <a:t>27/5/21</a:t>
+              <a:t>1/6/21</a:t>
             </a:fld>
             <a:endParaRPr lang="en-AU"/>
           </a:p>
@@ -2439,7 +2467,7 @@
           <a:p>
             <a:fld id="{1054BB51-555A-3A42-A9E9-F39873074113}" type="datetime1">
               <a:rPr lang="en-AU" smtClean="0"/>
-              <a:t>27/5/21</a:t>
+              <a:t>1/6/21</a:t>
             </a:fld>
             <a:endParaRPr lang="en-AU"/>
           </a:p>
@@ -2752,7 +2780,7 @@
           <a:p>
             <a:fld id="{3F8D733B-381E-BD4C-BCD8-7C9B8123735D}" type="datetime1">
               <a:rPr lang="en-AU" smtClean="0"/>
-              <a:t>27/5/21</a:t>
+              <a:t>1/6/21</a:t>
             </a:fld>
             <a:endParaRPr lang="en-AU"/>
           </a:p>
@@ -3041,7 +3069,7 @@
           <a:p>
             <a:fld id="{BEDBF140-6F5C-FC41-B829-C1379195A03E}" type="datetime1">
               <a:rPr lang="en-AU" smtClean="0"/>
-              <a:t>27/5/21</a:t>
+              <a:t>1/6/21</a:t>
             </a:fld>
             <a:endParaRPr lang="en-AU"/>
           </a:p>
@@ -3284,7 +3312,7 @@
           <a:p>
             <a:fld id="{1BEC03A6-C24D-9941-A52E-084E1FB70E0A}" type="datetime1">
               <a:rPr lang="en-AU" smtClean="0"/>
-              <a:t>27/5/21</a:t>
+              <a:t>1/6/21</a:t>
             </a:fld>
             <a:endParaRPr lang="en-AU"/>
           </a:p>
@@ -3961,6 +3989,2718 @@
 </p:sld>
 </file>
 
+<file path=ppt/slides/slide10.xml><?xml version="1.0" encoding="utf-8"?>
+<p:sld xmlns:a="http://schemas.openxmlformats.org/drawingml/2006/main" xmlns:r="http://schemas.openxmlformats.org/officeDocument/2006/relationships" xmlns:p="http://schemas.openxmlformats.org/presentationml/2006/main">
+  <p:cSld>
+    <p:spTree>
+      <p:nvGrpSpPr>
+        <p:cNvPr id="1" name=""/>
+        <p:cNvGrpSpPr/>
+        <p:nvPr/>
+      </p:nvGrpSpPr>
+      <p:grpSpPr>
+        <a:xfrm>
+          <a:off x="0" y="0"/>
+          <a:ext cx="0" cy="0"/>
+          <a:chOff x="0" y="0"/>
+          <a:chExt cx="0" cy="0"/>
+        </a:xfrm>
+      </p:grpSpPr>
+      <p:sp>
+        <p:nvSpPr>
+          <p:cNvPr id="2" name="Title 1">
+            <a:extLst>
+              <a:ext uri="{FF2B5EF4-FFF2-40B4-BE49-F238E27FC236}">
+                <a16:creationId xmlns:a16="http://schemas.microsoft.com/office/drawing/2014/main" id="{8C0BF10A-A3BB-E141-89C7-0CCBAD9461CB}"/>
+              </a:ext>
+            </a:extLst>
+          </p:cNvPr>
+          <p:cNvSpPr>
+            <a:spLocks noGrp="1"/>
+          </p:cNvSpPr>
+          <p:nvPr>
+            <p:ph type="title"/>
+          </p:nvPr>
+        </p:nvSpPr>
+        <p:spPr/>
+        <p:txBody>
+          <a:bodyPr/>
+          <a:lstStyle/>
+          <a:p>
+            <a:pPr algn="ctr"/>
+            <a:r>
+              <a:rPr lang="en-AU" dirty="0"/>
+              <a:t>The Data</a:t>
+            </a:r>
+          </a:p>
+        </p:txBody>
+      </p:sp>
+      <p:sp>
+        <p:nvSpPr>
+          <p:cNvPr id="4" name="Footer Placeholder 3">
+            <a:extLst>
+              <a:ext uri="{FF2B5EF4-FFF2-40B4-BE49-F238E27FC236}">
+                <a16:creationId xmlns:a16="http://schemas.microsoft.com/office/drawing/2014/main" id="{17EBEA95-AE88-1D4F-AF3D-C33D89D205BB}"/>
+              </a:ext>
+            </a:extLst>
+          </p:cNvPr>
+          <p:cNvSpPr>
+            <a:spLocks noGrp="1"/>
+          </p:cNvSpPr>
+          <p:nvPr>
+            <p:ph type="ftr" sz="quarter" idx="11"/>
+          </p:nvPr>
+        </p:nvSpPr>
+        <p:spPr/>
+        <p:txBody>
+          <a:bodyPr/>
+          <a:lstStyle/>
+          <a:p>
+            <a:r>
+              <a:rPr lang="en-AU" dirty="0"/>
+              <a:t>Methodology</a:t>
+            </a:r>
+          </a:p>
+        </p:txBody>
+      </p:sp>
+      <p:sp>
+        <p:nvSpPr>
+          <p:cNvPr id="5" name="Slide Number Placeholder 4">
+            <a:extLst>
+              <a:ext uri="{FF2B5EF4-FFF2-40B4-BE49-F238E27FC236}">
+                <a16:creationId xmlns:a16="http://schemas.microsoft.com/office/drawing/2014/main" id="{0EBAA733-F1C9-D746-B679-F2AADE27D00B}"/>
+              </a:ext>
+            </a:extLst>
+          </p:cNvPr>
+          <p:cNvSpPr>
+            <a:spLocks noGrp="1"/>
+          </p:cNvSpPr>
+          <p:nvPr>
+            <p:ph type="sldNum" sz="quarter" idx="12"/>
+          </p:nvPr>
+        </p:nvSpPr>
+        <p:spPr/>
+        <p:txBody>
+          <a:bodyPr/>
+          <a:lstStyle/>
+          <a:p>
+            <a:fld id="{AD0369CE-0151-F748-9ED4-9508A9FAC3FF}" type="slidenum">
+              <a:rPr lang="en-AU" smtClean="0"/>
+              <a:t>10</a:t>
+            </a:fld>
+            <a:endParaRPr lang="en-AU"/>
+          </a:p>
+        </p:txBody>
+      </p:sp>
+      <p:sp>
+        <p:nvSpPr>
+          <p:cNvPr id="6" name="TextBox 5">
+            <a:extLst>
+              <a:ext uri="{FF2B5EF4-FFF2-40B4-BE49-F238E27FC236}">
+                <a16:creationId xmlns:a16="http://schemas.microsoft.com/office/drawing/2014/main" id="{13AFA552-833F-2841-9AB1-5BC64A3803FB}"/>
+              </a:ext>
+            </a:extLst>
+          </p:cNvPr>
+          <p:cNvSpPr txBox="1"/>
+          <p:nvPr/>
+        </p:nvSpPr>
+        <p:spPr>
+          <a:xfrm>
+            <a:off x="636665" y="1690688"/>
+            <a:ext cx="7161135" cy="3970318"/>
+          </a:xfrm>
+          <a:prstGeom prst="rect">
+            <a:avLst/>
+          </a:prstGeom>
+          <a:noFill/>
+        </p:spPr>
+        <p:txBody>
+          <a:bodyPr wrap="square" rtlCol="0">
+            <a:spAutoFit/>
+          </a:bodyPr>
+          <a:lstStyle/>
+          <a:p>
+            <a:r>
+              <a:rPr lang="en-AU" dirty="0">
+                <a:latin typeface="Consolas" panose="020B0609020204030204" pitchFamily="49" charset="0"/>
+                <a:cs typeface="Consolas" panose="020B0609020204030204" pitchFamily="49" charset="0"/>
+              </a:rPr>
+              <a:t>{</a:t>
+            </a:r>
+          </a:p>
+          <a:p>
+            <a:r>
+              <a:rPr lang="en-AU" dirty="0">
+                <a:latin typeface="Consolas" panose="020B0609020204030204" pitchFamily="49" charset="0"/>
+                <a:cs typeface="Consolas" panose="020B0609020204030204" pitchFamily="49" charset="0"/>
+              </a:rPr>
+              <a:t>   "</a:t>
+            </a:r>
+            <a:r>
+              <a:rPr lang="en-AU" dirty="0" err="1">
+                <a:latin typeface="Consolas" panose="020B0609020204030204" pitchFamily="49" charset="0"/>
+                <a:cs typeface="Consolas" panose="020B0609020204030204" pitchFamily="49" charset="0"/>
+              </a:rPr>
+              <a:t>created_at":"Thu</a:t>
+            </a:r>
+            <a:r>
+              <a:rPr lang="en-AU" dirty="0">
+                <a:latin typeface="Consolas" panose="020B0609020204030204" pitchFamily="49" charset="0"/>
+                <a:cs typeface="Consolas" panose="020B0609020204030204" pitchFamily="49" charset="0"/>
+              </a:rPr>
+              <a:t> Mar 11 02:38:06 +0000 2021",</a:t>
+            </a:r>
+          </a:p>
+          <a:p>
+            <a:r>
+              <a:rPr lang="en-AU" dirty="0">
+                <a:latin typeface="Consolas" panose="020B0609020204030204" pitchFamily="49" charset="0"/>
+                <a:cs typeface="Consolas" panose="020B0609020204030204" pitchFamily="49" charset="0"/>
+              </a:rPr>
+              <a:t>   "id":1369840023508455426,</a:t>
+            </a:r>
+          </a:p>
+          <a:p>
+            <a:r>
+              <a:rPr lang="en-AU" dirty="0">
+                <a:latin typeface="Consolas" panose="020B0609020204030204" pitchFamily="49" charset="0"/>
+                <a:cs typeface="Consolas" panose="020B0609020204030204" pitchFamily="49" charset="0"/>
+              </a:rPr>
+              <a:t>   "id_str":"1369840023508455426",</a:t>
+            </a:r>
+          </a:p>
+          <a:p>
+            <a:r>
+              <a:rPr lang="en-AU" dirty="0">
+                <a:latin typeface="Consolas" panose="020B0609020204030204" pitchFamily="49" charset="0"/>
+                <a:cs typeface="Consolas" panose="020B0609020204030204" pitchFamily="49" charset="0"/>
+              </a:rPr>
+              <a:t>   "text":"</a:t>
+            </a:r>
+            <a:r>
+              <a:rPr lang="ja-JP" altLang="en-US">
+                <a:latin typeface="Consolas" panose="020B0609020204030204" pitchFamily="49" charset="0"/>
+                <a:cs typeface="Consolas" panose="020B0609020204030204" pitchFamily="49" charset="0"/>
+              </a:rPr>
+              <a:t>東日本</a:t>
+            </a:r>
+            <a:r>
+              <a:rPr lang="en-AU" altLang="ja-JP" dirty="0">
+                <a:latin typeface="Consolas" panose="020B0609020204030204" pitchFamily="49" charset="0"/>
+                <a:cs typeface="Consolas" panose="020B0609020204030204" pitchFamily="49" charset="0"/>
+              </a:rPr>
+              <a:t>,</a:t>
+            </a:r>
+          </a:p>
+          <a:p>
+            <a:r>
+              <a:rPr lang="en-AU" altLang="ja-JP" dirty="0">
+                <a:latin typeface="Consolas" panose="020B0609020204030204" pitchFamily="49" charset="0"/>
+                <a:cs typeface="Consolas" panose="020B0609020204030204" pitchFamily="49" charset="0"/>
+              </a:rPr>
+              <a:t>   ...</a:t>
+            </a:r>
+          </a:p>
+          <a:p>
+            <a:r>
+              <a:rPr lang="en-AU" dirty="0">
+                <a:latin typeface="Consolas" panose="020B0609020204030204" pitchFamily="49" charset="0"/>
+                <a:cs typeface="Consolas" panose="020B0609020204030204" pitchFamily="49" charset="0"/>
+              </a:rPr>
+              <a:t>   "user":{</a:t>
+            </a:r>
+          </a:p>
+          <a:p>
+            <a:r>
+              <a:rPr lang="en-AU" dirty="0">
+                <a:latin typeface="Consolas" panose="020B0609020204030204" pitchFamily="49" charset="0"/>
+                <a:cs typeface="Consolas" panose="020B0609020204030204" pitchFamily="49" charset="0"/>
+              </a:rPr>
+              <a:t>      ...</a:t>
+            </a:r>
+          </a:p>
+          <a:p>
+            <a:r>
+              <a:rPr lang="en-AU" dirty="0">
+                <a:latin typeface="Consolas" panose="020B0609020204030204" pitchFamily="49" charset="0"/>
+                <a:cs typeface="Consolas" panose="020B0609020204030204" pitchFamily="49" charset="0"/>
+              </a:rPr>
+              <a:t>      "</a:t>
+            </a:r>
+            <a:r>
+              <a:rPr lang="en-AU" dirty="0" err="1">
+                <a:latin typeface="Consolas" panose="020B0609020204030204" pitchFamily="49" charset="0"/>
+                <a:cs typeface="Consolas" panose="020B0609020204030204" pitchFamily="49" charset="0"/>
+              </a:rPr>
+              <a:t>screen_name</a:t>
+            </a:r>
+            <a:r>
+              <a:rPr lang="en-AU" dirty="0">
+                <a:latin typeface="Consolas" panose="020B0609020204030204" pitchFamily="49" charset="0"/>
+                <a:cs typeface="Consolas" panose="020B0609020204030204" pitchFamily="49" charset="0"/>
+              </a:rPr>
+              <a:t>":"</a:t>
+            </a:r>
+            <a:r>
+              <a:rPr lang="ja-JP" altLang="en-US">
+                <a:latin typeface="Consolas" panose="020B0609020204030204" pitchFamily="49" charset="0"/>
+                <a:cs typeface="Consolas" panose="020B0609020204030204" pitchFamily="49" charset="0"/>
+              </a:rPr>
+              <a:t>やさしい靴工房</a:t>
+            </a:r>
+            <a:r>
+              <a:rPr lang="en-AU" dirty="0" err="1">
+                <a:latin typeface="Consolas" panose="020B0609020204030204" pitchFamily="49" charset="0"/>
+                <a:cs typeface="Consolas" panose="020B0609020204030204" pitchFamily="49" charset="0"/>
+              </a:rPr>
+              <a:t>Belle＆Sofa</a:t>
+            </a:r>
+            <a:r>
+              <a:rPr lang="en-AU" dirty="0">
+                <a:latin typeface="Consolas" panose="020B0609020204030204" pitchFamily="49" charset="0"/>
+                <a:cs typeface="Consolas" panose="020B0609020204030204" pitchFamily="49" charset="0"/>
+              </a:rPr>
+              <a:t>＠</a:t>
+            </a:r>
+            <a:r>
+              <a:rPr lang="ja-JP" altLang="en-US">
+                <a:latin typeface="Consolas" panose="020B0609020204030204" pitchFamily="49" charset="0"/>
+                <a:cs typeface="Consolas" panose="020B0609020204030204" pitchFamily="49" charset="0"/>
+              </a:rPr>
+              <a:t>うぇ部</a:t>
+            </a:r>
+            <a:r>
+              <a:rPr lang="en-AU" b="1" dirty="0"/>
+              <a:t>💛</a:t>
+            </a:r>
+            <a:r>
+              <a:rPr lang="en-US" altLang="ja-JP" dirty="0">
+                <a:latin typeface="Consolas" panose="020B0609020204030204" pitchFamily="49" charset="0"/>
+                <a:cs typeface="Consolas" panose="020B0609020204030204" pitchFamily="49" charset="0"/>
+              </a:rPr>
+              <a:t>",</a:t>
+            </a:r>
+          </a:p>
+          <a:p>
+            <a:r>
+              <a:rPr lang="en-US" altLang="ja-JP" dirty="0">
+                <a:latin typeface="Consolas" panose="020B0609020204030204" pitchFamily="49" charset="0"/>
+                <a:cs typeface="Consolas" panose="020B0609020204030204" pitchFamily="49" charset="0"/>
+              </a:rPr>
+              <a:t>      </a:t>
+            </a:r>
+            <a:r>
+              <a:rPr lang="en-AU" dirty="0">
+                <a:latin typeface="Consolas" panose="020B0609020204030204" pitchFamily="49" charset="0"/>
+                <a:cs typeface="Consolas" panose="020B0609020204030204" pitchFamily="49" charset="0"/>
+              </a:rPr>
+              <a:t>"user_name":"</a:t>
+            </a:r>
+            <a:r>
+              <a:rPr lang="en-AU" dirty="0" err="1">
+                <a:latin typeface="Consolas" panose="020B0609020204030204" pitchFamily="49" charset="0"/>
+                <a:cs typeface="Consolas" panose="020B0609020204030204" pitchFamily="49" charset="0"/>
+              </a:rPr>
+              <a:t>BelleSofa</a:t>
+            </a:r>
+            <a:r>
+              <a:rPr lang="en-AU" dirty="0">
+                <a:latin typeface="Consolas" panose="020B0609020204030204" pitchFamily="49" charset="0"/>
+                <a:cs typeface="Consolas" panose="020B0609020204030204" pitchFamily="49" charset="0"/>
+              </a:rPr>
+              <a:t>",</a:t>
+            </a:r>
+          </a:p>
+          <a:p>
+            <a:r>
+              <a:rPr lang="en-AU" dirty="0">
+                <a:latin typeface="Consolas" panose="020B0609020204030204" pitchFamily="49" charset="0"/>
+                <a:cs typeface="Consolas" panose="020B0609020204030204" pitchFamily="49" charset="0"/>
+              </a:rPr>
+              <a:t>      ...</a:t>
+            </a:r>
+          </a:p>
+          <a:p>
+            <a:r>
+              <a:rPr lang="en-AU" dirty="0">
+                <a:latin typeface="Consolas" panose="020B0609020204030204" pitchFamily="49" charset="0"/>
+                <a:cs typeface="Consolas" panose="020B0609020204030204" pitchFamily="49" charset="0"/>
+              </a:rPr>
+              <a:t>   "lang":"</a:t>
+            </a:r>
+            <a:r>
+              <a:rPr lang="en-AU" dirty="0" err="1">
+                <a:latin typeface="Consolas" panose="020B0609020204030204" pitchFamily="49" charset="0"/>
+                <a:cs typeface="Consolas" panose="020B0609020204030204" pitchFamily="49" charset="0"/>
+              </a:rPr>
+              <a:t>ja</a:t>
+            </a:r>
+            <a:r>
+              <a:rPr lang="en-AU" dirty="0">
+                <a:latin typeface="Consolas" panose="020B0609020204030204" pitchFamily="49" charset="0"/>
+                <a:cs typeface="Consolas" panose="020B0609020204030204" pitchFamily="49" charset="0"/>
+              </a:rPr>
+              <a:t>",</a:t>
+            </a:r>
+          </a:p>
+          <a:p>
+            <a:r>
+              <a:rPr lang="en-AU" dirty="0">
+                <a:latin typeface="Consolas" panose="020B0609020204030204" pitchFamily="49" charset="0"/>
+                <a:cs typeface="Consolas" panose="020B0609020204030204" pitchFamily="49" charset="0"/>
+              </a:rPr>
+              <a:t>   ...</a:t>
+            </a:r>
+          </a:p>
+          <a:p>
+            <a:r>
+              <a:rPr lang="en-AU" dirty="0">
+                <a:latin typeface="Consolas" panose="020B0609020204030204" pitchFamily="49" charset="0"/>
+                <a:cs typeface="Consolas" panose="020B0609020204030204" pitchFamily="49" charset="0"/>
+              </a:rPr>
+              <a:t>}</a:t>
+            </a:r>
+          </a:p>
+        </p:txBody>
+      </p:sp>
+    </p:spTree>
+    <p:extLst>
+      <p:ext uri="{BB962C8B-B14F-4D97-AF65-F5344CB8AC3E}">
+        <p14:creationId xmlns:p14="http://schemas.microsoft.com/office/powerpoint/2010/main" val="950656847"/>
+      </p:ext>
+    </p:extLst>
+  </p:cSld>
+  <p:clrMapOvr>
+    <a:masterClrMapping/>
+  </p:clrMapOvr>
+</p:sld>
+</file>
+
+<file path=ppt/slides/slide11.xml><?xml version="1.0" encoding="utf-8"?>
+<p:sld xmlns:a="http://schemas.openxmlformats.org/drawingml/2006/main" xmlns:r="http://schemas.openxmlformats.org/officeDocument/2006/relationships" xmlns:p="http://schemas.openxmlformats.org/presentationml/2006/main">
+  <p:cSld>
+    <p:spTree>
+      <p:nvGrpSpPr>
+        <p:cNvPr id="1" name=""/>
+        <p:cNvGrpSpPr/>
+        <p:nvPr/>
+      </p:nvGrpSpPr>
+      <p:grpSpPr>
+        <a:xfrm>
+          <a:off x="0" y="0"/>
+          <a:ext cx="0" cy="0"/>
+          <a:chOff x="0" y="0"/>
+          <a:chExt cx="0" cy="0"/>
+        </a:xfrm>
+      </p:grpSpPr>
+      <p:sp>
+        <p:nvSpPr>
+          <p:cNvPr id="2" name="Title 1">
+            <a:extLst>
+              <a:ext uri="{FF2B5EF4-FFF2-40B4-BE49-F238E27FC236}">
+                <a16:creationId xmlns:a16="http://schemas.microsoft.com/office/drawing/2014/main" id="{8C0BF10A-A3BB-E141-89C7-0CCBAD9461CB}"/>
+              </a:ext>
+            </a:extLst>
+          </p:cNvPr>
+          <p:cNvSpPr>
+            <a:spLocks noGrp="1"/>
+          </p:cNvSpPr>
+          <p:nvPr>
+            <p:ph type="title"/>
+          </p:nvPr>
+        </p:nvSpPr>
+        <p:spPr/>
+        <p:txBody>
+          <a:bodyPr/>
+          <a:lstStyle/>
+          <a:p>
+            <a:pPr algn="ctr"/>
+            <a:r>
+              <a:rPr lang="en-AU" dirty="0"/>
+              <a:t>The Data</a:t>
+            </a:r>
+          </a:p>
+        </p:txBody>
+      </p:sp>
+      <p:sp>
+        <p:nvSpPr>
+          <p:cNvPr id="4" name="Footer Placeholder 3">
+            <a:extLst>
+              <a:ext uri="{FF2B5EF4-FFF2-40B4-BE49-F238E27FC236}">
+                <a16:creationId xmlns:a16="http://schemas.microsoft.com/office/drawing/2014/main" id="{17EBEA95-AE88-1D4F-AF3D-C33D89D205BB}"/>
+              </a:ext>
+            </a:extLst>
+          </p:cNvPr>
+          <p:cNvSpPr>
+            <a:spLocks noGrp="1"/>
+          </p:cNvSpPr>
+          <p:nvPr>
+            <p:ph type="ftr" sz="quarter" idx="11"/>
+          </p:nvPr>
+        </p:nvSpPr>
+        <p:spPr/>
+        <p:txBody>
+          <a:bodyPr/>
+          <a:lstStyle/>
+          <a:p>
+            <a:r>
+              <a:rPr lang="en-AU" dirty="0"/>
+              <a:t>Methodology</a:t>
+            </a:r>
+          </a:p>
+        </p:txBody>
+      </p:sp>
+      <p:sp>
+        <p:nvSpPr>
+          <p:cNvPr id="5" name="Slide Number Placeholder 4">
+            <a:extLst>
+              <a:ext uri="{FF2B5EF4-FFF2-40B4-BE49-F238E27FC236}">
+                <a16:creationId xmlns:a16="http://schemas.microsoft.com/office/drawing/2014/main" id="{0EBAA733-F1C9-D746-B679-F2AADE27D00B}"/>
+              </a:ext>
+            </a:extLst>
+          </p:cNvPr>
+          <p:cNvSpPr>
+            <a:spLocks noGrp="1"/>
+          </p:cNvSpPr>
+          <p:nvPr>
+            <p:ph type="sldNum" sz="quarter" idx="12"/>
+          </p:nvPr>
+        </p:nvSpPr>
+        <p:spPr/>
+        <p:txBody>
+          <a:bodyPr/>
+          <a:lstStyle/>
+          <a:p>
+            <a:fld id="{AD0369CE-0151-F748-9ED4-9508A9FAC3FF}" type="slidenum">
+              <a:rPr lang="en-AU" smtClean="0"/>
+              <a:t>11</a:t>
+            </a:fld>
+            <a:endParaRPr lang="en-AU"/>
+          </a:p>
+        </p:txBody>
+      </p:sp>
+      <p:sp>
+        <p:nvSpPr>
+          <p:cNvPr id="6" name="TextBox 5">
+            <a:extLst>
+              <a:ext uri="{FF2B5EF4-FFF2-40B4-BE49-F238E27FC236}">
+                <a16:creationId xmlns:a16="http://schemas.microsoft.com/office/drawing/2014/main" id="{13AFA552-833F-2841-9AB1-5BC64A3803FB}"/>
+              </a:ext>
+            </a:extLst>
+          </p:cNvPr>
+          <p:cNvSpPr txBox="1"/>
+          <p:nvPr/>
+        </p:nvSpPr>
+        <p:spPr>
+          <a:xfrm>
+            <a:off x="636665" y="1690688"/>
+            <a:ext cx="7173835" cy="3970318"/>
+          </a:xfrm>
+          <a:prstGeom prst="rect">
+            <a:avLst/>
+          </a:prstGeom>
+          <a:noFill/>
+        </p:spPr>
+        <p:txBody>
+          <a:bodyPr wrap="square" rtlCol="0">
+            <a:spAutoFit/>
+          </a:bodyPr>
+          <a:lstStyle/>
+          <a:p>
+            <a:r>
+              <a:rPr lang="en-AU" dirty="0">
+                <a:latin typeface="Consolas" panose="020B0609020204030204" pitchFamily="49" charset="0"/>
+                <a:cs typeface="Consolas" panose="020B0609020204030204" pitchFamily="49" charset="0"/>
+              </a:rPr>
+              <a:t>{</a:t>
+            </a:r>
+          </a:p>
+          <a:p>
+            <a:r>
+              <a:rPr lang="en-AU" dirty="0">
+                <a:latin typeface="Consolas" panose="020B0609020204030204" pitchFamily="49" charset="0"/>
+                <a:cs typeface="Consolas" panose="020B0609020204030204" pitchFamily="49" charset="0"/>
+              </a:rPr>
+              <a:t>   "</a:t>
+            </a:r>
+            <a:r>
+              <a:rPr lang="en-AU" dirty="0" err="1">
+                <a:latin typeface="Consolas" panose="020B0609020204030204" pitchFamily="49" charset="0"/>
+                <a:cs typeface="Consolas" panose="020B0609020204030204" pitchFamily="49" charset="0"/>
+              </a:rPr>
+              <a:t>created_at":"Thu</a:t>
+            </a:r>
+            <a:r>
+              <a:rPr lang="en-AU" dirty="0">
+                <a:latin typeface="Consolas" panose="020B0609020204030204" pitchFamily="49" charset="0"/>
+                <a:cs typeface="Consolas" panose="020B0609020204030204" pitchFamily="49" charset="0"/>
+              </a:rPr>
+              <a:t> Mar 11 02:38:06 +0000 2021",</a:t>
+            </a:r>
+          </a:p>
+          <a:p>
+            <a:r>
+              <a:rPr lang="en-AU" dirty="0">
+                <a:latin typeface="Consolas" panose="020B0609020204030204" pitchFamily="49" charset="0"/>
+                <a:cs typeface="Consolas" panose="020B0609020204030204" pitchFamily="49" charset="0"/>
+              </a:rPr>
+              <a:t>   "id":1369840023508455426,</a:t>
+            </a:r>
+          </a:p>
+          <a:p>
+            <a:r>
+              <a:rPr lang="en-AU" dirty="0">
+                <a:latin typeface="Consolas" panose="020B0609020204030204" pitchFamily="49" charset="0"/>
+                <a:cs typeface="Consolas" panose="020B0609020204030204" pitchFamily="49" charset="0"/>
+              </a:rPr>
+              <a:t>   "id_str":"1369840023508455426",</a:t>
+            </a:r>
+          </a:p>
+          <a:p>
+            <a:r>
+              <a:rPr lang="en-AU" dirty="0">
+                <a:latin typeface="Consolas" panose="020B0609020204030204" pitchFamily="49" charset="0"/>
+                <a:cs typeface="Consolas" panose="020B0609020204030204" pitchFamily="49" charset="0"/>
+              </a:rPr>
+              <a:t>   "text":"</a:t>
+            </a:r>
+            <a:r>
+              <a:rPr lang="ja-JP" altLang="en-US">
+                <a:latin typeface="Consolas" panose="020B0609020204030204" pitchFamily="49" charset="0"/>
+                <a:cs typeface="Consolas" panose="020B0609020204030204" pitchFamily="49" charset="0"/>
+              </a:rPr>
+              <a:t>東日本</a:t>
+            </a:r>
+            <a:r>
+              <a:rPr lang="en-AU" altLang="ja-JP" dirty="0">
+                <a:latin typeface="Consolas" panose="020B0609020204030204" pitchFamily="49" charset="0"/>
+                <a:cs typeface="Consolas" panose="020B0609020204030204" pitchFamily="49" charset="0"/>
+              </a:rPr>
+              <a:t>,</a:t>
+            </a:r>
+          </a:p>
+          <a:p>
+            <a:r>
+              <a:rPr lang="en-AU" altLang="ja-JP" dirty="0">
+                <a:latin typeface="Consolas" panose="020B0609020204030204" pitchFamily="49" charset="0"/>
+                <a:cs typeface="Consolas" panose="020B0609020204030204" pitchFamily="49" charset="0"/>
+              </a:rPr>
+              <a:t>   ...</a:t>
+            </a:r>
+          </a:p>
+          <a:p>
+            <a:r>
+              <a:rPr lang="en-AU" dirty="0">
+                <a:latin typeface="Consolas" panose="020B0609020204030204" pitchFamily="49" charset="0"/>
+                <a:cs typeface="Consolas" panose="020B0609020204030204" pitchFamily="49" charset="0"/>
+              </a:rPr>
+              <a:t>   "user":{</a:t>
+            </a:r>
+          </a:p>
+          <a:p>
+            <a:r>
+              <a:rPr lang="en-AU" dirty="0">
+                <a:latin typeface="Consolas" panose="020B0609020204030204" pitchFamily="49" charset="0"/>
+                <a:cs typeface="Consolas" panose="020B0609020204030204" pitchFamily="49" charset="0"/>
+              </a:rPr>
+              <a:t>      ...</a:t>
+            </a:r>
+          </a:p>
+          <a:p>
+            <a:r>
+              <a:rPr lang="en-AU" dirty="0">
+                <a:latin typeface="Consolas" panose="020B0609020204030204" pitchFamily="49" charset="0"/>
+                <a:cs typeface="Consolas" panose="020B0609020204030204" pitchFamily="49" charset="0"/>
+              </a:rPr>
+              <a:t>      "</a:t>
+            </a:r>
+            <a:r>
+              <a:rPr lang="en-AU" dirty="0" err="1">
+                <a:highlight>
+                  <a:srgbClr val="FFFF00"/>
+                </a:highlight>
+                <a:latin typeface="Consolas" panose="020B0609020204030204" pitchFamily="49" charset="0"/>
+                <a:cs typeface="Consolas" panose="020B0609020204030204" pitchFamily="49" charset="0"/>
+              </a:rPr>
+              <a:t>screen_name</a:t>
+            </a:r>
+            <a:r>
+              <a:rPr lang="en-AU" dirty="0">
+                <a:highlight>
+                  <a:srgbClr val="FFFF00"/>
+                </a:highlight>
+                <a:latin typeface="Consolas" panose="020B0609020204030204" pitchFamily="49" charset="0"/>
+                <a:cs typeface="Consolas" panose="020B0609020204030204" pitchFamily="49" charset="0"/>
+              </a:rPr>
+              <a:t>":"</a:t>
+            </a:r>
+            <a:r>
+              <a:rPr lang="ja-JP" altLang="en-US">
+                <a:highlight>
+                  <a:srgbClr val="FFFF00"/>
+                </a:highlight>
+                <a:latin typeface="Consolas" panose="020B0609020204030204" pitchFamily="49" charset="0"/>
+                <a:cs typeface="Consolas" panose="020B0609020204030204" pitchFamily="49" charset="0"/>
+              </a:rPr>
+              <a:t>やさしい靴工房</a:t>
+            </a:r>
+            <a:r>
+              <a:rPr lang="en-AU" dirty="0" err="1">
+                <a:highlight>
+                  <a:srgbClr val="FFFF00"/>
+                </a:highlight>
+                <a:latin typeface="Consolas" panose="020B0609020204030204" pitchFamily="49" charset="0"/>
+                <a:cs typeface="Consolas" panose="020B0609020204030204" pitchFamily="49" charset="0"/>
+              </a:rPr>
+              <a:t>Belle＆Sofa</a:t>
+            </a:r>
+            <a:r>
+              <a:rPr lang="en-AU" dirty="0">
+                <a:highlight>
+                  <a:srgbClr val="FFFF00"/>
+                </a:highlight>
+                <a:latin typeface="Consolas" panose="020B0609020204030204" pitchFamily="49" charset="0"/>
+                <a:cs typeface="Consolas" panose="020B0609020204030204" pitchFamily="49" charset="0"/>
+              </a:rPr>
+              <a:t>＠</a:t>
+            </a:r>
+            <a:r>
+              <a:rPr lang="ja-JP" altLang="en-US">
+                <a:highlight>
+                  <a:srgbClr val="FFFF00"/>
+                </a:highlight>
+                <a:latin typeface="Consolas" panose="020B0609020204030204" pitchFamily="49" charset="0"/>
+                <a:cs typeface="Consolas" panose="020B0609020204030204" pitchFamily="49" charset="0"/>
+              </a:rPr>
+              <a:t>うぇ部</a:t>
+            </a:r>
+            <a:r>
+              <a:rPr lang="en-AU" b="1" dirty="0">
+                <a:highlight>
+                  <a:srgbClr val="FFFF00"/>
+                </a:highlight>
+              </a:rPr>
+              <a:t>💛</a:t>
+            </a:r>
+            <a:r>
+              <a:rPr lang="en-US" altLang="ja-JP" dirty="0">
+                <a:highlight>
+                  <a:srgbClr val="FFFF00"/>
+                </a:highlight>
+                <a:latin typeface="Consolas" panose="020B0609020204030204" pitchFamily="49" charset="0"/>
+                <a:cs typeface="Consolas" panose="020B0609020204030204" pitchFamily="49" charset="0"/>
+              </a:rPr>
+              <a:t>"</a:t>
+            </a:r>
+            <a:r>
+              <a:rPr lang="en-US" altLang="ja-JP" dirty="0">
+                <a:latin typeface="Consolas" panose="020B0609020204030204" pitchFamily="49" charset="0"/>
+                <a:cs typeface="Consolas" panose="020B0609020204030204" pitchFamily="49" charset="0"/>
+              </a:rPr>
+              <a:t>,</a:t>
+            </a:r>
+          </a:p>
+          <a:p>
+            <a:r>
+              <a:rPr lang="en-US" altLang="ja-JP" dirty="0">
+                <a:latin typeface="Consolas" panose="020B0609020204030204" pitchFamily="49" charset="0"/>
+                <a:cs typeface="Consolas" panose="020B0609020204030204" pitchFamily="49" charset="0"/>
+              </a:rPr>
+              <a:t>      </a:t>
+            </a:r>
+            <a:r>
+              <a:rPr lang="en-AU" dirty="0">
+                <a:latin typeface="Consolas" panose="020B0609020204030204" pitchFamily="49" charset="0"/>
+                <a:cs typeface="Consolas" panose="020B0609020204030204" pitchFamily="49" charset="0"/>
+              </a:rPr>
+              <a:t>"</a:t>
+            </a:r>
+            <a:r>
+              <a:rPr lang="en-AU" dirty="0">
+                <a:highlight>
+                  <a:srgbClr val="FFFF00"/>
+                </a:highlight>
+                <a:latin typeface="Consolas" panose="020B0609020204030204" pitchFamily="49" charset="0"/>
+                <a:cs typeface="Consolas" panose="020B0609020204030204" pitchFamily="49" charset="0"/>
+              </a:rPr>
+              <a:t>user_name":"</a:t>
+            </a:r>
+            <a:r>
+              <a:rPr lang="en-AU" dirty="0" err="1">
+                <a:highlight>
+                  <a:srgbClr val="FFFF00"/>
+                </a:highlight>
+                <a:latin typeface="Consolas" panose="020B0609020204030204" pitchFamily="49" charset="0"/>
+                <a:cs typeface="Consolas" panose="020B0609020204030204" pitchFamily="49" charset="0"/>
+              </a:rPr>
+              <a:t>BelleSofa</a:t>
+            </a:r>
+            <a:r>
+              <a:rPr lang="en-AU" dirty="0">
+                <a:highlight>
+                  <a:srgbClr val="FFFF00"/>
+                </a:highlight>
+                <a:latin typeface="Consolas" panose="020B0609020204030204" pitchFamily="49" charset="0"/>
+                <a:cs typeface="Consolas" panose="020B0609020204030204" pitchFamily="49" charset="0"/>
+              </a:rPr>
+              <a:t>"</a:t>
+            </a:r>
+            <a:r>
+              <a:rPr lang="en-AU" dirty="0">
+                <a:latin typeface="Consolas" panose="020B0609020204030204" pitchFamily="49" charset="0"/>
+                <a:cs typeface="Consolas" panose="020B0609020204030204" pitchFamily="49" charset="0"/>
+              </a:rPr>
+              <a:t>,</a:t>
+            </a:r>
+          </a:p>
+          <a:p>
+            <a:r>
+              <a:rPr lang="en-AU" dirty="0">
+                <a:latin typeface="Consolas" panose="020B0609020204030204" pitchFamily="49" charset="0"/>
+                <a:cs typeface="Consolas" panose="020B0609020204030204" pitchFamily="49" charset="0"/>
+              </a:rPr>
+              <a:t>      ...</a:t>
+            </a:r>
+          </a:p>
+          <a:p>
+            <a:r>
+              <a:rPr lang="en-AU" dirty="0">
+                <a:latin typeface="Consolas" panose="020B0609020204030204" pitchFamily="49" charset="0"/>
+                <a:cs typeface="Consolas" panose="020B0609020204030204" pitchFamily="49" charset="0"/>
+              </a:rPr>
+              <a:t>   </a:t>
+            </a:r>
+            <a:r>
+              <a:rPr lang="en-AU" dirty="0">
+                <a:highlight>
+                  <a:srgbClr val="FFFF00"/>
+                </a:highlight>
+                <a:latin typeface="Consolas" panose="020B0609020204030204" pitchFamily="49" charset="0"/>
+                <a:cs typeface="Consolas" panose="020B0609020204030204" pitchFamily="49" charset="0"/>
+              </a:rPr>
+              <a:t>"lang":"</a:t>
+            </a:r>
+            <a:r>
+              <a:rPr lang="en-AU" dirty="0" err="1">
+                <a:highlight>
+                  <a:srgbClr val="FFFF00"/>
+                </a:highlight>
+                <a:latin typeface="Consolas" panose="020B0609020204030204" pitchFamily="49" charset="0"/>
+                <a:cs typeface="Consolas" panose="020B0609020204030204" pitchFamily="49" charset="0"/>
+              </a:rPr>
+              <a:t>ja</a:t>
+            </a:r>
+            <a:r>
+              <a:rPr lang="en-AU" dirty="0">
+                <a:highlight>
+                  <a:srgbClr val="FFFF00"/>
+                </a:highlight>
+                <a:latin typeface="Consolas" panose="020B0609020204030204" pitchFamily="49" charset="0"/>
+                <a:cs typeface="Consolas" panose="020B0609020204030204" pitchFamily="49" charset="0"/>
+              </a:rPr>
+              <a:t>"</a:t>
+            </a:r>
+            <a:r>
+              <a:rPr lang="en-AU" dirty="0">
+                <a:latin typeface="Consolas" panose="020B0609020204030204" pitchFamily="49" charset="0"/>
+                <a:cs typeface="Consolas" panose="020B0609020204030204" pitchFamily="49" charset="0"/>
+              </a:rPr>
+              <a:t>,</a:t>
+            </a:r>
+          </a:p>
+          <a:p>
+            <a:r>
+              <a:rPr lang="en-AU" dirty="0">
+                <a:latin typeface="Consolas" panose="020B0609020204030204" pitchFamily="49" charset="0"/>
+                <a:cs typeface="Consolas" panose="020B0609020204030204" pitchFamily="49" charset="0"/>
+              </a:rPr>
+              <a:t>   ...</a:t>
+            </a:r>
+          </a:p>
+          <a:p>
+            <a:r>
+              <a:rPr lang="en-AU" dirty="0">
+                <a:latin typeface="Consolas" panose="020B0609020204030204" pitchFamily="49" charset="0"/>
+                <a:cs typeface="Consolas" panose="020B0609020204030204" pitchFamily="49" charset="0"/>
+              </a:rPr>
+              <a:t>}</a:t>
+            </a:r>
+          </a:p>
+        </p:txBody>
+      </p:sp>
+    </p:spTree>
+    <p:extLst>
+      <p:ext uri="{BB962C8B-B14F-4D97-AF65-F5344CB8AC3E}">
+        <p14:creationId xmlns:p14="http://schemas.microsoft.com/office/powerpoint/2010/main" val="3247146574"/>
+      </p:ext>
+    </p:extLst>
+  </p:cSld>
+  <p:clrMapOvr>
+    <a:masterClrMapping/>
+  </p:clrMapOvr>
+</p:sld>
+</file>
+
+<file path=ppt/slides/slide12.xml><?xml version="1.0" encoding="utf-8"?>
+<p:sld xmlns:a="http://schemas.openxmlformats.org/drawingml/2006/main" xmlns:r="http://schemas.openxmlformats.org/officeDocument/2006/relationships" xmlns:p="http://schemas.openxmlformats.org/presentationml/2006/main">
+  <p:cSld>
+    <p:spTree>
+      <p:nvGrpSpPr>
+        <p:cNvPr id="1" name=""/>
+        <p:cNvGrpSpPr/>
+        <p:nvPr/>
+      </p:nvGrpSpPr>
+      <p:grpSpPr>
+        <a:xfrm>
+          <a:off x="0" y="0"/>
+          <a:ext cx="0" cy="0"/>
+          <a:chOff x="0" y="0"/>
+          <a:chExt cx="0" cy="0"/>
+        </a:xfrm>
+      </p:grpSpPr>
+      <p:sp>
+        <p:nvSpPr>
+          <p:cNvPr id="2" name="Title 1">
+            <a:extLst>
+              <a:ext uri="{FF2B5EF4-FFF2-40B4-BE49-F238E27FC236}">
+                <a16:creationId xmlns:a16="http://schemas.microsoft.com/office/drawing/2014/main" id="{8C0BF10A-A3BB-E141-89C7-0CCBAD9461CB}"/>
+              </a:ext>
+            </a:extLst>
+          </p:cNvPr>
+          <p:cNvSpPr>
+            <a:spLocks noGrp="1"/>
+          </p:cNvSpPr>
+          <p:nvPr>
+            <p:ph type="title"/>
+          </p:nvPr>
+        </p:nvSpPr>
+        <p:spPr/>
+        <p:txBody>
+          <a:bodyPr/>
+          <a:lstStyle/>
+          <a:p>
+            <a:pPr algn="ctr"/>
+            <a:r>
+              <a:rPr lang="en-AU" dirty="0"/>
+              <a:t>Filtering – Using Tweet Language</a:t>
+            </a:r>
+          </a:p>
+        </p:txBody>
+      </p:sp>
+      <p:sp>
+        <p:nvSpPr>
+          <p:cNvPr id="3" name="Content Placeholder 2">
+            <a:extLst>
+              <a:ext uri="{FF2B5EF4-FFF2-40B4-BE49-F238E27FC236}">
+                <a16:creationId xmlns:a16="http://schemas.microsoft.com/office/drawing/2014/main" id="{2FD96938-55EB-F040-8256-ABEA06191FC4}"/>
+              </a:ext>
+            </a:extLst>
+          </p:cNvPr>
+          <p:cNvSpPr>
+            <a:spLocks noGrp="1"/>
+          </p:cNvSpPr>
+          <p:nvPr>
+            <p:ph idx="1"/>
+          </p:nvPr>
+        </p:nvSpPr>
+        <p:spPr/>
+        <p:txBody>
+          <a:bodyPr/>
+          <a:lstStyle/>
+          <a:p>
+            <a:r>
+              <a:rPr lang="en-AU" dirty="0"/>
+              <a:t>Picture of set of tweets</a:t>
+            </a:r>
+          </a:p>
+          <a:p>
+            <a:r>
+              <a:rPr lang="en-AU" dirty="0"/>
+              <a:t>Arrow (filter on language)</a:t>
+            </a:r>
+          </a:p>
+          <a:p>
+            <a:r>
+              <a:rPr lang="en-AU" dirty="0"/>
+              <a:t>Picture of smaller set of tweets</a:t>
+            </a:r>
+          </a:p>
+        </p:txBody>
+      </p:sp>
+      <p:sp>
+        <p:nvSpPr>
+          <p:cNvPr id="4" name="Footer Placeholder 3">
+            <a:extLst>
+              <a:ext uri="{FF2B5EF4-FFF2-40B4-BE49-F238E27FC236}">
+                <a16:creationId xmlns:a16="http://schemas.microsoft.com/office/drawing/2014/main" id="{17EBEA95-AE88-1D4F-AF3D-C33D89D205BB}"/>
+              </a:ext>
+            </a:extLst>
+          </p:cNvPr>
+          <p:cNvSpPr>
+            <a:spLocks noGrp="1"/>
+          </p:cNvSpPr>
+          <p:nvPr>
+            <p:ph type="ftr" sz="quarter" idx="11"/>
+          </p:nvPr>
+        </p:nvSpPr>
+        <p:spPr/>
+        <p:txBody>
+          <a:bodyPr/>
+          <a:lstStyle/>
+          <a:p>
+            <a:r>
+              <a:rPr lang="en-AU" dirty="0"/>
+              <a:t>Methodology</a:t>
+            </a:r>
+          </a:p>
+        </p:txBody>
+      </p:sp>
+      <p:sp>
+        <p:nvSpPr>
+          <p:cNvPr id="5" name="Slide Number Placeholder 4">
+            <a:extLst>
+              <a:ext uri="{FF2B5EF4-FFF2-40B4-BE49-F238E27FC236}">
+                <a16:creationId xmlns:a16="http://schemas.microsoft.com/office/drawing/2014/main" id="{0EBAA733-F1C9-D746-B679-F2AADE27D00B}"/>
+              </a:ext>
+            </a:extLst>
+          </p:cNvPr>
+          <p:cNvSpPr>
+            <a:spLocks noGrp="1"/>
+          </p:cNvSpPr>
+          <p:nvPr>
+            <p:ph type="sldNum" sz="quarter" idx="12"/>
+          </p:nvPr>
+        </p:nvSpPr>
+        <p:spPr/>
+        <p:txBody>
+          <a:bodyPr/>
+          <a:lstStyle/>
+          <a:p>
+            <a:fld id="{AD0369CE-0151-F748-9ED4-9508A9FAC3FF}" type="slidenum">
+              <a:rPr lang="en-AU" smtClean="0"/>
+              <a:t>12</a:t>
+            </a:fld>
+            <a:endParaRPr lang="en-AU"/>
+          </a:p>
+        </p:txBody>
+      </p:sp>
+    </p:spTree>
+    <p:extLst>
+      <p:ext uri="{BB962C8B-B14F-4D97-AF65-F5344CB8AC3E}">
+        <p14:creationId xmlns:p14="http://schemas.microsoft.com/office/powerpoint/2010/main" val="3110370678"/>
+      </p:ext>
+    </p:extLst>
+  </p:cSld>
+  <p:clrMapOvr>
+    <a:masterClrMapping/>
+  </p:clrMapOvr>
+</p:sld>
+</file>
+
+<file path=ppt/slides/slide13.xml><?xml version="1.0" encoding="utf-8"?>
+<p:sld xmlns:a="http://schemas.openxmlformats.org/drawingml/2006/main" xmlns:r="http://schemas.openxmlformats.org/officeDocument/2006/relationships" xmlns:p="http://schemas.openxmlformats.org/presentationml/2006/main">
+  <p:cSld>
+    <p:spTree>
+      <p:nvGrpSpPr>
+        <p:cNvPr id="1" name=""/>
+        <p:cNvGrpSpPr/>
+        <p:nvPr/>
+      </p:nvGrpSpPr>
+      <p:grpSpPr>
+        <a:xfrm>
+          <a:off x="0" y="0"/>
+          <a:ext cx="0" cy="0"/>
+          <a:chOff x="0" y="0"/>
+          <a:chExt cx="0" cy="0"/>
+        </a:xfrm>
+      </p:grpSpPr>
+      <p:sp>
+        <p:nvSpPr>
+          <p:cNvPr id="2" name="Title 1">
+            <a:extLst>
+              <a:ext uri="{FF2B5EF4-FFF2-40B4-BE49-F238E27FC236}">
+                <a16:creationId xmlns:a16="http://schemas.microsoft.com/office/drawing/2014/main" id="{8C0BF10A-A3BB-E141-89C7-0CCBAD9461CB}"/>
+              </a:ext>
+            </a:extLst>
+          </p:cNvPr>
+          <p:cNvSpPr>
+            <a:spLocks noGrp="1"/>
+          </p:cNvSpPr>
+          <p:nvPr>
+            <p:ph type="title"/>
+          </p:nvPr>
+        </p:nvSpPr>
+        <p:spPr/>
+        <p:txBody>
+          <a:bodyPr/>
+          <a:lstStyle/>
+          <a:p>
+            <a:pPr algn="ctr"/>
+            <a:r>
+              <a:rPr lang="en-AU" dirty="0"/>
+              <a:t>Filtering</a:t>
+            </a:r>
+          </a:p>
+        </p:txBody>
+      </p:sp>
+      <p:sp>
+        <p:nvSpPr>
+          <p:cNvPr id="4" name="Footer Placeholder 3">
+            <a:extLst>
+              <a:ext uri="{FF2B5EF4-FFF2-40B4-BE49-F238E27FC236}">
+                <a16:creationId xmlns:a16="http://schemas.microsoft.com/office/drawing/2014/main" id="{17EBEA95-AE88-1D4F-AF3D-C33D89D205BB}"/>
+              </a:ext>
+            </a:extLst>
+          </p:cNvPr>
+          <p:cNvSpPr>
+            <a:spLocks noGrp="1"/>
+          </p:cNvSpPr>
+          <p:nvPr>
+            <p:ph type="ftr" sz="quarter" idx="11"/>
+          </p:nvPr>
+        </p:nvSpPr>
+        <p:spPr/>
+        <p:txBody>
+          <a:bodyPr/>
+          <a:lstStyle/>
+          <a:p>
+            <a:r>
+              <a:rPr lang="en-AU" dirty="0"/>
+              <a:t>Methodology</a:t>
+            </a:r>
+          </a:p>
+        </p:txBody>
+      </p:sp>
+      <p:sp>
+        <p:nvSpPr>
+          <p:cNvPr id="5" name="Slide Number Placeholder 4">
+            <a:extLst>
+              <a:ext uri="{FF2B5EF4-FFF2-40B4-BE49-F238E27FC236}">
+                <a16:creationId xmlns:a16="http://schemas.microsoft.com/office/drawing/2014/main" id="{0EBAA733-F1C9-D746-B679-F2AADE27D00B}"/>
+              </a:ext>
+            </a:extLst>
+          </p:cNvPr>
+          <p:cNvSpPr>
+            <a:spLocks noGrp="1"/>
+          </p:cNvSpPr>
+          <p:nvPr>
+            <p:ph type="sldNum" sz="quarter" idx="12"/>
+          </p:nvPr>
+        </p:nvSpPr>
+        <p:spPr/>
+        <p:txBody>
+          <a:bodyPr/>
+          <a:lstStyle/>
+          <a:p>
+            <a:fld id="{AD0369CE-0151-F748-9ED4-9508A9FAC3FF}" type="slidenum">
+              <a:rPr lang="en-AU" smtClean="0"/>
+              <a:t>13</a:t>
+            </a:fld>
+            <a:endParaRPr lang="en-AU"/>
+          </a:p>
+        </p:txBody>
+      </p:sp>
+      <p:sp>
+        <p:nvSpPr>
+          <p:cNvPr id="6" name="TextBox 5">
+            <a:extLst>
+              <a:ext uri="{FF2B5EF4-FFF2-40B4-BE49-F238E27FC236}">
+                <a16:creationId xmlns:a16="http://schemas.microsoft.com/office/drawing/2014/main" id="{13AFA552-833F-2841-9AB1-5BC64A3803FB}"/>
+              </a:ext>
+            </a:extLst>
+          </p:cNvPr>
+          <p:cNvSpPr txBox="1"/>
+          <p:nvPr/>
+        </p:nvSpPr>
+        <p:spPr>
+          <a:xfrm>
+            <a:off x="636665" y="1690688"/>
+            <a:ext cx="7237335" cy="3970318"/>
+          </a:xfrm>
+          <a:prstGeom prst="rect">
+            <a:avLst/>
+          </a:prstGeom>
+          <a:noFill/>
+        </p:spPr>
+        <p:txBody>
+          <a:bodyPr wrap="square" rtlCol="0">
+            <a:spAutoFit/>
+          </a:bodyPr>
+          <a:lstStyle/>
+          <a:p>
+            <a:r>
+              <a:rPr lang="en-AU" dirty="0">
+                <a:latin typeface="Consolas" panose="020B0609020204030204" pitchFamily="49" charset="0"/>
+                <a:cs typeface="Consolas" panose="020B0609020204030204" pitchFamily="49" charset="0"/>
+              </a:rPr>
+              <a:t>{</a:t>
+            </a:r>
+          </a:p>
+          <a:p>
+            <a:r>
+              <a:rPr lang="en-AU" dirty="0">
+                <a:latin typeface="Consolas" panose="020B0609020204030204" pitchFamily="49" charset="0"/>
+                <a:cs typeface="Consolas" panose="020B0609020204030204" pitchFamily="49" charset="0"/>
+              </a:rPr>
+              <a:t>   "</a:t>
+            </a:r>
+            <a:r>
+              <a:rPr lang="en-AU" dirty="0" err="1">
+                <a:latin typeface="Consolas" panose="020B0609020204030204" pitchFamily="49" charset="0"/>
+                <a:cs typeface="Consolas" panose="020B0609020204030204" pitchFamily="49" charset="0"/>
+              </a:rPr>
+              <a:t>created_at":"Thu</a:t>
+            </a:r>
+            <a:r>
+              <a:rPr lang="en-AU" dirty="0">
+                <a:latin typeface="Consolas" panose="020B0609020204030204" pitchFamily="49" charset="0"/>
+                <a:cs typeface="Consolas" panose="020B0609020204030204" pitchFamily="49" charset="0"/>
+              </a:rPr>
+              <a:t> Mar 11 02:38:06 +0000 2021",</a:t>
+            </a:r>
+          </a:p>
+          <a:p>
+            <a:r>
+              <a:rPr lang="en-AU" dirty="0">
+                <a:latin typeface="Consolas" panose="020B0609020204030204" pitchFamily="49" charset="0"/>
+                <a:cs typeface="Consolas" panose="020B0609020204030204" pitchFamily="49" charset="0"/>
+              </a:rPr>
+              <a:t>   "id":1369840023508455426,</a:t>
+            </a:r>
+          </a:p>
+          <a:p>
+            <a:r>
+              <a:rPr lang="en-AU" dirty="0">
+                <a:latin typeface="Consolas" panose="020B0609020204030204" pitchFamily="49" charset="0"/>
+                <a:cs typeface="Consolas" panose="020B0609020204030204" pitchFamily="49" charset="0"/>
+              </a:rPr>
+              <a:t>   "id_str":"1369840023508455426",</a:t>
+            </a:r>
+          </a:p>
+          <a:p>
+            <a:r>
+              <a:rPr lang="en-AU" dirty="0">
+                <a:latin typeface="Consolas" panose="020B0609020204030204" pitchFamily="49" charset="0"/>
+                <a:cs typeface="Consolas" panose="020B0609020204030204" pitchFamily="49" charset="0"/>
+              </a:rPr>
+              <a:t>   "text":"</a:t>
+            </a:r>
+            <a:r>
+              <a:rPr lang="ja-JP" altLang="en-US">
+                <a:latin typeface="Consolas" panose="020B0609020204030204" pitchFamily="49" charset="0"/>
+                <a:cs typeface="Consolas" panose="020B0609020204030204" pitchFamily="49" charset="0"/>
+              </a:rPr>
+              <a:t>東日本</a:t>
+            </a:r>
+            <a:r>
+              <a:rPr lang="en-AU" altLang="ja-JP" dirty="0">
+                <a:latin typeface="Consolas" panose="020B0609020204030204" pitchFamily="49" charset="0"/>
+                <a:cs typeface="Consolas" panose="020B0609020204030204" pitchFamily="49" charset="0"/>
+              </a:rPr>
+              <a:t>,</a:t>
+            </a:r>
+          </a:p>
+          <a:p>
+            <a:r>
+              <a:rPr lang="en-AU" altLang="ja-JP" dirty="0">
+                <a:latin typeface="Consolas" panose="020B0609020204030204" pitchFamily="49" charset="0"/>
+                <a:cs typeface="Consolas" panose="020B0609020204030204" pitchFamily="49" charset="0"/>
+              </a:rPr>
+              <a:t>   ...</a:t>
+            </a:r>
+          </a:p>
+          <a:p>
+            <a:r>
+              <a:rPr lang="en-AU" dirty="0">
+                <a:latin typeface="Consolas" panose="020B0609020204030204" pitchFamily="49" charset="0"/>
+                <a:cs typeface="Consolas" panose="020B0609020204030204" pitchFamily="49" charset="0"/>
+              </a:rPr>
+              <a:t>   "user":{</a:t>
+            </a:r>
+          </a:p>
+          <a:p>
+            <a:r>
+              <a:rPr lang="en-AU" dirty="0">
+                <a:latin typeface="Consolas" panose="020B0609020204030204" pitchFamily="49" charset="0"/>
+                <a:cs typeface="Consolas" panose="020B0609020204030204" pitchFamily="49" charset="0"/>
+              </a:rPr>
+              <a:t>      ...</a:t>
+            </a:r>
+          </a:p>
+          <a:p>
+            <a:r>
+              <a:rPr lang="en-AU" dirty="0">
+                <a:latin typeface="Consolas" panose="020B0609020204030204" pitchFamily="49" charset="0"/>
+                <a:cs typeface="Consolas" panose="020B0609020204030204" pitchFamily="49" charset="0"/>
+              </a:rPr>
+              <a:t>      "</a:t>
+            </a:r>
+            <a:r>
+              <a:rPr lang="en-AU" dirty="0" err="1">
+                <a:highlight>
+                  <a:srgbClr val="FFFF00"/>
+                </a:highlight>
+                <a:latin typeface="Consolas" panose="020B0609020204030204" pitchFamily="49" charset="0"/>
+                <a:cs typeface="Consolas" panose="020B0609020204030204" pitchFamily="49" charset="0"/>
+              </a:rPr>
+              <a:t>screen_name</a:t>
+            </a:r>
+            <a:r>
+              <a:rPr lang="en-AU" dirty="0">
+                <a:highlight>
+                  <a:srgbClr val="FFFF00"/>
+                </a:highlight>
+                <a:latin typeface="Consolas" panose="020B0609020204030204" pitchFamily="49" charset="0"/>
+                <a:cs typeface="Consolas" panose="020B0609020204030204" pitchFamily="49" charset="0"/>
+              </a:rPr>
+              <a:t>":"</a:t>
+            </a:r>
+            <a:r>
+              <a:rPr lang="ja-JP" altLang="en-US">
+                <a:highlight>
+                  <a:srgbClr val="FFFF00"/>
+                </a:highlight>
+                <a:latin typeface="Consolas" panose="020B0609020204030204" pitchFamily="49" charset="0"/>
+                <a:cs typeface="Consolas" panose="020B0609020204030204" pitchFamily="49" charset="0"/>
+              </a:rPr>
+              <a:t>やさしい靴工房</a:t>
+            </a:r>
+            <a:r>
+              <a:rPr lang="en-AU" dirty="0" err="1">
+                <a:highlight>
+                  <a:srgbClr val="FFFF00"/>
+                </a:highlight>
+                <a:latin typeface="Consolas" panose="020B0609020204030204" pitchFamily="49" charset="0"/>
+                <a:cs typeface="Consolas" panose="020B0609020204030204" pitchFamily="49" charset="0"/>
+              </a:rPr>
+              <a:t>Belle＆Sofa</a:t>
+            </a:r>
+            <a:r>
+              <a:rPr lang="en-AU" dirty="0">
+                <a:highlight>
+                  <a:srgbClr val="FFFF00"/>
+                </a:highlight>
+                <a:latin typeface="Consolas" panose="020B0609020204030204" pitchFamily="49" charset="0"/>
+                <a:cs typeface="Consolas" panose="020B0609020204030204" pitchFamily="49" charset="0"/>
+              </a:rPr>
+              <a:t>＠</a:t>
+            </a:r>
+            <a:r>
+              <a:rPr lang="ja-JP" altLang="en-US">
+                <a:highlight>
+                  <a:srgbClr val="FFFF00"/>
+                </a:highlight>
+                <a:latin typeface="Consolas" panose="020B0609020204030204" pitchFamily="49" charset="0"/>
+                <a:cs typeface="Consolas" panose="020B0609020204030204" pitchFamily="49" charset="0"/>
+              </a:rPr>
+              <a:t>うぇ部</a:t>
+            </a:r>
+            <a:r>
+              <a:rPr lang="en-AU" b="1" dirty="0">
+                <a:highlight>
+                  <a:srgbClr val="FFFF00"/>
+                </a:highlight>
+              </a:rPr>
+              <a:t>💛</a:t>
+            </a:r>
+            <a:r>
+              <a:rPr lang="en-US" altLang="ja-JP" dirty="0">
+                <a:highlight>
+                  <a:srgbClr val="FFFF00"/>
+                </a:highlight>
+                <a:latin typeface="Consolas" panose="020B0609020204030204" pitchFamily="49" charset="0"/>
+                <a:cs typeface="Consolas" panose="020B0609020204030204" pitchFamily="49" charset="0"/>
+              </a:rPr>
+              <a:t>"</a:t>
+            </a:r>
+            <a:r>
+              <a:rPr lang="en-US" altLang="ja-JP" dirty="0">
+                <a:latin typeface="Consolas" panose="020B0609020204030204" pitchFamily="49" charset="0"/>
+                <a:cs typeface="Consolas" panose="020B0609020204030204" pitchFamily="49" charset="0"/>
+              </a:rPr>
+              <a:t>,</a:t>
+            </a:r>
+          </a:p>
+          <a:p>
+            <a:r>
+              <a:rPr lang="en-US" altLang="ja-JP" dirty="0">
+                <a:latin typeface="Consolas" panose="020B0609020204030204" pitchFamily="49" charset="0"/>
+                <a:cs typeface="Consolas" panose="020B0609020204030204" pitchFamily="49" charset="0"/>
+              </a:rPr>
+              <a:t>      </a:t>
+            </a:r>
+            <a:r>
+              <a:rPr lang="en-AU" dirty="0">
+                <a:latin typeface="Consolas" panose="020B0609020204030204" pitchFamily="49" charset="0"/>
+                <a:cs typeface="Consolas" panose="020B0609020204030204" pitchFamily="49" charset="0"/>
+              </a:rPr>
+              <a:t>"</a:t>
+            </a:r>
+            <a:r>
+              <a:rPr lang="en-AU" dirty="0">
+                <a:highlight>
+                  <a:srgbClr val="FFFF00"/>
+                </a:highlight>
+                <a:latin typeface="Consolas" panose="020B0609020204030204" pitchFamily="49" charset="0"/>
+                <a:cs typeface="Consolas" panose="020B0609020204030204" pitchFamily="49" charset="0"/>
+              </a:rPr>
+              <a:t>user_name":"</a:t>
+            </a:r>
+            <a:r>
+              <a:rPr lang="en-AU" dirty="0" err="1">
+                <a:highlight>
+                  <a:srgbClr val="FFFF00"/>
+                </a:highlight>
+                <a:latin typeface="Consolas" panose="020B0609020204030204" pitchFamily="49" charset="0"/>
+                <a:cs typeface="Consolas" panose="020B0609020204030204" pitchFamily="49" charset="0"/>
+              </a:rPr>
+              <a:t>BelleSofa</a:t>
+            </a:r>
+            <a:r>
+              <a:rPr lang="en-AU" dirty="0">
+                <a:highlight>
+                  <a:srgbClr val="FFFF00"/>
+                </a:highlight>
+                <a:latin typeface="Consolas" panose="020B0609020204030204" pitchFamily="49" charset="0"/>
+                <a:cs typeface="Consolas" panose="020B0609020204030204" pitchFamily="49" charset="0"/>
+              </a:rPr>
+              <a:t>"</a:t>
+            </a:r>
+            <a:r>
+              <a:rPr lang="en-AU" dirty="0">
+                <a:latin typeface="Consolas" panose="020B0609020204030204" pitchFamily="49" charset="0"/>
+                <a:cs typeface="Consolas" panose="020B0609020204030204" pitchFamily="49" charset="0"/>
+              </a:rPr>
+              <a:t>,</a:t>
+            </a:r>
+          </a:p>
+          <a:p>
+            <a:r>
+              <a:rPr lang="en-AU" dirty="0">
+                <a:latin typeface="Consolas" panose="020B0609020204030204" pitchFamily="49" charset="0"/>
+                <a:cs typeface="Consolas" panose="020B0609020204030204" pitchFamily="49" charset="0"/>
+              </a:rPr>
+              <a:t>      ...</a:t>
+            </a:r>
+          </a:p>
+          <a:p>
+            <a:r>
+              <a:rPr lang="en-AU" dirty="0">
+                <a:latin typeface="Consolas" panose="020B0609020204030204" pitchFamily="49" charset="0"/>
+                <a:cs typeface="Consolas" panose="020B0609020204030204" pitchFamily="49" charset="0"/>
+              </a:rPr>
+              <a:t>   "lang":"</a:t>
+            </a:r>
+            <a:r>
+              <a:rPr lang="en-AU" dirty="0" err="1">
+                <a:latin typeface="Consolas" panose="020B0609020204030204" pitchFamily="49" charset="0"/>
+                <a:cs typeface="Consolas" panose="020B0609020204030204" pitchFamily="49" charset="0"/>
+              </a:rPr>
+              <a:t>ja</a:t>
+            </a:r>
+            <a:r>
+              <a:rPr lang="en-AU" dirty="0">
+                <a:latin typeface="Consolas" panose="020B0609020204030204" pitchFamily="49" charset="0"/>
+                <a:cs typeface="Consolas" panose="020B0609020204030204" pitchFamily="49" charset="0"/>
+              </a:rPr>
+              <a:t>",</a:t>
+            </a:r>
+          </a:p>
+          <a:p>
+            <a:r>
+              <a:rPr lang="en-AU" dirty="0">
+                <a:latin typeface="Consolas" panose="020B0609020204030204" pitchFamily="49" charset="0"/>
+                <a:cs typeface="Consolas" panose="020B0609020204030204" pitchFamily="49" charset="0"/>
+              </a:rPr>
+              <a:t>   ...</a:t>
+            </a:r>
+          </a:p>
+          <a:p>
+            <a:r>
+              <a:rPr lang="en-AU" dirty="0">
+                <a:latin typeface="Consolas" panose="020B0609020204030204" pitchFamily="49" charset="0"/>
+                <a:cs typeface="Consolas" panose="020B0609020204030204" pitchFamily="49" charset="0"/>
+              </a:rPr>
+              <a:t>}</a:t>
+            </a:r>
+          </a:p>
+        </p:txBody>
+      </p:sp>
+      <p:cxnSp>
+        <p:nvCxnSpPr>
+          <p:cNvPr id="7" name="Straight Arrow Connector 6">
+            <a:extLst>
+              <a:ext uri="{FF2B5EF4-FFF2-40B4-BE49-F238E27FC236}">
+                <a16:creationId xmlns:a16="http://schemas.microsoft.com/office/drawing/2014/main" id="{E01E77A6-B310-BE40-87C5-3FB861018DC9}"/>
+              </a:ext>
+            </a:extLst>
+          </p:cNvPr>
+          <p:cNvCxnSpPr>
+            <a:cxnSpLocks/>
+          </p:cNvCxnSpPr>
+          <p:nvPr/>
+        </p:nvCxnSpPr>
+        <p:spPr>
+          <a:xfrm>
+            <a:off x="7874000" y="4157692"/>
+            <a:ext cx="939800" cy="0"/>
+          </a:xfrm>
+          <a:prstGeom prst="straightConnector1">
+            <a:avLst/>
+          </a:prstGeom>
+          <a:ln w="76200">
+            <a:solidFill>
+              <a:schemeClr val="accent1"/>
+            </a:solidFill>
+            <a:tailEnd type="triangle"/>
+          </a:ln>
+        </p:spPr>
+        <p:style>
+          <a:lnRef idx="1">
+            <a:schemeClr val="accent1"/>
+          </a:lnRef>
+          <a:fillRef idx="0">
+            <a:schemeClr val="accent1"/>
+          </a:fillRef>
+          <a:effectRef idx="0">
+            <a:schemeClr val="accent1"/>
+          </a:effectRef>
+          <a:fontRef idx="minor">
+            <a:schemeClr val="tx1"/>
+          </a:fontRef>
+        </p:style>
+      </p:cxnSp>
+      <p:sp>
+        <p:nvSpPr>
+          <p:cNvPr id="8" name="TextBox 7">
+            <a:extLst>
+              <a:ext uri="{FF2B5EF4-FFF2-40B4-BE49-F238E27FC236}">
+                <a16:creationId xmlns:a16="http://schemas.microsoft.com/office/drawing/2014/main" id="{F87C30A2-C5E4-744E-834B-85EC96F5E762}"/>
+              </a:ext>
+            </a:extLst>
+          </p:cNvPr>
+          <p:cNvSpPr txBox="1"/>
+          <p:nvPr/>
+        </p:nvSpPr>
+        <p:spPr>
+          <a:xfrm>
+            <a:off x="9028669" y="3632527"/>
+            <a:ext cx="3086100" cy="923330"/>
+          </a:xfrm>
+          <a:prstGeom prst="rect">
+            <a:avLst/>
+          </a:prstGeom>
+          <a:noFill/>
+        </p:spPr>
+        <p:txBody>
+          <a:bodyPr wrap="square" rtlCol="0">
+            <a:spAutoFit/>
+          </a:bodyPr>
+          <a:lstStyle/>
+          <a:p>
+            <a:r>
+              <a:rPr lang="en-AU" dirty="0">
+                <a:latin typeface="Consolas" panose="020B0609020204030204" pitchFamily="49" charset="0"/>
+                <a:cs typeface="Consolas" panose="020B0609020204030204" pitchFamily="49" charset="0"/>
+              </a:rPr>
+              <a:t>(</a:t>
+            </a:r>
+            <a:r>
+              <a:rPr lang="en-AU" dirty="0" err="1">
+                <a:latin typeface="Consolas" panose="020B0609020204030204" pitchFamily="49" charset="0"/>
+                <a:cs typeface="Consolas" panose="020B0609020204030204" pitchFamily="49" charset="0"/>
+              </a:rPr>
+              <a:t>BelleSofa</a:t>
+            </a:r>
+            <a:r>
+              <a:rPr lang="en-AU" dirty="0">
+                <a:latin typeface="Consolas" panose="020B0609020204030204" pitchFamily="49" charset="0"/>
+                <a:cs typeface="Consolas" panose="020B0609020204030204" pitchFamily="49" charset="0"/>
+              </a:rPr>
+              <a:t>,</a:t>
+            </a:r>
+          </a:p>
+          <a:p>
+            <a:r>
+              <a:rPr lang="ja-JP" altLang="en-US">
+                <a:latin typeface="Consolas" panose="020B0609020204030204" pitchFamily="49" charset="0"/>
+                <a:cs typeface="Consolas" panose="020B0609020204030204" pitchFamily="49" charset="0"/>
+              </a:rPr>
+              <a:t>やさしい靴工房</a:t>
+            </a:r>
+            <a:r>
+              <a:rPr lang="en-AU" dirty="0" err="1">
+                <a:latin typeface="Consolas" panose="020B0609020204030204" pitchFamily="49" charset="0"/>
+                <a:cs typeface="Consolas" panose="020B0609020204030204" pitchFamily="49" charset="0"/>
+              </a:rPr>
+              <a:t>Belle＆Sofa</a:t>
+            </a:r>
+            <a:r>
+              <a:rPr lang="en-AU" dirty="0">
+                <a:latin typeface="Consolas" panose="020B0609020204030204" pitchFamily="49" charset="0"/>
+                <a:cs typeface="Consolas" panose="020B0609020204030204" pitchFamily="49" charset="0"/>
+              </a:rPr>
+              <a:t>＠</a:t>
+            </a:r>
+            <a:r>
+              <a:rPr lang="ja-JP" altLang="en-US">
+                <a:latin typeface="Consolas" panose="020B0609020204030204" pitchFamily="49" charset="0"/>
+                <a:cs typeface="Consolas" panose="020B0609020204030204" pitchFamily="49" charset="0"/>
+              </a:rPr>
+              <a:t>うぇ部</a:t>
+            </a:r>
+            <a:r>
+              <a:rPr lang="en-AU" b="1" dirty="0">
+                <a:latin typeface="Consolas" panose="020B0609020204030204" pitchFamily="49" charset="0"/>
+                <a:cs typeface="Consolas" panose="020B0609020204030204" pitchFamily="49" charset="0"/>
+              </a:rPr>
+              <a:t>💛</a:t>
+            </a:r>
+            <a:r>
+              <a:rPr lang="en-AU" dirty="0">
+                <a:latin typeface="Consolas" panose="020B0609020204030204" pitchFamily="49" charset="0"/>
+                <a:cs typeface="Consolas" panose="020B0609020204030204" pitchFamily="49" charset="0"/>
+              </a:rPr>
+              <a:t>)</a:t>
+            </a:r>
+          </a:p>
+        </p:txBody>
+      </p:sp>
+      <p:sp>
+        <p:nvSpPr>
+          <p:cNvPr id="10" name="TextBox 9">
+            <a:extLst>
+              <a:ext uri="{FF2B5EF4-FFF2-40B4-BE49-F238E27FC236}">
+                <a16:creationId xmlns:a16="http://schemas.microsoft.com/office/drawing/2014/main" id="{E99DB855-2AE3-8A42-8AFC-F1DF0BFABF2A}"/>
+              </a:ext>
+            </a:extLst>
+          </p:cNvPr>
+          <p:cNvSpPr txBox="1"/>
+          <p:nvPr/>
+        </p:nvSpPr>
+        <p:spPr>
+          <a:xfrm>
+            <a:off x="9650969" y="3121849"/>
+            <a:ext cx="1321196" cy="369332"/>
+          </a:xfrm>
+          <a:prstGeom prst="rect">
+            <a:avLst/>
+          </a:prstGeom>
+          <a:noFill/>
+        </p:spPr>
+        <p:txBody>
+          <a:bodyPr wrap="none" rtlCol="0">
+            <a:spAutoFit/>
+          </a:bodyPr>
+          <a:lstStyle/>
+          <a:p>
+            <a:r>
+              <a:rPr lang="en-AU" dirty="0"/>
+              <a:t>A name pair</a:t>
+            </a:r>
+          </a:p>
+        </p:txBody>
+      </p:sp>
+    </p:spTree>
+    <p:extLst>
+      <p:ext uri="{BB962C8B-B14F-4D97-AF65-F5344CB8AC3E}">
+        <p14:creationId xmlns:p14="http://schemas.microsoft.com/office/powerpoint/2010/main" val="896613586"/>
+      </p:ext>
+    </p:extLst>
+  </p:cSld>
+  <p:clrMapOvr>
+    <a:masterClrMapping/>
+  </p:clrMapOvr>
+</p:sld>
+</file>
+
+<file path=ppt/slides/slide14.xml><?xml version="1.0" encoding="utf-8"?>
+<p:sld xmlns:a="http://schemas.openxmlformats.org/drawingml/2006/main" xmlns:r="http://schemas.openxmlformats.org/officeDocument/2006/relationships" xmlns:p="http://schemas.openxmlformats.org/presentationml/2006/main">
+  <p:cSld>
+    <p:spTree>
+      <p:nvGrpSpPr>
+        <p:cNvPr id="1" name=""/>
+        <p:cNvGrpSpPr/>
+        <p:nvPr/>
+      </p:nvGrpSpPr>
+      <p:grpSpPr>
+        <a:xfrm>
+          <a:off x="0" y="0"/>
+          <a:ext cx="0" cy="0"/>
+          <a:chOff x="0" y="0"/>
+          <a:chExt cx="0" cy="0"/>
+        </a:xfrm>
+      </p:grpSpPr>
+      <p:sp>
+        <p:nvSpPr>
+          <p:cNvPr id="2" name="Title 1">
+            <a:extLst>
+              <a:ext uri="{FF2B5EF4-FFF2-40B4-BE49-F238E27FC236}">
+                <a16:creationId xmlns:a16="http://schemas.microsoft.com/office/drawing/2014/main" id="{8C0BF10A-A3BB-E141-89C7-0CCBAD9461CB}"/>
+              </a:ext>
+            </a:extLst>
+          </p:cNvPr>
+          <p:cNvSpPr>
+            <a:spLocks noGrp="1"/>
+          </p:cNvSpPr>
+          <p:nvPr>
+            <p:ph type="title"/>
+          </p:nvPr>
+        </p:nvSpPr>
+        <p:spPr/>
+        <p:txBody>
+          <a:bodyPr/>
+          <a:lstStyle/>
+          <a:p>
+            <a:pPr algn="ctr"/>
+            <a:r>
+              <a:rPr lang="en-AU" dirty="0"/>
+              <a:t>Filtering – On screen name</a:t>
+            </a:r>
+          </a:p>
+        </p:txBody>
+      </p:sp>
+      <p:sp>
+        <p:nvSpPr>
+          <p:cNvPr id="4" name="Footer Placeholder 3">
+            <a:extLst>
+              <a:ext uri="{FF2B5EF4-FFF2-40B4-BE49-F238E27FC236}">
+                <a16:creationId xmlns:a16="http://schemas.microsoft.com/office/drawing/2014/main" id="{17EBEA95-AE88-1D4F-AF3D-C33D89D205BB}"/>
+              </a:ext>
+            </a:extLst>
+          </p:cNvPr>
+          <p:cNvSpPr>
+            <a:spLocks noGrp="1"/>
+          </p:cNvSpPr>
+          <p:nvPr>
+            <p:ph type="ftr" sz="quarter" idx="11"/>
+          </p:nvPr>
+        </p:nvSpPr>
+        <p:spPr/>
+        <p:txBody>
+          <a:bodyPr/>
+          <a:lstStyle/>
+          <a:p>
+            <a:r>
+              <a:rPr lang="en-AU" dirty="0"/>
+              <a:t>Methodology</a:t>
+            </a:r>
+          </a:p>
+        </p:txBody>
+      </p:sp>
+      <p:sp>
+        <p:nvSpPr>
+          <p:cNvPr id="5" name="Slide Number Placeholder 4">
+            <a:extLst>
+              <a:ext uri="{FF2B5EF4-FFF2-40B4-BE49-F238E27FC236}">
+                <a16:creationId xmlns:a16="http://schemas.microsoft.com/office/drawing/2014/main" id="{0EBAA733-F1C9-D746-B679-F2AADE27D00B}"/>
+              </a:ext>
+            </a:extLst>
+          </p:cNvPr>
+          <p:cNvSpPr>
+            <a:spLocks noGrp="1"/>
+          </p:cNvSpPr>
+          <p:nvPr>
+            <p:ph type="sldNum" sz="quarter" idx="12"/>
+          </p:nvPr>
+        </p:nvSpPr>
+        <p:spPr/>
+        <p:txBody>
+          <a:bodyPr/>
+          <a:lstStyle/>
+          <a:p>
+            <a:fld id="{AD0369CE-0151-F748-9ED4-9508A9FAC3FF}" type="slidenum">
+              <a:rPr lang="en-AU" smtClean="0"/>
+              <a:t>14</a:t>
+            </a:fld>
+            <a:endParaRPr lang="en-AU"/>
+          </a:p>
+        </p:txBody>
+      </p:sp>
+      <p:sp>
+        <p:nvSpPr>
+          <p:cNvPr id="6" name="TextBox 5">
+            <a:extLst>
+              <a:ext uri="{FF2B5EF4-FFF2-40B4-BE49-F238E27FC236}">
+                <a16:creationId xmlns:a16="http://schemas.microsoft.com/office/drawing/2014/main" id="{23B239DE-DC4C-AC42-8FC4-C4F2020D7292}"/>
+              </a:ext>
+            </a:extLst>
+          </p:cNvPr>
+          <p:cNvSpPr txBox="1"/>
+          <p:nvPr/>
+        </p:nvSpPr>
+        <p:spPr>
+          <a:xfrm>
+            <a:off x="1243569" y="2967335"/>
+            <a:ext cx="3086100" cy="923330"/>
+          </a:xfrm>
+          <a:prstGeom prst="rect">
+            <a:avLst/>
+          </a:prstGeom>
+          <a:noFill/>
+        </p:spPr>
+        <p:txBody>
+          <a:bodyPr wrap="square" rtlCol="0">
+            <a:spAutoFit/>
+          </a:bodyPr>
+          <a:lstStyle/>
+          <a:p>
+            <a:r>
+              <a:rPr lang="en-AU" dirty="0">
+                <a:latin typeface="Consolas" panose="020B0609020204030204" pitchFamily="49" charset="0"/>
+                <a:cs typeface="Consolas" panose="020B0609020204030204" pitchFamily="49" charset="0"/>
+              </a:rPr>
+              <a:t>(</a:t>
+            </a:r>
+            <a:r>
+              <a:rPr lang="en-AU" dirty="0" err="1">
+                <a:latin typeface="Consolas" panose="020B0609020204030204" pitchFamily="49" charset="0"/>
+                <a:cs typeface="Consolas" panose="020B0609020204030204" pitchFamily="49" charset="0"/>
+              </a:rPr>
+              <a:t>BelleSofa</a:t>
+            </a:r>
+            <a:r>
+              <a:rPr lang="en-AU" dirty="0">
+                <a:latin typeface="Consolas" panose="020B0609020204030204" pitchFamily="49" charset="0"/>
+                <a:cs typeface="Consolas" panose="020B0609020204030204" pitchFamily="49" charset="0"/>
+              </a:rPr>
+              <a:t>,</a:t>
+            </a:r>
+          </a:p>
+          <a:p>
+            <a:r>
+              <a:rPr lang="ja-JP" altLang="en-US">
+                <a:latin typeface="Consolas" panose="020B0609020204030204" pitchFamily="49" charset="0"/>
+                <a:cs typeface="Consolas" panose="020B0609020204030204" pitchFamily="49" charset="0"/>
+              </a:rPr>
+              <a:t>やさしい靴工房</a:t>
+            </a:r>
+            <a:r>
+              <a:rPr lang="en-AU" dirty="0" err="1">
+                <a:latin typeface="Consolas" panose="020B0609020204030204" pitchFamily="49" charset="0"/>
+                <a:cs typeface="Consolas" panose="020B0609020204030204" pitchFamily="49" charset="0"/>
+              </a:rPr>
+              <a:t>Belle＆Sofa</a:t>
+            </a:r>
+            <a:r>
+              <a:rPr lang="en-AU" dirty="0">
+                <a:latin typeface="Consolas" panose="020B0609020204030204" pitchFamily="49" charset="0"/>
+                <a:cs typeface="Consolas" panose="020B0609020204030204" pitchFamily="49" charset="0"/>
+              </a:rPr>
+              <a:t>＠</a:t>
+            </a:r>
+            <a:r>
+              <a:rPr lang="ja-JP" altLang="en-US">
+                <a:latin typeface="Consolas" panose="020B0609020204030204" pitchFamily="49" charset="0"/>
+                <a:cs typeface="Consolas" panose="020B0609020204030204" pitchFamily="49" charset="0"/>
+              </a:rPr>
+              <a:t>うぇ部</a:t>
+            </a:r>
+            <a:r>
+              <a:rPr lang="en-AU" b="1" dirty="0">
+                <a:latin typeface="Consolas" panose="020B0609020204030204" pitchFamily="49" charset="0"/>
+                <a:cs typeface="Consolas" panose="020B0609020204030204" pitchFamily="49" charset="0"/>
+              </a:rPr>
+              <a:t>💛</a:t>
+            </a:r>
+            <a:r>
+              <a:rPr lang="en-AU" dirty="0">
+                <a:latin typeface="Consolas" panose="020B0609020204030204" pitchFamily="49" charset="0"/>
+                <a:cs typeface="Consolas" panose="020B0609020204030204" pitchFamily="49" charset="0"/>
+              </a:rPr>
+              <a:t>)</a:t>
+            </a:r>
+          </a:p>
+        </p:txBody>
+      </p:sp>
+      <p:cxnSp>
+        <p:nvCxnSpPr>
+          <p:cNvPr id="7" name="Straight Arrow Connector 6">
+            <a:extLst>
+              <a:ext uri="{FF2B5EF4-FFF2-40B4-BE49-F238E27FC236}">
+                <a16:creationId xmlns:a16="http://schemas.microsoft.com/office/drawing/2014/main" id="{D60C4A1C-2EBE-3D4F-948C-6AEF6820854B}"/>
+              </a:ext>
+            </a:extLst>
+          </p:cNvPr>
+          <p:cNvCxnSpPr>
+            <a:cxnSpLocks/>
+          </p:cNvCxnSpPr>
+          <p:nvPr/>
+        </p:nvCxnSpPr>
+        <p:spPr>
+          <a:xfrm>
+            <a:off x="4216400" y="3535392"/>
+            <a:ext cx="3213100" cy="0"/>
+          </a:xfrm>
+          <a:prstGeom prst="straightConnector1">
+            <a:avLst/>
+          </a:prstGeom>
+          <a:ln w="76200">
+            <a:solidFill>
+              <a:schemeClr val="accent1"/>
+            </a:solidFill>
+            <a:tailEnd type="triangle"/>
+          </a:ln>
+        </p:spPr>
+        <p:style>
+          <a:lnRef idx="1">
+            <a:schemeClr val="accent1"/>
+          </a:lnRef>
+          <a:fillRef idx="0">
+            <a:schemeClr val="accent1"/>
+          </a:fillRef>
+          <a:effectRef idx="0">
+            <a:schemeClr val="accent1"/>
+          </a:effectRef>
+          <a:fontRef idx="minor">
+            <a:schemeClr val="tx1"/>
+          </a:fontRef>
+        </p:style>
+      </p:cxnSp>
+      <p:sp>
+        <p:nvSpPr>
+          <p:cNvPr id="9" name="TextBox 8">
+            <a:extLst>
+              <a:ext uri="{FF2B5EF4-FFF2-40B4-BE49-F238E27FC236}">
+                <a16:creationId xmlns:a16="http://schemas.microsoft.com/office/drawing/2014/main" id="{0D4B97CB-B5FE-4B4F-A0A7-B9CEED13CBBF}"/>
+              </a:ext>
+            </a:extLst>
+          </p:cNvPr>
+          <p:cNvSpPr txBox="1"/>
+          <p:nvPr/>
+        </p:nvSpPr>
+        <p:spPr>
+          <a:xfrm>
+            <a:off x="7862331" y="3105834"/>
+            <a:ext cx="3086100" cy="646331"/>
+          </a:xfrm>
+          <a:prstGeom prst="rect">
+            <a:avLst/>
+          </a:prstGeom>
+          <a:noFill/>
+        </p:spPr>
+        <p:txBody>
+          <a:bodyPr wrap="square" rtlCol="0">
+            <a:spAutoFit/>
+          </a:bodyPr>
+          <a:lstStyle/>
+          <a:p>
+            <a:r>
+              <a:rPr lang="en-AU" dirty="0">
+                <a:latin typeface="Consolas" panose="020B0609020204030204" pitchFamily="49" charset="0"/>
+                <a:cs typeface="Consolas" panose="020B0609020204030204" pitchFamily="49" charset="0"/>
+              </a:rPr>
+              <a:t>(</a:t>
+            </a:r>
+            <a:r>
+              <a:rPr lang="en-AU" dirty="0" err="1">
+                <a:latin typeface="Consolas" panose="020B0609020204030204" pitchFamily="49" charset="0"/>
+                <a:cs typeface="Consolas" panose="020B0609020204030204" pitchFamily="49" charset="0"/>
+              </a:rPr>
+              <a:t>BelleSofa</a:t>
+            </a:r>
+            <a:r>
+              <a:rPr lang="en-AU" dirty="0">
+                <a:latin typeface="Consolas" panose="020B0609020204030204" pitchFamily="49" charset="0"/>
+                <a:cs typeface="Consolas" panose="020B0609020204030204" pitchFamily="49" charset="0"/>
+              </a:rPr>
+              <a:t>,</a:t>
+            </a:r>
+          </a:p>
+          <a:p>
+            <a:r>
+              <a:rPr lang="ja-JP" altLang="en-US">
+                <a:latin typeface="Consolas" panose="020B0609020204030204" pitchFamily="49" charset="0"/>
+                <a:cs typeface="Consolas" panose="020B0609020204030204" pitchFamily="49" charset="0"/>
+              </a:rPr>
+              <a:t>やさしい靴工房うぇ部</a:t>
+            </a:r>
+            <a:r>
+              <a:rPr lang="en-AU" dirty="0">
+                <a:latin typeface="Consolas" panose="020B0609020204030204" pitchFamily="49" charset="0"/>
+                <a:cs typeface="Consolas" panose="020B0609020204030204" pitchFamily="49" charset="0"/>
+              </a:rPr>
+              <a:t>)</a:t>
+            </a:r>
+          </a:p>
+        </p:txBody>
+      </p:sp>
+    </p:spTree>
+    <p:extLst>
+      <p:ext uri="{BB962C8B-B14F-4D97-AF65-F5344CB8AC3E}">
+        <p14:creationId xmlns:p14="http://schemas.microsoft.com/office/powerpoint/2010/main" val="2247951598"/>
+      </p:ext>
+    </p:extLst>
+  </p:cSld>
+  <p:clrMapOvr>
+    <a:masterClrMapping/>
+  </p:clrMapOvr>
+</p:sld>
+</file>
+
+<file path=ppt/slides/slide15.xml><?xml version="1.0" encoding="utf-8"?>
+<p:sld xmlns:a="http://schemas.openxmlformats.org/drawingml/2006/main" xmlns:r="http://schemas.openxmlformats.org/officeDocument/2006/relationships" xmlns:p="http://schemas.openxmlformats.org/presentationml/2006/main">
+  <p:cSld>
+    <p:spTree>
+      <p:nvGrpSpPr>
+        <p:cNvPr id="1" name=""/>
+        <p:cNvGrpSpPr/>
+        <p:nvPr/>
+      </p:nvGrpSpPr>
+      <p:grpSpPr>
+        <a:xfrm>
+          <a:off x="0" y="0"/>
+          <a:ext cx="0" cy="0"/>
+          <a:chOff x="0" y="0"/>
+          <a:chExt cx="0" cy="0"/>
+        </a:xfrm>
+      </p:grpSpPr>
+      <p:sp>
+        <p:nvSpPr>
+          <p:cNvPr id="2" name="Title 1">
+            <a:extLst>
+              <a:ext uri="{FF2B5EF4-FFF2-40B4-BE49-F238E27FC236}">
+                <a16:creationId xmlns:a16="http://schemas.microsoft.com/office/drawing/2014/main" id="{9A695626-45CA-DC40-A4BB-A0E7B5867EB4}"/>
+              </a:ext>
+            </a:extLst>
+          </p:cNvPr>
+          <p:cNvSpPr>
+            <a:spLocks noGrp="1"/>
+          </p:cNvSpPr>
+          <p:nvPr>
+            <p:ph type="title"/>
+          </p:nvPr>
+        </p:nvSpPr>
+        <p:spPr/>
+        <p:txBody>
+          <a:bodyPr/>
+          <a:lstStyle/>
+          <a:p>
+            <a:pPr algn="ctr"/>
+            <a:r>
+              <a:rPr lang="en-AU" dirty="0"/>
+              <a:t>Cleansing</a:t>
+            </a:r>
+          </a:p>
+        </p:txBody>
+      </p:sp>
+      <p:sp>
+        <p:nvSpPr>
+          <p:cNvPr id="3" name="Content Placeholder 2">
+            <a:extLst>
+              <a:ext uri="{FF2B5EF4-FFF2-40B4-BE49-F238E27FC236}">
+                <a16:creationId xmlns:a16="http://schemas.microsoft.com/office/drawing/2014/main" id="{2034197E-C53A-C44D-AE0A-04229EEC4E58}"/>
+              </a:ext>
+            </a:extLst>
+          </p:cNvPr>
+          <p:cNvSpPr>
+            <a:spLocks noGrp="1"/>
+          </p:cNvSpPr>
+          <p:nvPr>
+            <p:ph idx="1"/>
+          </p:nvPr>
+        </p:nvSpPr>
+        <p:spPr/>
+        <p:txBody>
+          <a:bodyPr/>
+          <a:lstStyle/>
+          <a:p>
+            <a:r>
+              <a:rPr lang="en-AU" dirty="0"/>
+              <a:t>Name pairs are evaluated</a:t>
+            </a:r>
+          </a:p>
+          <a:p>
+            <a:r>
+              <a:rPr lang="en-AU" dirty="0"/>
+              <a:t>We are only interested in name pairs that are transliterations</a:t>
+            </a:r>
+          </a:p>
+          <a:p>
+            <a:endParaRPr lang="en-AU" dirty="0"/>
+          </a:p>
+        </p:txBody>
+      </p:sp>
+      <p:sp>
+        <p:nvSpPr>
+          <p:cNvPr id="4" name="Footer Placeholder 3">
+            <a:extLst>
+              <a:ext uri="{FF2B5EF4-FFF2-40B4-BE49-F238E27FC236}">
+                <a16:creationId xmlns:a16="http://schemas.microsoft.com/office/drawing/2014/main" id="{90450DF2-15FB-0C48-8D55-AF04D9A8EDB2}"/>
+              </a:ext>
+            </a:extLst>
+          </p:cNvPr>
+          <p:cNvSpPr>
+            <a:spLocks noGrp="1"/>
+          </p:cNvSpPr>
+          <p:nvPr>
+            <p:ph type="ftr" sz="quarter" idx="11"/>
+          </p:nvPr>
+        </p:nvSpPr>
+        <p:spPr/>
+        <p:txBody>
+          <a:bodyPr/>
+          <a:lstStyle/>
+          <a:p>
+            <a:r>
+              <a:rPr lang="en-AU" dirty="0"/>
+              <a:t>Cleansing</a:t>
+            </a:r>
+          </a:p>
+        </p:txBody>
+      </p:sp>
+      <p:sp>
+        <p:nvSpPr>
+          <p:cNvPr id="5" name="Slide Number Placeholder 4">
+            <a:extLst>
+              <a:ext uri="{FF2B5EF4-FFF2-40B4-BE49-F238E27FC236}">
+                <a16:creationId xmlns:a16="http://schemas.microsoft.com/office/drawing/2014/main" id="{74F24ED7-F2E3-8549-AA66-A8B15C3C9562}"/>
+              </a:ext>
+            </a:extLst>
+          </p:cNvPr>
+          <p:cNvSpPr>
+            <a:spLocks noGrp="1"/>
+          </p:cNvSpPr>
+          <p:nvPr>
+            <p:ph type="sldNum" sz="quarter" idx="12"/>
+          </p:nvPr>
+        </p:nvSpPr>
+        <p:spPr/>
+        <p:txBody>
+          <a:bodyPr/>
+          <a:lstStyle/>
+          <a:p>
+            <a:fld id="{AD0369CE-0151-F748-9ED4-9508A9FAC3FF}" type="slidenum">
+              <a:rPr lang="en-AU" smtClean="0"/>
+              <a:t>15</a:t>
+            </a:fld>
+            <a:endParaRPr lang="en-AU"/>
+          </a:p>
+        </p:txBody>
+      </p:sp>
+    </p:spTree>
+    <p:extLst>
+      <p:ext uri="{BB962C8B-B14F-4D97-AF65-F5344CB8AC3E}">
+        <p14:creationId xmlns:p14="http://schemas.microsoft.com/office/powerpoint/2010/main" val="638095597"/>
+      </p:ext>
+    </p:extLst>
+  </p:cSld>
+  <p:clrMapOvr>
+    <a:masterClrMapping/>
+  </p:clrMapOvr>
+</p:sld>
+</file>
+
+<file path=ppt/slides/slide16.xml><?xml version="1.0" encoding="utf-8"?>
+<p:sld xmlns:a="http://schemas.openxmlformats.org/drawingml/2006/main" xmlns:r="http://schemas.openxmlformats.org/officeDocument/2006/relationships" xmlns:p="http://schemas.openxmlformats.org/presentationml/2006/main">
+  <p:cSld>
+    <p:spTree>
+      <p:nvGrpSpPr>
+        <p:cNvPr id="1" name=""/>
+        <p:cNvGrpSpPr/>
+        <p:nvPr/>
+      </p:nvGrpSpPr>
+      <p:grpSpPr>
+        <a:xfrm>
+          <a:off x="0" y="0"/>
+          <a:ext cx="0" cy="0"/>
+          <a:chOff x="0" y="0"/>
+          <a:chExt cx="0" cy="0"/>
+        </a:xfrm>
+      </p:grpSpPr>
+      <p:sp>
+        <p:nvSpPr>
+          <p:cNvPr id="2" name="Title 1">
+            <a:extLst>
+              <a:ext uri="{FF2B5EF4-FFF2-40B4-BE49-F238E27FC236}">
+                <a16:creationId xmlns:a16="http://schemas.microsoft.com/office/drawing/2014/main" id="{9A695626-45CA-DC40-A4BB-A0E7B5867EB4}"/>
+              </a:ext>
+            </a:extLst>
+          </p:cNvPr>
+          <p:cNvSpPr>
+            <a:spLocks noGrp="1"/>
+          </p:cNvSpPr>
+          <p:nvPr>
+            <p:ph type="title"/>
+          </p:nvPr>
+        </p:nvSpPr>
+        <p:spPr/>
+        <p:txBody>
+          <a:bodyPr/>
+          <a:lstStyle/>
+          <a:p>
+            <a:pPr algn="ctr"/>
+            <a:r>
+              <a:rPr lang="en-AU" dirty="0"/>
+              <a:t>Cleansing – Pre-processing of user name</a:t>
+            </a:r>
+          </a:p>
+        </p:txBody>
+      </p:sp>
+      <p:sp>
+        <p:nvSpPr>
+          <p:cNvPr id="4" name="Footer Placeholder 3">
+            <a:extLst>
+              <a:ext uri="{FF2B5EF4-FFF2-40B4-BE49-F238E27FC236}">
+                <a16:creationId xmlns:a16="http://schemas.microsoft.com/office/drawing/2014/main" id="{90450DF2-15FB-0C48-8D55-AF04D9A8EDB2}"/>
+              </a:ext>
+            </a:extLst>
+          </p:cNvPr>
+          <p:cNvSpPr>
+            <a:spLocks noGrp="1"/>
+          </p:cNvSpPr>
+          <p:nvPr>
+            <p:ph type="ftr" sz="quarter" idx="11"/>
+          </p:nvPr>
+        </p:nvSpPr>
+        <p:spPr/>
+        <p:txBody>
+          <a:bodyPr/>
+          <a:lstStyle/>
+          <a:p>
+            <a:r>
+              <a:rPr lang="en-AU" dirty="0"/>
+              <a:t>Cleansing</a:t>
+            </a:r>
+          </a:p>
+        </p:txBody>
+      </p:sp>
+      <p:sp>
+        <p:nvSpPr>
+          <p:cNvPr id="5" name="Slide Number Placeholder 4">
+            <a:extLst>
+              <a:ext uri="{FF2B5EF4-FFF2-40B4-BE49-F238E27FC236}">
+                <a16:creationId xmlns:a16="http://schemas.microsoft.com/office/drawing/2014/main" id="{74F24ED7-F2E3-8549-AA66-A8B15C3C9562}"/>
+              </a:ext>
+            </a:extLst>
+          </p:cNvPr>
+          <p:cNvSpPr>
+            <a:spLocks noGrp="1"/>
+          </p:cNvSpPr>
+          <p:nvPr>
+            <p:ph type="sldNum" sz="quarter" idx="12"/>
+          </p:nvPr>
+        </p:nvSpPr>
+        <p:spPr/>
+        <p:txBody>
+          <a:bodyPr/>
+          <a:lstStyle/>
+          <a:p>
+            <a:fld id="{AD0369CE-0151-F748-9ED4-9508A9FAC3FF}" type="slidenum">
+              <a:rPr lang="en-AU" smtClean="0"/>
+              <a:t>16</a:t>
+            </a:fld>
+            <a:endParaRPr lang="en-AU"/>
+          </a:p>
+        </p:txBody>
+      </p:sp>
+      <p:sp>
+        <p:nvSpPr>
+          <p:cNvPr id="6" name="TextBox 5">
+            <a:extLst>
+              <a:ext uri="{FF2B5EF4-FFF2-40B4-BE49-F238E27FC236}">
+                <a16:creationId xmlns:a16="http://schemas.microsoft.com/office/drawing/2014/main" id="{7EF67293-F9CE-E149-B49C-D3F04FB61180}"/>
+              </a:ext>
+            </a:extLst>
+          </p:cNvPr>
+          <p:cNvSpPr txBox="1"/>
+          <p:nvPr/>
+        </p:nvSpPr>
+        <p:spPr>
+          <a:xfrm>
+            <a:off x="3837272" y="3424687"/>
+            <a:ext cx="4517455" cy="707886"/>
+          </a:xfrm>
+          <a:prstGeom prst="rect">
+            <a:avLst/>
+          </a:prstGeom>
+          <a:noFill/>
+        </p:spPr>
+        <p:txBody>
+          <a:bodyPr wrap="none" rtlCol="0">
+            <a:spAutoFit/>
+          </a:bodyPr>
+          <a:lstStyle/>
+          <a:p>
+            <a:r>
+              <a:rPr lang="en-AU" sz="4000" dirty="0"/>
+              <a:t>Kanye_WestFan1991</a:t>
+            </a:r>
+          </a:p>
+        </p:txBody>
+      </p:sp>
+    </p:spTree>
+    <p:extLst>
+      <p:ext uri="{BB962C8B-B14F-4D97-AF65-F5344CB8AC3E}">
+        <p14:creationId xmlns:p14="http://schemas.microsoft.com/office/powerpoint/2010/main" val="2702209507"/>
+      </p:ext>
+    </p:extLst>
+  </p:cSld>
+  <p:clrMapOvr>
+    <a:masterClrMapping/>
+  </p:clrMapOvr>
+</p:sld>
+</file>
+
+<file path=ppt/slides/slide17.xml><?xml version="1.0" encoding="utf-8"?>
+<p:sld xmlns:a="http://schemas.openxmlformats.org/drawingml/2006/main" xmlns:r="http://schemas.openxmlformats.org/officeDocument/2006/relationships" xmlns:p="http://schemas.openxmlformats.org/presentationml/2006/main">
+  <p:cSld>
+    <p:spTree>
+      <p:nvGrpSpPr>
+        <p:cNvPr id="1" name=""/>
+        <p:cNvGrpSpPr/>
+        <p:nvPr/>
+      </p:nvGrpSpPr>
+      <p:grpSpPr>
+        <a:xfrm>
+          <a:off x="0" y="0"/>
+          <a:ext cx="0" cy="0"/>
+          <a:chOff x="0" y="0"/>
+          <a:chExt cx="0" cy="0"/>
+        </a:xfrm>
+      </p:grpSpPr>
+      <p:sp>
+        <p:nvSpPr>
+          <p:cNvPr id="2" name="Title 1">
+            <a:extLst>
+              <a:ext uri="{FF2B5EF4-FFF2-40B4-BE49-F238E27FC236}">
+                <a16:creationId xmlns:a16="http://schemas.microsoft.com/office/drawing/2014/main" id="{9A695626-45CA-DC40-A4BB-A0E7B5867EB4}"/>
+              </a:ext>
+            </a:extLst>
+          </p:cNvPr>
+          <p:cNvSpPr>
+            <a:spLocks noGrp="1"/>
+          </p:cNvSpPr>
+          <p:nvPr>
+            <p:ph type="title"/>
+          </p:nvPr>
+        </p:nvSpPr>
+        <p:spPr/>
+        <p:txBody>
+          <a:bodyPr/>
+          <a:lstStyle/>
+          <a:p>
+            <a:pPr algn="ctr"/>
+            <a:r>
+              <a:rPr lang="en-AU" dirty="0"/>
+              <a:t>Cleansing – Pre-processing of user name</a:t>
+            </a:r>
+          </a:p>
+        </p:txBody>
+      </p:sp>
+      <p:sp>
+        <p:nvSpPr>
+          <p:cNvPr id="4" name="Footer Placeholder 3">
+            <a:extLst>
+              <a:ext uri="{FF2B5EF4-FFF2-40B4-BE49-F238E27FC236}">
+                <a16:creationId xmlns:a16="http://schemas.microsoft.com/office/drawing/2014/main" id="{90450DF2-15FB-0C48-8D55-AF04D9A8EDB2}"/>
+              </a:ext>
+            </a:extLst>
+          </p:cNvPr>
+          <p:cNvSpPr>
+            <a:spLocks noGrp="1"/>
+          </p:cNvSpPr>
+          <p:nvPr>
+            <p:ph type="ftr" sz="quarter" idx="11"/>
+          </p:nvPr>
+        </p:nvSpPr>
+        <p:spPr/>
+        <p:txBody>
+          <a:bodyPr/>
+          <a:lstStyle/>
+          <a:p>
+            <a:r>
+              <a:rPr lang="en-AU" dirty="0"/>
+              <a:t>Cleansing</a:t>
+            </a:r>
+          </a:p>
+        </p:txBody>
+      </p:sp>
+      <p:sp>
+        <p:nvSpPr>
+          <p:cNvPr id="5" name="Slide Number Placeholder 4">
+            <a:extLst>
+              <a:ext uri="{FF2B5EF4-FFF2-40B4-BE49-F238E27FC236}">
+                <a16:creationId xmlns:a16="http://schemas.microsoft.com/office/drawing/2014/main" id="{74F24ED7-F2E3-8549-AA66-A8B15C3C9562}"/>
+              </a:ext>
+            </a:extLst>
+          </p:cNvPr>
+          <p:cNvSpPr>
+            <a:spLocks noGrp="1"/>
+          </p:cNvSpPr>
+          <p:nvPr>
+            <p:ph type="sldNum" sz="quarter" idx="12"/>
+          </p:nvPr>
+        </p:nvSpPr>
+        <p:spPr/>
+        <p:txBody>
+          <a:bodyPr/>
+          <a:lstStyle/>
+          <a:p>
+            <a:fld id="{AD0369CE-0151-F748-9ED4-9508A9FAC3FF}" type="slidenum">
+              <a:rPr lang="en-AU" smtClean="0"/>
+              <a:t>17</a:t>
+            </a:fld>
+            <a:endParaRPr lang="en-AU"/>
+          </a:p>
+        </p:txBody>
+      </p:sp>
+      <p:sp>
+        <p:nvSpPr>
+          <p:cNvPr id="6" name="TextBox 5">
+            <a:extLst>
+              <a:ext uri="{FF2B5EF4-FFF2-40B4-BE49-F238E27FC236}">
+                <a16:creationId xmlns:a16="http://schemas.microsoft.com/office/drawing/2014/main" id="{7EF67293-F9CE-E149-B49C-D3F04FB61180}"/>
+              </a:ext>
+            </a:extLst>
+          </p:cNvPr>
+          <p:cNvSpPr txBox="1"/>
+          <p:nvPr/>
+        </p:nvSpPr>
+        <p:spPr>
+          <a:xfrm>
+            <a:off x="4356645" y="3429000"/>
+            <a:ext cx="3478709" cy="707886"/>
+          </a:xfrm>
+          <a:prstGeom prst="rect">
+            <a:avLst/>
+          </a:prstGeom>
+          <a:noFill/>
+        </p:spPr>
+        <p:txBody>
+          <a:bodyPr wrap="none" rtlCol="0">
+            <a:spAutoFit/>
+          </a:bodyPr>
+          <a:lstStyle/>
+          <a:p>
+            <a:r>
+              <a:rPr lang="en-AU" sz="4000" dirty="0" err="1"/>
+              <a:t>Kanye_WestFan</a:t>
+            </a:r>
+            <a:endParaRPr lang="en-AU" sz="4000" dirty="0"/>
+          </a:p>
+        </p:txBody>
+      </p:sp>
+    </p:spTree>
+    <p:extLst>
+      <p:ext uri="{BB962C8B-B14F-4D97-AF65-F5344CB8AC3E}">
+        <p14:creationId xmlns:p14="http://schemas.microsoft.com/office/powerpoint/2010/main" val="4051076491"/>
+      </p:ext>
+    </p:extLst>
+  </p:cSld>
+  <p:clrMapOvr>
+    <a:masterClrMapping/>
+  </p:clrMapOvr>
+</p:sld>
+</file>
+
+<file path=ppt/slides/slide18.xml><?xml version="1.0" encoding="utf-8"?>
+<p:sld xmlns:a="http://schemas.openxmlformats.org/drawingml/2006/main" xmlns:r="http://schemas.openxmlformats.org/officeDocument/2006/relationships" xmlns:p="http://schemas.openxmlformats.org/presentationml/2006/main">
+  <p:cSld>
+    <p:spTree>
+      <p:nvGrpSpPr>
+        <p:cNvPr id="1" name=""/>
+        <p:cNvGrpSpPr/>
+        <p:nvPr/>
+      </p:nvGrpSpPr>
+      <p:grpSpPr>
+        <a:xfrm>
+          <a:off x="0" y="0"/>
+          <a:ext cx="0" cy="0"/>
+          <a:chOff x="0" y="0"/>
+          <a:chExt cx="0" cy="0"/>
+        </a:xfrm>
+      </p:grpSpPr>
+      <p:sp>
+        <p:nvSpPr>
+          <p:cNvPr id="2" name="Title 1">
+            <a:extLst>
+              <a:ext uri="{FF2B5EF4-FFF2-40B4-BE49-F238E27FC236}">
+                <a16:creationId xmlns:a16="http://schemas.microsoft.com/office/drawing/2014/main" id="{9A695626-45CA-DC40-A4BB-A0E7B5867EB4}"/>
+              </a:ext>
+            </a:extLst>
+          </p:cNvPr>
+          <p:cNvSpPr>
+            <a:spLocks noGrp="1"/>
+          </p:cNvSpPr>
+          <p:nvPr>
+            <p:ph type="title"/>
+          </p:nvPr>
+        </p:nvSpPr>
+        <p:spPr/>
+        <p:txBody>
+          <a:bodyPr/>
+          <a:lstStyle/>
+          <a:p>
+            <a:pPr algn="ctr"/>
+            <a:r>
+              <a:rPr lang="en-AU" dirty="0"/>
+              <a:t>Cleansing – Pre-processing of user name</a:t>
+            </a:r>
+          </a:p>
+        </p:txBody>
+      </p:sp>
+      <p:sp>
+        <p:nvSpPr>
+          <p:cNvPr id="4" name="Footer Placeholder 3">
+            <a:extLst>
+              <a:ext uri="{FF2B5EF4-FFF2-40B4-BE49-F238E27FC236}">
+                <a16:creationId xmlns:a16="http://schemas.microsoft.com/office/drawing/2014/main" id="{90450DF2-15FB-0C48-8D55-AF04D9A8EDB2}"/>
+              </a:ext>
+            </a:extLst>
+          </p:cNvPr>
+          <p:cNvSpPr>
+            <a:spLocks noGrp="1"/>
+          </p:cNvSpPr>
+          <p:nvPr>
+            <p:ph type="ftr" sz="quarter" idx="11"/>
+          </p:nvPr>
+        </p:nvSpPr>
+        <p:spPr/>
+        <p:txBody>
+          <a:bodyPr/>
+          <a:lstStyle/>
+          <a:p>
+            <a:r>
+              <a:rPr lang="en-AU" dirty="0"/>
+              <a:t>Cleansing</a:t>
+            </a:r>
+          </a:p>
+        </p:txBody>
+      </p:sp>
+      <p:sp>
+        <p:nvSpPr>
+          <p:cNvPr id="5" name="Slide Number Placeholder 4">
+            <a:extLst>
+              <a:ext uri="{FF2B5EF4-FFF2-40B4-BE49-F238E27FC236}">
+                <a16:creationId xmlns:a16="http://schemas.microsoft.com/office/drawing/2014/main" id="{74F24ED7-F2E3-8549-AA66-A8B15C3C9562}"/>
+              </a:ext>
+            </a:extLst>
+          </p:cNvPr>
+          <p:cNvSpPr>
+            <a:spLocks noGrp="1"/>
+          </p:cNvSpPr>
+          <p:nvPr>
+            <p:ph type="sldNum" sz="quarter" idx="12"/>
+          </p:nvPr>
+        </p:nvSpPr>
+        <p:spPr/>
+        <p:txBody>
+          <a:bodyPr/>
+          <a:lstStyle/>
+          <a:p>
+            <a:fld id="{AD0369CE-0151-F748-9ED4-9508A9FAC3FF}" type="slidenum">
+              <a:rPr lang="en-AU" smtClean="0"/>
+              <a:t>18</a:t>
+            </a:fld>
+            <a:endParaRPr lang="en-AU"/>
+          </a:p>
+        </p:txBody>
+      </p:sp>
+      <p:sp>
+        <p:nvSpPr>
+          <p:cNvPr id="6" name="TextBox 5">
+            <a:extLst>
+              <a:ext uri="{FF2B5EF4-FFF2-40B4-BE49-F238E27FC236}">
+                <a16:creationId xmlns:a16="http://schemas.microsoft.com/office/drawing/2014/main" id="{7EF67293-F9CE-E149-B49C-D3F04FB61180}"/>
+              </a:ext>
+            </a:extLst>
+          </p:cNvPr>
+          <p:cNvSpPr txBox="1"/>
+          <p:nvPr/>
+        </p:nvSpPr>
+        <p:spPr>
+          <a:xfrm>
+            <a:off x="4356645" y="3429000"/>
+            <a:ext cx="3339247" cy="707886"/>
+          </a:xfrm>
+          <a:prstGeom prst="rect">
+            <a:avLst/>
+          </a:prstGeom>
+          <a:noFill/>
+        </p:spPr>
+        <p:txBody>
+          <a:bodyPr wrap="none" rtlCol="0">
+            <a:spAutoFit/>
+          </a:bodyPr>
+          <a:lstStyle/>
+          <a:p>
+            <a:r>
+              <a:rPr lang="en-AU" sz="4000" dirty="0"/>
+              <a:t>Kanye </a:t>
+            </a:r>
+            <a:r>
+              <a:rPr lang="en-AU" sz="4000" dirty="0" err="1"/>
+              <a:t>WestFan</a:t>
+            </a:r>
+            <a:endParaRPr lang="en-AU" sz="4000" dirty="0"/>
+          </a:p>
+        </p:txBody>
+      </p:sp>
+    </p:spTree>
+    <p:extLst>
+      <p:ext uri="{BB962C8B-B14F-4D97-AF65-F5344CB8AC3E}">
+        <p14:creationId xmlns:p14="http://schemas.microsoft.com/office/powerpoint/2010/main" val="1886832101"/>
+      </p:ext>
+    </p:extLst>
+  </p:cSld>
+  <p:clrMapOvr>
+    <a:masterClrMapping/>
+  </p:clrMapOvr>
+</p:sld>
+</file>
+
+<file path=ppt/slides/slide19.xml><?xml version="1.0" encoding="utf-8"?>
+<p:sld xmlns:a="http://schemas.openxmlformats.org/drawingml/2006/main" xmlns:r="http://schemas.openxmlformats.org/officeDocument/2006/relationships" xmlns:p="http://schemas.openxmlformats.org/presentationml/2006/main">
+  <p:cSld>
+    <p:spTree>
+      <p:nvGrpSpPr>
+        <p:cNvPr id="1" name=""/>
+        <p:cNvGrpSpPr/>
+        <p:nvPr/>
+      </p:nvGrpSpPr>
+      <p:grpSpPr>
+        <a:xfrm>
+          <a:off x="0" y="0"/>
+          <a:ext cx="0" cy="0"/>
+          <a:chOff x="0" y="0"/>
+          <a:chExt cx="0" cy="0"/>
+        </a:xfrm>
+      </p:grpSpPr>
+      <p:sp>
+        <p:nvSpPr>
+          <p:cNvPr id="2" name="Title 1">
+            <a:extLst>
+              <a:ext uri="{FF2B5EF4-FFF2-40B4-BE49-F238E27FC236}">
+                <a16:creationId xmlns:a16="http://schemas.microsoft.com/office/drawing/2014/main" id="{9A695626-45CA-DC40-A4BB-A0E7B5867EB4}"/>
+              </a:ext>
+            </a:extLst>
+          </p:cNvPr>
+          <p:cNvSpPr>
+            <a:spLocks noGrp="1"/>
+          </p:cNvSpPr>
+          <p:nvPr>
+            <p:ph type="title"/>
+          </p:nvPr>
+        </p:nvSpPr>
+        <p:spPr/>
+        <p:txBody>
+          <a:bodyPr/>
+          <a:lstStyle/>
+          <a:p>
+            <a:pPr algn="ctr"/>
+            <a:r>
+              <a:rPr lang="en-AU" dirty="0"/>
+              <a:t>Cleansing – Pre-processing of user name</a:t>
+            </a:r>
+          </a:p>
+        </p:txBody>
+      </p:sp>
+      <p:sp>
+        <p:nvSpPr>
+          <p:cNvPr id="4" name="Footer Placeholder 3">
+            <a:extLst>
+              <a:ext uri="{FF2B5EF4-FFF2-40B4-BE49-F238E27FC236}">
+                <a16:creationId xmlns:a16="http://schemas.microsoft.com/office/drawing/2014/main" id="{90450DF2-15FB-0C48-8D55-AF04D9A8EDB2}"/>
+              </a:ext>
+            </a:extLst>
+          </p:cNvPr>
+          <p:cNvSpPr>
+            <a:spLocks noGrp="1"/>
+          </p:cNvSpPr>
+          <p:nvPr>
+            <p:ph type="ftr" sz="quarter" idx="11"/>
+          </p:nvPr>
+        </p:nvSpPr>
+        <p:spPr/>
+        <p:txBody>
+          <a:bodyPr/>
+          <a:lstStyle/>
+          <a:p>
+            <a:r>
+              <a:rPr lang="en-AU" dirty="0"/>
+              <a:t>Cleansing</a:t>
+            </a:r>
+          </a:p>
+        </p:txBody>
+      </p:sp>
+      <p:sp>
+        <p:nvSpPr>
+          <p:cNvPr id="5" name="Slide Number Placeholder 4">
+            <a:extLst>
+              <a:ext uri="{FF2B5EF4-FFF2-40B4-BE49-F238E27FC236}">
+                <a16:creationId xmlns:a16="http://schemas.microsoft.com/office/drawing/2014/main" id="{74F24ED7-F2E3-8549-AA66-A8B15C3C9562}"/>
+              </a:ext>
+            </a:extLst>
+          </p:cNvPr>
+          <p:cNvSpPr>
+            <a:spLocks noGrp="1"/>
+          </p:cNvSpPr>
+          <p:nvPr>
+            <p:ph type="sldNum" sz="quarter" idx="12"/>
+          </p:nvPr>
+        </p:nvSpPr>
+        <p:spPr/>
+        <p:txBody>
+          <a:bodyPr/>
+          <a:lstStyle/>
+          <a:p>
+            <a:fld id="{AD0369CE-0151-F748-9ED4-9508A9FAC3FF}" type="slidenum">
+              <a:rPr lang="en-AU" smtClean="0"/>
+              <a:t>19</a:t>
+            </a:fld>
+            <a:endParaRPr lang="en-AU"/>
+          </a:p>
+        </p:txBody>
+      </p:sp>
+      <p:sp>
+        <p:nvSpPr>
+          <p:cNvPr id="6" name="TextBox 5">
+            <a:extLst>
+              <a:ext uri="{FF2B5EF4-FFF2-40B4-BE49-F238E27FC236}">
+                <a16:creationId xmlns:a16="http://schemas.microsoft.com/office/drawing/2014/main" id="{7EF67293-F9CE-E149-B49C-D3F04FB61180}"/>
+              </a:ext>
+            </a:extLst>
+          </p:cNvPr>
+          <p:cNvSpPr txBox="1"/>
+          <p:nvPr/>
+        </p:nvSpPr>
+        <p:spPr>
+          <a:xfrm>
+            <a:off x="4356645" y="3429000"/>
+            <a:ext cx="3454664" cy="707886"/>
+          </a:xfrm>
+          <a:prstGeom prst="rect">
+            <a:avLst/>
+          </a:prstGeom>
+          <a:noFill/>
+        </p:spPr>
+        <p:txBody>
+          <a:bodyPr wrap="none" rtlCol="0">
+            <a:spAutoFit/>
+          </a:bodyPr>
+          <a:lstStyle/>
+          <a:p>
+            <a:r>
+              <a:rPr lang="en-AU" sz="4000" dirty="0"/>
+              <a:t>Kanye West Fan</a:t>
+            </a:r>
+          </a:p>
+        </p:txBody>
+      </p:sp>
+    </p:spTree>
+    <p:extLst>
+      <p:ext uri="{BB962C8B-B14F-4D97-AF65-F5344CB8AC3E}">
+        <p14:creationId xmlns:p14="http://schemas.microsoft.com/office/powerpoint/2010/main" val="2109847011"/>
+      </p:ext>
+    </p:extLst>
+  </p:cSld>
+  <p:clrMapOvr>
+    <a:masterClrMapping/>
+  </p:clrMapOvr>
+</p:sld>
+</file>
+
 <file path=ppt/slides/slide2.xml><?xml version="1.0" encoding="utf-8"?>
 <p:sld xmlns:a="http://schemas.openxmlformats.org/drawingml/2006/main" xmlns:r="http://schemas.openxmlformats.org/officeDocument/2006/relationships" xmlns:p="http://schemas.openxmlformats.org/presentationml/2006/main">
   <p:cSld>
@@ -4113,6 +6853,2804 @@
     <p:extLst>
       <p:ext uri="{BB962C8B-B14F-4D97-AF65-F5344CB8AC3E}">
         <p14:creationId xmlns:p14="http://schemas.microsoft.com/office/powerpoint/2010/main" val="1180775670"/>
+      </p:ext>
+    </p:extLst>
+  </p:cSld>
+  <p:clrMapOvr>
+    <a:masterClrMapping/>
+  </p:clrMapOvr>
+</p:sld>
+</file>
+
+<file path=ppt/slides/slide20.xml><?xml version="1.0" encoding="utf-8"?>
+<p:sld xmlns:a="http://schemas.openxmlformats.org/drawingml/2006/main" xmlns:r="http://schemas.openxmlformats.org/officeDocument/2006/relationships" xmlns:p="http://schemas.openxmlformats.org/presentationml/2006/main">
+  <p:cSld>
+    <p:spTree>
+      <p:nvGrpSpPr>
+        <p:cNvPr id="1" name=""/>
+        <p:cNvGrpSpPr/>
+        <p:nvPr/>
+      </p:nvGrpSpPr>
+      <p:grpSpPr>
+        <a:xfrm>
+          <a:off x="0" y="0"/>
+          <a:ext cx="0" cy="0"/>
+          <a:chOff x="0" y="0"/>
+          <a:chExt cx="0" cy="0"/>
+        </a:xfrm>
+      </p:grpSpPr>
+      <p:sp>
+        <p:nvSpPr>
+          <p:cNvPr id="2" name="Title 1">
+            <a:extLst>
+              <a:ext uri="{FF2B5EF4-FFF2-40B4-BE49-F238E27FC236}">
+                <a16:creationId xmlns:a16="http://schemas.microsoft.com/office/drawing/2014/main" id="{9A695626-45CA-DC40-A4BB-A0E7B5867EB4}"/>
+              </a:ext>
+            </a:extLst>
+          </p:cNvPr>
+          <p:cNvSpPr>
+            <a:spLocks noGrp="1"/>
+          </p:cNvSpPr>
+          <p:nvPr>
+            <p:ph type="title"/>
+          </p:nvPr>
+        </p:nvSpPr>
+        <p:spPr/>
+        <p:txBody>
+          <a:bodyPr/>
+          <a:lstStyle/>
+          <a:p>
+            <a:pPr algn="ctr"/>
+            <a:r>
+              <a:rPr lang="en-AU" dirty="0"/>
+              <a:t>Cleansing – Pre-processing of user name</a:t>
+            </a:r>
+          </a:p>
+        </p:txBody>
+      </p:sp>
+      <p:sp>
+        <p:nvSpPr>
+          <p:cNvPr id="4" name="Footer Placeholder 3">
+            <a:extLst>
+              <a:ext uri="{FF2B5EF4-FFF2-40B4-BE49-F238E27FC236}">
+                <a16:creationId xmlns:a16="http://schemas.microsoft.com/office/drawing/2014/main" id="{90450DF2-15FB-0C48-8D55-AF04D9A8EDB2}"/>
+              </a:ext>
+            </a:extLst>
+          </p:cNvPr>
+          <p:cNvSpPr>
+            <a:spLocks noGrp="1"/>
+          </p:cNvSpPr>
+          <p:nvPr>
+            <p:ph type="ftr" sz="quarter" idx="11"/>
+          </p:nvPr>
+        </p:nvSpPr>
+        <p:spPr/>
+        <p:txBody>
+          <a:bodyPr/>
+          <a:lstStyle/>
+          <a:p>
+            <a:r>
+              <a:rPr lang="en-AU" dirty="0"/>
+              <a:t>Cleansing</a:t>
+            </a:r>
+          </a:p>
+        </p:txBody>
+      </p:sp>
+      <p:sp>
+        <p:nvSpPr>
+          <p:cNvPr id="5" name="Slide Number Placeholder 4">
+            <a:extLst>
+              <a:ext uri="{FF2B5EF4-FFF2-40B4-BE49-F238E27FC236}">
+                <a16:creationId xmlns:a16="http://schemas.microsoft.com/office/drawing/2014/main" id="{74F24ED7-F2E3-8549-AA66-A8B15C3C9562}"/>
+              </a:ext>
+            </a:extLst>
+          </p:cNvPr>
+          <p:cNvSpPr>
+            <a:spLocks noGrp="1"/>
+          </p:cNvSpPr>
+          <p:nvPr>
+            <p:ph type="sldNum" sz="quarter" idx="12"/>
+          </p:nvPr>
+        </p:nvSpPr>
+        <p:spPr/>
+        <p:txBody>
+          <a:bodyPr/>
+          <a:lstStyle/>
+          <a:p>
+            <a:fld id="{AD0369CE-0151-F748-9ED4-9508A9FAC3FF}" type="slidenum">
+              <a:rPr lang="en-AU" smtClean="0"/>
+              <a:t>20</a:t>
+            </a:fld>
+            <a:endParaRPr lang="en-AU"/>
+          </a:p>
+        </p:txBody>
+      </p:sp>
+      <p:sp>
+        <p:nvSpPr>
+          <p:cNvPr id="6" name="TextBox 5">
+            <a:extLst>
+              <a:ext uri="{FF2B5EF4-FFF2-40B4-BE49-F238E27FC236}">
+                <a16:creationId xmlns:a16="http://schemas.microsoft.com/office/drawing/2014/main" id="{7EF67293-F9CE-E149-B49C-D3F04FB61180}"/>
+              </a:ext>
+            </a:extLst>
+          </p:cNvPr>
+          <p:cNvSpPr txBox="1"/>
+          <p:nvPr/>
+        </p:nvSpPr>
+        <p:spPr>
+          <a:xfrm>
+            <a:off x="4356645" y="3429000"/>
+            <a:ext cx="3270511" cy="707886"/>
+          </a:xfrm>
+          <a:prstGeom prst="rect">
+            <a:avLst/>
+          </a:prstGeom>
+          <a:noFill/>
+        </p:spPr>
+        <p:txBody>
+          <a:bodyPr wrap="none" rtlCol="0">
+            <a:spAutoFit/>
+          </a:bodyPr>
+          <a:lstStyle/>
+          <a:p>
+            <a:r>
+              <a:rPr lang="en-AU" sz="4000" dirty="0" err="1"/>
+              <a:t>kanye</a:t>
+            </a:r>
+            <a:r>
+              <a:rPr lang="en-AU" sz="4000" dirty="0"/>
+              <a:t> west fan</a:t>
+            </a:r>
+          </a:p>
+        </p:txBody>
+      </p:sp>
+    </p:spTree>
+    <p:extLst>
+      <p:ext uri="{BB962C8B-B14F-4D97-AF65-F5344CB8AC3E}">
+        <p14:creationId xmlns:p14="http://schemas.microsoft.com/office/powerpoint/2010/main" val="478327146"/>
+      </p:ext>
+    </p:extLst>
+  </p:cSld>
+  <p:clrMapOvr>
+    <a:masterClrMapping/>
+  </p:clrMapOvr>
+</p:sld>
+</file>
+
+<file path=ppt/slides/slide21.xml><?xml version="1.0" encoding="utf-8"?>
+<p:sld xmlns:a="http://schemas.openxmlformats.org/drawingml/2006/main" xmlns:r="http://schemas.openxmlformats.org/officeDocument/2006/relationships" xmlns:p="http://schemas.openxmlformats.org/presentationml/2006/main">
+  <p:cSld>
+    <p:spTree>
+      <p:nvGrpSpPr>
+        <p:cNvPr id="1" name=""/>
+        <p:cNvGrpSpPr/>
+        <p:nvPr/>
+      </p:nvGrpSpPr>
+      <p:grpSpPr>
+        <a:xfrm>
+          <a:off x="0" y="0"/>
+          <a:ext cx="0" cy="0"/>
+          <a:chOff x="0" y="0"/>
+          <a:chExt cx="0" cy="0"/>
+        </a:xfrm>
+      </p:grpSpPr>
+      <p:sp>
+        <p:nvSpPr>
+          <p:cNvPr id="2" name="Title 1">
+            <a:extLst>
+              <a:ext uri="{FF2B5EF4-FFF2-40B4-BE49-F238E27FC236}">
+                <a16:creationId xmlns:a16="http://schemas.microsoft.com/office/drawing/2014/main" id="{9A695626-45CA-DC40-A4BB-A0E7B5867EB4}"/>
+              </a:ext>
+            </a:extLst>
+          </p:cNvPr>
+          <p:cNvSpPr>
+            <a:spLocks noGrp="1"/>
+          </p:cNvSpPr>
+          <p:nvPr>
+            <p:ph type="title"/>
+          </p:nvPr>
+        </p:nvSpPr>
+        <p:spPr/>
+        <p:txBody>
+          <a:bodyPr/>
+          <a:lstStyle/>
+          <a:p>
+            <a:pPr algn="ctr"/>
+            <a:r>
+              <a:rPr lang="en-AU" dirty="0"/>
+              <a:t>Cleansing – Pre-processing of user name</a:t>
+            </a:r>
+          </a:p>
+        </p:txBody>
+      </p:sp>
+      <p:sp>
+        <p:nvSpPr>
+          <p:cNvPr id="4" name="Footer Placeholder 3">
+            <a:extLst>
+              <a:ext uri="{FF2B5EF4-FFF2-40B4-BE49-F238E27FC236}">
+                <a16:creationId xmlns:a16="http://schemas.microsoft.com/office/drawing/2014/main" id="{90450DF2-15FB-0C48-8D55-AF04D9A8EDB2}"/>
+              </a:ext>
+            </a:extLst>
+          </p:cNvPr>
+          <p:cNvSpPr>
+            <a:spLocks noGrp="1"/>
+          </p:cNvSpPr>
+          <p:nvPr>
+            <p:ph type="ftr" sz="quarter" idx="11"/>
+          </p:nvPr>
+        </p:nvSpPr>
+        <p:spPr/>
+        <p:txBody>
+          <a:bodyPr/>
+          <a:lstStyle/>
+          <a:p>
+            <a:r>
+              <a:rPr lang="en-AU" dirty="0"/>
+              <a:t>Cleansing</a:t>
+            </a:r>
+          </a:p>
+        </p:txBody>
+      </p:sp>
+      <p:sp>
+        <p:nvSpPr>
+          <p:cNvPr id="5" name="Slide Number Placeholder 4">
+            <a:extLst>
+              <a:ext uri="{FF2B5EF4-FFF2-40B4-BE49-F238E27FC236}">
+                <a16:creationId xmlns:a16="http://schemas.microsoft.com/office/drawing/2014/main" id="{74F24ED7-F2E3-8549-AA66-A8B15C3C9562}"/>
+              </a:ext>
+            </a:extLst>
+          </p:cNvPr>
+          <p:cNvSpPr>
+            <a:spLocks noGrp="1"/>
+          </p:cNvSpPr>
+          <p:nvPr>
+            <p:ph type="sldNum" sz="quarter" idx="12"/>
+          </p:nvPr>
+        </p:nvSpPr>
+        <p:spPr/>
+        <p:txBody>
+          <a:bodyPr/>
+          <a:lstStyle/>
+          <a:p>
+            <a:fld id="{AD0369CE-0151-F748-9ED4-9508A9FAC3FF}" type="slidenum">
+              <a:rPr lang="en-AU" smtClean="0"/>
+              <a:t>21</a:t>
+            </a:fld>
+            <a:endParaRPr lang="en-AU"/>
+          </a:p>
+        </p:txBody>
+      </p:sp>
+      <p:sp>
+        <p:nvSpPr>
+          <p:cNvPr id="6" name="TextBox 5">
+            <a:extLst>
+              <a:ext uri="{FF2B5EF4-FFF2-40B4-BE49-F238E27FC236}">
+                <a16:creationId xmlns:a16="http://schemas.microsoft.com/office/drawing/2014/main" id="{7EF67293-F9CE-E149-B49C-D3F04FB61180}"/>
+              </a:ext>
+            </a:extLst>
+          </p:cNvPr>
+          <p:cNvSpPr txBox="1"/>
+          <p:nvPr/>
+        </p:nvSpPr>
+        <p:spPr>
+          <a:xfrm>
+            <a:off x="8083289" y="3424687"/>
+            <a:ext cx="3270511" cy="707886"/>
+          </a:xfrm>
+          <a:prstGeom prst="rect">
+            <a:avLst/>
+          </a:prstGeom>
+          <a:noFill/>
+        </p:spPr>
+        <p:txBody>
+          <a:bodyPr wrap="none" rtlCol="0">
+            <a:spAutoFit/>
+          </a:bodyPr>
+          <a:lstStyle/>
+          <a:p>
+            <a:r>
+              <a:rPr lang="en-AU" sz="4000" dirty="0" err="1"/>
+              <a:t>kanye</a:t>
+            </a:r>
+            <a:r>
+              <a:rPr lang="en-AU" sz="4000" dirty="0"/>
+              <a:t> west fan</a:t>
+            </a:r>
+          </a:p>
+        </p:txBody>
+      </p:sp>
+      <p:sp>
+        <p:nvSpPr>
+          <p:cNvPr id="7" name="TextBox 6">
+            <a:extLst>
+              <a:ext uri="{FF2B5EF4-FFF2-40B4-BE49-F238E27FC236}">
+                <a16:creationId xmlns:a16="http://schemas.microsoft.com/office/drawing/2014/main" id="{5369C7E9-4562-D943-B4FF-058BAAF81583}"/>
+              </a:ext>
+            </a:extLst>
+          </p:cNvPr>
+          <p:cNvSpPr txBox="1"/>
+          <p:nvPr/>
+        </p:nvSpPr>
+        <p:spPr>
+          <a:xfrm>
+            <a:off x="838200" y="3424687"/>
+            <a:ext cx="4517455" cy="707886"/>
+          </a:xfrm>
+          <a:prstGeom prst="rect">
+            <a:avLst/>
+          </a:prstGeom>
+          <a:noFill/>
+        </p:spPr>
+        <p:txBody>
+          <a:bodyPr wrap="none" rtlCol="0">
+            <a:spAutoFit/>
+          </a:bodyPr>
+          <a:lstStyle/>
+          <a:p>
+            <a:r>
+              <a:rPr lang="en-AU" sz="4000" dirty="0"/>
+              <a:t>Kanye_WestFan1991</a:t>
+            </a:r>
+          </a:p>
+        </p:txBody>
+      </p:sp>
+      <p:cxnSp>
+        <p:nvCxnSpPr>
+          <p:cNvPr id="8" name="Straight Arrow Connector 7">
+            <a:extLst>
+              <a:ext uri="{FF2B5EF4-FFF2-40B4-BE49-F238E27FC236}">
+                <a16:creationId xmlns:a16="http://schemas.microsoft.com/office/drawing/2014/main" id="{6146B666-F0BC-9D4A-B7EA-F1BEB72B2243}"/>
+              </a:ext>
+            </a:extLst>
+          </p:cNvPr>
+          <p:cNvCxnSpPr>
+            <a:cxnSpLocks/>
+          </p:cNvCxnSpPr>
+          <p:nvPr/>
+        </p:nvCxnSpPr>
+        <p:spPr>
+          <a:xfrm>
+            <a:off x="5430417" y="3829888"/>
+            <a:ext cx="2281598" cy="0"/>
+          </a:xfrm>
+          <a:prstGeom prst="straightConnector1">
+            <a:avLst/>
+          </a:prstGeom>
+          <a:ln w="76200">
+            <a:solidFill>
+              <a:schemeClr val="accent1"/>
+            </a:solidFill>
+            <a:tailEnd type="triangle"/>
+          </a:ln>
+        </p:spPr>
+        <p:style>
+          <a:lnRef idx="1">
+            <a:schemeClr val="accent1"/>
+          </a:lnRef>
+          <a:fillRef idx="0">
+            <a:schemeClr val="accent1"/>
+          </a:fillRef>
+          <a:effectRef idx="0">
+            <a:schemeClr val="accent1"/>
+          </a:effectRef>
+          <a:fontRef idx="minor">
+            <a:schemeClr val="tx1"/>
+          </a:fontRef>
+        </p:style>
+      </p:cxnSp>
+    </p:spTree>
+    <p:extLst>
+      <p:ext uri="{BB962C8B-B14F-4D97-AF65-F5344CB8AC3E}">
+        <p14:creationId xmlns:p14="http://schemas.microsoft.com/office/powerpoint/2010/main" val="3940977517"/>
+      </p:ext>
+    </p:extLst>
+  </p:cSld>
+  <p:clrMapOvr>
+    <a:masterClrMapping/>
+  </p:clrMapOvr>
+</p:sld>
+</file>
+
+<file path=ppt/slides/slide22.xml><?xml version="1.0" encoding="utf-8"?>
+<p:sld xmlns:a="http://schemas.openxmlformats.org/drawingml/2006/main" xmlns:r="http://schemas.openxmlformats.org/officeDocument/2006/relationships" xmlns:p="http://schemas.openxmlformats.org/presentationml/2006/main">
+  <p:cSld>
+    <p:spTree>
+      <p:nvGrpSpPr>
+        <p:cNvPr id="1" name=""/>
+        <p:cNvGrpSpPr/>
+        <p:nvPr/>
+      </p:nvGrpSpPr>
+      <p:grpSpPr>
+        <a:xfrm>
+          <a:off x="0" y="0"/>
+          <a:ext cx="0" cy="0"/>
+          <a:chOff x="0" y="0"/>
+          <a:chExt cx="0" cy="0"/>
+        </a:xfrm>
+      </p:grpSpPr>
+      <p:sp>
+        <p:nvSpPr>
+          <p:cNvPr id="2" name="Title 1">
+            <a:extLst>
+              <a:ext uri="{FF2B5EF4-FFF2-40B4-BE49-F238E27FC236}">
+                <a16:creationId xmlns:a16="http://schemas.microsoft.com/office/drawing/2014/main" id="{BF33B0F6-5A17-6B4F-BA22-E7A7DD9D7B67}"/>
+              </a:ext>
+            </a:extLst>
+          </p:cNvPr>
+          <p:cNvSpPr>
+            <a:spLocks noGrp="1"/>
+          </p:cNvSpPr>
+          <p:nvPr>
+            <p:ph type="title"/>
+          </p:nvPr>
+        </p:nvSpPr>
+        <p:spPr/>
+        <p:txBody>
+          <a:bodyPr/>
+          <a:lstStyle/>
+          <a:p>
+            <a:pPr algn="ctr"/>
+            <a:r>
+              <a:rPr lang="en-AU" dirty="0"/>
+              <a:t>Edit-distance</a:t>
+            </a:r>
+          </a:p>
+        </p:txBody>
+      </p:sp>
+      <p:sp>
+        <p:nvSpPr>
+          <p:cNvPr id="3" name="Content Placeholder 2">
+            <a:extLst>
+              <a:ext uri="{FF2B5EF4-FFF2-40B4-BE49-F238E27FC236}">
+                <a16:creationId xmlns:a16="http://schemas.microsoft.com/office/drawing/2014/main" id="{B3DFF11F-CA2E-0F43-BE38-084D05B3BFE6}"/>
+              </a:ext>
+            </a:extLst>
+          </p:cNvPr>
+          <p:cNvSpPr>
+            <a:spLocks noGrp="1"/>
+          </p:cNvSpPr>
+          <p:nvPr>
+            <p:ph idx="1"/>
+          </p:nvPr>
+        </p:nvSpPr>
+        <p:spPr/>
+        <p:txBody>
+          <a:bodyPr/>
+          <a:lstStyle/>
+          <a:p>
+            <a:r>
+              <a:rPr lang="en-AU" dirty="0"/>
+              <a:t>A measure of how similar two words are</a:t>
+            </a:r>
+          </a:p>
+          <a:p>
+            <a:r>
+              <a:rPr lang="en-AU" dirty="0"/>
+              <a:t>How many edits from one word to another</a:t>
+            </a:r>
+          </a:p>
+          <a:p>
+            <a:r>
+              <a:rPr lang="en-AU" dirty="0"/>
+              <a:t>Edits:</a:t>
+            </a:r>
+          </a:p>
+          <a:p>
+            <a:pPr lvl="1"/>
+            <a:r>
+              <a:rPr lang="en-AU" dirty="0"/>
+              <a:t>Additions</a:t>
+            </a:r>
+          </a:p>
+          <a:p>
+            <a:pPr lvl="1"/>
+            <a:r>
+              <a:rPr lang="en-AU" dirty="0"/>
+              <a:t>Deletions</a:t>
+            </a:r>
+          </a:p>
+          <a:p>
+            <a:pPr lvl="1"/>
+            <a:r>
+              <a:rPr lang="en-AU" dirty="0" err="1"/>
+              <a:t>Subsititions</a:t>
+            </a:r>
+            <a:endParaRPr lang="en-AU" dirty="0"/>
+          </a:p>
+        </p:txBody>
+      </p:sp>
+      <p:sp>
+        <p:nvSpPr>
+          <p:cNvPr id="4" name="Footer Placeholder 3">
+            <a:extLst>
+              <a:ext uri="{FF2B5EF4-FFF2-40B4-BE49-F238E27FC236}">
+                <a16:creationId xmlns:a16="http://schemas.microsoft.com/office/drawing/2014/main" id="{AF664642-7007-474C-A0BD-AF889476600D}"/>
+              </a:ext>
+            </a:extLst>
+          </p:cNvPr>
+          <p:cNvSpPr>
+            <a:spLocks noGrp="1"/>
+          </p:cNvSpPr>
+          <p:nvPr>
+            <p:ph type="ftr" sz="quarter" idx="11"/>
+          </p:nvPr>
+        </p:nvSpPr>
+        <p:spPr/>
+        <p:txBody>
+          <a:bodyPr/>
+          <a:lstStyle/>
+          <a:p>
+            <a:r>
+              <a:rPr lang="en-AU" dirty="0"/>
+              <a:t>Cleansing</a:t>
+            </a:r>
+          </a:p>
+        </p:txBody>
+      </p:sp>
+      <p:sp>
+        <p:nvSpPr>
+          <p:cNvPr id="5" name="Slide Number Placeholder 4">
+            <a:extLst>
+              <a:ext uri="{FF2B5EF4-FFF2-40B4-BE49-F238E27FC236}">
+                <a16:creationId xmlns:a16="http://schemas.microsoft.com/office/drawing/2014/main" id="{52BA1CB0-B2B0-8F40-AB63-F216ADA82203}"/>
+              </a:ext>
+            </a:extLst>
+          </p:cNvPr>
+          <p:cNvSpPr>
+            <a:spLocks noGrp="1"/>
+          </p:cNvSpPr>
+          <p:nvPr>
+            <p:ph type="sldNum" sz="quarter" idx="12"/>
+          </p:nvPr>
+        </p:nvSpPr>
+        <p:spPr/>
+        <p:txBody>
+          <a:bodyPr/>
+          <a:lstStyle/>
+          <a:p>
+            <a:fld id="{AD0369CE-0151-F748-9ED4-9508A9FAC3FF}" type="slidenum">
+              <a:rPr lang="en-AU" smtClean="0"/>
+              <a:t>22</a:t>
+            </a:fld>
+            <a:endParaRPr lang="en-AU"/>
+          </a:p>
+        </p:txBody>
+      </p:sp>
+    </p:spTree>
+    <p:extLst>
+      <p:ext uri="{BB962C8B-B14F-4D97-AF65-F5344CB8AC3E}">
+        <p14:creationId xmlns:p14="http://schemas.microsoft.com/office/powerpoint/2010/main" val="1734628898"/>
+      </p:ext>
+    </p:extLst>
+  </p:cSld>
+  <p:clrMapOvr>
+    <a:masterClrMapping/>
+  </p:clrMapOvr>
+</p:sld>
+</file>
+
+<file path=ppt/slides/slide23.xml><?xml version="1.0" encoding="utf-8"?>
+<p:sld xmlns:a="http://schemas.openxmlformats.org/drawingml/2006/main" xmlns:r="http://schemas.openxmlformats.org/officeDocument/2006/relationships" xmlns:p="http://schemas.openxmlformats.org/presentationml/2006/main">
+  <p:cSld>
+    <p:spTree>
+      <p:nvGrpSpPr>
+        <p:cNvPr id="1" name=""/>
+        <p:cNvGrpSpPr/>
+        <p:nvPr/>
+      </p:nvGrpSpPr>
+      <p:grpSpPr>
+        <a:xfrm>
+          <a:off x="0" y="0"/>
+          <a:ext cx="0" cy="0"/>
+          <a:chOff x="0" y="0"/>
+          <a:chExt cx="0" cy="0"/>
+        </a:xfrm>
+      </p:grpSpPr>
+      <p:sp>
+        <p:nvSpPr>
+          <p:cNvPr id="2" name="Title 1">
+            <a:extLst>
+              <a:ext uri="{FF2B5EF4-FFF2-40B4-BE49-F238E27FC236}">
+                <a16:creationId xmlns:a16="http://schemas.microsoft.com/office/drawing/2014/main" id="{BF33B0F6-5A17-6B4F-BA22-E7A7DD9D7B67}"/>
+              </a:ext>
+            </a:extLst>
+          </p:cNvPr>
+          <p:cNvSpPr>
+            <a:spLocks noGrp="1"/>
+          </p:cNvSpPr>
+          <p:nvPr>
+            <p:ph type="title"/>
+          </p:nvPr>
+        </p:nvSpPr>
+        <p:spPr/>
+        <p:txBody>
+          <a:bodyPr/>
+          <a:lstStyle/>
+          <a:p>
+            <a:pPr algn="ctr"/>
+            <a:r>
+              <a:rPr lang="en-AU" dirty="0"/>
+              <a:t>Edit-distance Example</a:t>
+            </a:r>
+          </a:p>
+        </p:txBody>
+      </p:sp>
+      <p:sp>
+        <p:nvSpPr>
+          <p:cNvPr id="3" name="Content Placeholder 2">
+            <a:extLst>
+              <a:ext uri="{FF2B5EF4-FFF2-40B4-BE49-F238E27FC236}">
+                <a16:creationId xmlns:a16="http://schemas.microsoft.com/office/drawing/2014/main" id="{B3DFF11F-CA2E-0F43-BE38-084D05B3BFE6}"/>
+              </a:ext>
+            </a:extLst>
+          </p:cNvPr>
+          <p:cNvSpPr>
+            <a:spLocks noGrp="1"/>
+          </p:cNvSpPr>
+          <p:nvPr>
+            <p:ph idx="1"/>
+          </p:nvPr>
+        </p:nvSpPr>
+        <p:spPr/>
+        <p:txBody>
+          <a:bodyPr/>
+          <a:lstStyle/>
+          <a:p>
+            <a:r>
+              <a:rPr lang="en-AU" dirty="0"/>
+              <a:t>To go from “kitten” to “sitting” we need 3 edits</a:t>
+            </a:r>
+          </a:p>
+          <a:p>
+            <a:endParaRPr lang="en-AU" dirty="0"/>
+          </a:p>
+          <a:p>
+            <a:r>
+              <a:rPr lang="en-AU" b="1" dirty="0"/>
+              <a:t>k</a:t>
+            </a:r>
+            <a:r>
+              <a:rPr lang="en-AU" dirty="0"/>
+              <a:t>itten -&gt; </a:t>
+            </a:r>
+            <a:r>
+              <a:rPr lang="en-AU" b="1" dirty="0" err="1"/>
+              <a:t>s</a:t>
+            </a:r>
+            <a:r>
+              <a:rPr lang="en-AU" dirty="0" err="1"/>
+              <a:t>itten</a:t>
+            </a:r>
+            <a:endParaRPr lang="en-AU" dirty="0"/>
+          </a:p>
+          <a:p>
+            <a:r>
+              <a:rPr lang="en-AU" dirty="0" err="1"/>
+              <a:t>sitt</a:t>
+            </a:r>
+            <a:r>
+              <a:rPr lang="en-AU" b="1" dirty="0" err="1"/>
+              <a:t>e</a:t>
+            </a:r>
+            <a:r>
+              <a:rPr lang="en-AU" dirty="0" err="1"/>
+              <a:t>n</a:t>
+            </a:r>
+            <a:r>
+              <a:rPr lang="en-AU" dirty="0"/>
+              <a:t> -&gt; </a:t>
+            </a:r>
+            <a:r>
+              <a:rPr lang="en-AU" dirty="0" err="1"/>
+              <a:t>sitt</a:t>
+            </a:r>
+            <a:r>
+              <a:rPr lang="en-AU" b="1" dirty="0" err="1"/>
+              <a:t>i</a:t>
+            </a:r>
+            <a:r>
+              <a:rPr lang="en-AU" dirty="0" err="1"/>
+              <a:t>n</a:t>
+            </a:r>
+            <a:endParaRPr lang="en-AU" dirty="0"/>
+          </a:p>
+          <a:p>
+            <a:r>
+              <a:rPr lang="en-AU" dirty="0" err="1"/>
+              <a:t>sittin</a:t>
+            </a:r>
+            <a:r>
+              <a:rPr lang="en-AU" dirty="0"/>
+              <a:t> -&gt; sittin</a:t>
+            </a:r>
+            <a:r>
+              <a:rPr lang="en-AU" b="1" dirty="0"/>
+              <a:t>g</a:t>
+            </a:r>
+          </a:p>
+          <a:p>
+            <a:endParaRPr lang="en-AU" b="1" dirty="0"/>
+          </a:p>
+          <a:p>
+            <a:r>
+              <a:rPr lang="en-AU" dirty="0"/>
+              <a:t>Make into an animation or something?</a:t>
+            </a:r>
+          </a:p>
+        </p:txBody>
+      </p:sp>
+      <p:sp>
+        <p:nvSpPr>
+          <p:cNvPr id="4" name="Footer Placeholder 3">
+            <a:extLst>
+              <a:ext uri="{FF2B5EF4-FFF2-40B4-BE49-F238E27FC236}">
+                <a16:creationId xmlns:a16="http://schemas.microsoft.com/office/drawing/2014/main" id="{AF664642-7007-474C-A0BD-AF889476600D}"/>
+              </a:ext>
+            </a:extLst>
+          </p:cNvPr>
+          <p:cNvSpPr>
+            <a:spLocks noGrp="1"/>
+          </p:cNvSpPr>
+          <p:nvPr>
+            <p:ph type="ftr" sz="quarter" idx="11"/>
+          </p:nvPr>
+        </p:nvSpPr>
+        <p:spPr/>
+        <p:txBody>
+          <a:bodyPr/>
+          <a:lstStyle/>
+          <a:p>
+            <a:r>
+              <a:rPr lang="en-AU" dirty="0"/>
+              <a:t>Cleansing</a:t>
+            </a:r>
+          </a:p>
+        </p:txBody>
+      </p:sp>
+      <p:sp>
+        <p:nvSpPr>
+          <p:cNvPr id="5" name="Slide Number Placeholder 4">
+            <a:extLst>
+              <a:ext uri="{FF2B5EF4-FFF2-40B4-BE49-F238E27FC236}">
+                <a16:creationId xmlns:a16="http://schemas.microsoft.com/office/drawing/2014/main" id="{52BA1CB0-B2B0-8F40-AB63-F216ADA82203}"/>
+              </a:ext>
+            </a:extLst>
+          </p:cNvPr>
+          <p:cNvSpPr>
+            <a:spLocks noGrp="1"/>
+          </p:cNvSpPr>
+          <p:nvPr>
+            <p:ph type="sldNum" sz="quarter" idx="12"/>
+          </p:nvPr>
+        </p:nvSpPr>
+        <p:spPr/>
+        <p:txBody>
+          <a:bodyPr/>
+          <a:lstStyle/>
+          <a:p>
+            <a:fld id="{AD0369CE-0151-F748-9ED4-9508A9FAC3FF}" type="slidenum">
+              <a:rPr lang="en-AU" smtClean="0"/>
+              <a:t>23</a:t>
+            </a:fld>
+            <a:endParaRPr lang="en-AU"/>
+          </a:p>
+        </p:txBody>
+      </p:sp>
+    </p:spTree>
+    <p:extLst>
+      <p:ext uri="{BB962C8B-B14F-4D97-AF65-F5344CB8AC3E}">
+        <p14:creationId xmlns:p14="http://schemas.microsoft.com/office/powerpoint/2010/main" val="3731029964"/>
+      </p:ext>
+    </p:extLst>
+  </p:cSld>
+  <p:clrMapOvr>
+    <a:masterClrMapping/>
+  </p:clrMapOvr>
+</p:sld>
+</file>
+
+<file path=ppt/slides/slide24.xml><?xml version="1.0" encoding="utf-8"?>
+<p:sld xmlns:a="http://schemas.openxmlformats.org/drawingml/2006/main" xmlns:r="http://schemas.openxmlformats.org/officeDocument/2006/relationships" xmlns:p="http://schemas.openxmlformats.org/presentationml/2006/main">
+  <p:cSld>
+    <p:spTree>
+      <p:nvGrpSpPr>
+        <p:cNvPr id="1" name=""/>
+        <p:cNvGrpSpPr/>
+        <p:nvPr/>
+      </p:nvGrpSpPr>
+      <p:grpSpPr>
+        <a:xfrm>
+          <a:off x="0" y="0"/>
+          <a:ext cx="0" cy="0"/>
+          <a:chOff x="0" y="0"/>
+          <a:chExt cx="0" cy="0"/>
+        </a:xfrm>
+      </p:grpSpPr>
+      <p:sp>
+        <p:nvSpPr>
+          <p:cNvPr id="2" name="Title 1">
+            <a:extLst>
+              <a:ext uri="{FF2B5EF4-FFF2-40B4-BE49-F238E27FC236}">
+                <a16:creationId xmlns:a16="http://schemas.microsoft.com/office/drawing/2014/main" id="{BF33B0F6-5A17-6B4F-BA22-E7A7DD9D7B67}"/>
+              </a:ext>
+            </a:extLst>
+          </p:cNvPr>
+          <p:cNvSpPr>
+            <a:spLocks noGrp="1"/>
+          </p:cNvSpPr>
+          <p:nvPr>
+            <p:ph type="title"/>
+          </p:nvPr>
+        </p:nvSpPr>
+        <p:spPr/>
+        <p:txBody>
+          <a:bodyPr/>
+          <a:lstStyle/>
+          <a:p>
+            <a:pPr algn="ctr"/>
+            <a:r>
+              <a:rPr lang="en-AU" dirty="0"/>
+              <a:t>The modified edit-distance</a:t>
+            </a:r>
+          </a:p>
+        </p:txBody>
+      </p:sp>
+      <p:sp>
+        <p:nvSpPr>
+          <p:cNvPr id="3" name="Content Placeholder 2">
+            <a:extLst>
+              <a:ext uri="{FF2B5EF4-FFF2-40B4-BE49-F238E27FC236}">
+                <a16:creationId xmlns:a16="http://schemas.microsoft.com/office/drawing/2014/main" id="{B3DFF11F-CA2E-0F43-BE38-084D05B3BFE6}"/>
+              </a:ext>
+            </a:extLst>
+          </p:cNvPr>
+          <p:cNvSpPr>
+            <a:spLocks noGrp="1"/>
+          </p:cNvSpPr>
+          <p:nvPr>
+            <p:ph idx="1"/>
+          </p:nvPr>
+        </p:nvSpPr>
+        <p:spPr/>
+        <p:txBody>
+          <a:bodyPr/>
+          <a:lstStyle/>
+          <a:p>
+            <a:r>
+              <a:rPr lang="en-AU" dirty="0"/>
+              <a:t>Use average length of the two words to normalise</a:t>
+            </a:r>
+          </a:p>
+          <a:p>
+            <a:r>
+              <a:rPr lang="en-AU" dirty="0"/>
+              <a:t>Average length of “kitten” and “sitting” is: 6+7/2=7.5</a:t>
+            </a:r>
+          </a:p>
+          <a:p>
+            <a:r>
+              <a:rPr lang="en-AU" dirty="0"/>
+              <a:t>Therefore, modified edit-distance is 3/7.5=0.4</a:t>
+            </a:r>
+          </a:p>
+          <a:p>
+            <a:endParaRPr lang="en-AU" dirty="0"/>
+          </a:p>
+        </p:txBody>
+      </p:sp>
+      <p:sp>
+        <p:nvSpPr>
+          <p:cNvPr id="4" name="Footer Placeholder 3">
+            <a:extLst>
+              <a:ext uri="{FF2B5EF4-FFF2-40B4-BE49-F238E27FC236}">
+                <a16:creationId xmlns:a16="http://schemas.microsoft.com/office/drawing/2014/main" id="{AF664642-7007-474C-A0BD-AF889476600D}"/>
+              </a:ext>
+            </a:extLst>
+          </p:cNvPr>
+          <p:cNvSpPr>
+            <a:spLocks noGrp="1"/>
+          </p:cNvSpPr>
+          <p:nvPr>
+            <p:ph type="ftr" sz="quarter" idx="11"/>
+          </p:nvPr>
+        </p:nvSpPr>
+        <p:spPr/>
+        <p:txBody>
+          <a:bodyPr/>
+          <a:lstStyle/>
+          <a:p>
+            <a:r>
+              <a:rPr lang="en-AU" dirty="0"/>
+              <a:t>Cleansing</a:t>
+            </a:r>
+          </a:p>
+        </p:txBody>
+      </p:sp>
+      <p:sp>
+        <p:nvSpPr>
+          <p:cNvPr id="5" name="Slide Number Placeholder 4">
+            <a:extLst>
+              <a:ext uri="{FF2B5EF4-FFF2-40B4-BE49-F238E27FC236}">
+                <a16:creationId xmlns:a16="http://schemas.microsoft.com/office/drawing/2014/main" id="{52BA1CB0-B2B0-8F40-AB63-F216ADA82203}"/>
+              </a:ext>
+            </a:extLst>
+          </p:cNvPr>
+          <p:cNvSpPr>
+            <a:spLocks noGrp="1"/>
+          </p:cNvSpPr>
+          <p:nvPr>
+            <p:ph type="sldNum" sz="quarter" idx="12"/>
+          </p:nvPr>
+        </p:nvSpPr>
+        <p:spPr/>
+        <p:txBody>
+          <a:bodyPr/>
+          <a:lstStyle/>
+          <a:p>
+            <a:fld id="{AD0369CE-0151-F748-9ED4-9508A9FAC3FF}" type="slidenum">
+              <a:rPr lang="en-AU" smtClean="0"/>
+              <a:t>24</a:t>
+            </a:fld>
+            <a:endParaRPr lang="en-AU"/>
+          </a:p>
+        </p:txBody>
+      </p:sp>
+    </p:spTree>
+    <p:extLst>
+      <p:ext uri="{BB962C8B-B14F-4D97-AF65-F5344CB8AC3E}">
+        <p14:creationId xmlns:p14="http://schemas.microsoft.com/office/powerpoint/2010/main" val="1842940116"/>
+      </p:ext>
+    </p:extLst>
+  </p:cSld>
+  <p:clrMapOvr>
+    <a:masterClrMapping/>
+  </p:clrMapOvr>
+</p:sld>
+</file>
+
+<file path=ppt/slides/slide25.xml><?xml version="1.0" encoding="utf-8"?>
+<p:sld xmlns:a="http://schemas.openxmlformats.org/drawingml/2006/main" xmlns:r="http://schemas.openxmlformats.org/officeDocument/2006/relationships" xmlns:p="http://schemas.openxmlformats.org/presentationml/2006/main">
+  <p:cSld>
+    <p:spTree>
+      <p:nvGrpSpPr>
+        <p:cNvPr id="1" name=""/>
+        <p:cNvGrpSpPr/>
+        <p:nvPr/>
+      </p:nvGrpSpPr>
+      <p:grpSpPr>
+        <a:xfrm>
+          <a:off x="0" y="0"/>
+          <a:ext cx="0" cy="0"/>
+          <a:chOff x="0" y="0"/>
+          <a:chExt cx="0" cy="0"/>
+        </a:xfrm>
+      </p:grpSpPr>
+      <p:sp>
+        <p:nvSpPr>
+          <p:cNvPr id="2" name="Title 1">
+            <a:extLst>
+              <a:ext uri="{FF2B5EF4-FFF2-40B4-BE49-F238E27FC236}">
+                <a16:creationId xmlns:a16="http://schemas.microsoft.com/office/drawing/2014/main" id="{C6025800-1764-BD42-A2B1-3952C1E21E37}"/>
+              </a:ext>
+            </a:extLst>
+          </p:cNvPr>
+          <p:cNvSpPr>
+            <a:spLocks noGrp="1"/>
+          </p:cNvSpPr>
+          <p:nvPr>
+            <p:ph type="title"/>
+          </p:nvPr>
+        </p:nvSpPr>
+        <p:spPr/>
+        <p:txBody>
+          <a:bodyPr/>
+          <a:lstStyle/>
+          <a:p>
+            <a:pPr algn="ctr"/>
+            <a:r>
+              <a:rPr lang="en-AU" dirty="0"/>
+              <a:t>Finding legitimate name pairs</a:t>
+            </a:r>
+          </a:p>
+        </p:txBody>
+      </p:sp>
+      <p:sp>
+        <p:nvSpPr>
+          <p:cNvPr id="4" name="Footer Placeholder 3">
+            <a:extLst>
+              <a:ext uri="{FF2B5EF4-FFF2-40B4-BE49-F238E27FC236}">
+                <a16:creationId xmlns:a16="http://schemas.microsoft.com/office/drawing/2014/main" id="{6800274D-8373-BE45-BD5A-391ADF075176}"/>
+              </a:ext>
+            </a:extLst>
+          </p:cNvPr>
+          <p:cNvSpPr>
+            <a:spLocks noGrp="1"/>
+          </p:cNvSpPr>
+          <p:nvPr>
+            <p:ph type="ftr" sz="quarter" idx="11"/>
+          </p:nvPr>
+        </p:nvSpPr>
+        <p:spPr/>
+        <p:txBody>
+          <a:bodyPr/>
+          <a:lstStyle/>
+          <a:p>
+            <a:r>
+              <a:rPr lang="en-AU" dirty="0"/>
+              <a:t>Cleansing</a:t>
+            </a:r>
+          </a:p>
+        </p:txBody>
+      </p:sp>
+      <p:sp>
+        <p:nvSpPr>
+          <p:cNvPr id="5" name="Slide Number Placeholder 4">
+            <a:extLst>
+              <a:ext uri="{FF2B5EF4-FFF2-40B4-BE49-F238E27FC236}">
+                <a16:creationId xmlns:a16="http://schemas.microsoft.com/office/drawing/2014/main" id="{298934B5-D415-B346-98EB-A739D852B088}"/>
+              </a:ext>
+            </a:extLst>
+          </p:cNvPr>
+          <p:cNvSpPr>
+            <a:spLocks noGrp="1"/>
+          </p:cNvSpPr>
+          <p:nvPr>
+            <p:ph type="sldNum" sz="quarter" idx="12"/>
+          </p:nvPr>
+        </p:nvSpPr>
+        <p:spPr/>
+        <p:txBody>
+          <a:bodyPr/>
+          <a:lstStyle/>
+          <a:p>
+            <a:fld id="{AD0369CE-0151-F748-9ED4-9508A9FAC3FF}" type="slidenum">
+              <a:rPr lang="en-AU" smtClean="0"/>
+              <a:t>25</a:t>
+            </a:fld>
+            <a:endParaRPr lang="en-AU" dirty="0"/>
+          </a:p>
+        </p:txBody>
+      </p:sp>
+      <p:sp>
+        <p:nvSpPr>
+          <p:cNvPr id="6" name="TextBox 5">
+            <a:extLst>
+              <a:ext uri="{FF2B5EF4-FFF2-40B4-BE49-F238E27FC236}">
+                <a16:creationId xmlns:a16="http://schemas.microsoft.com/office/drawing/2014/main" id="{2D20C74B-CF24-5D49-A2FB-8E1E1595311A}"/>
+              </a:ext>
+            </a:extLst>
+          </p:cNvPr>
+          <p:cNvSpPr txBox="1"/>
+          <p:nvPr/>
+        </p:nvSpPr>
+        <p:spPr>
+          <a:xfrm>
+            <a:off x="1078465" y="3202278"/>
+            <a:ext cx="1838965" cy="707886"/>
+          </a:xfrm>
+          <a:prstGeom prst="rect">
+            <a:avLst/>
+          </a:prstGeom>
+          <a:noFill/>
+        </p:spPr>
+        <p:txBody>
+          <a:bodyPr wrap="none" rtlCol="0">
+            <a:spAutoFit/>
+          </a:bodyPr>
+          <a:lstStyle/>
+          <a:p>
+            <a:r>
+              <a:rPr lang="ja-JP" altLang="en-US" sz="4000"/>
+              <a:t>ナルト </a:t>
+            </a:r>
+            <a:endParaRPr lang="en-AU" sz="4000" dirty="0"/>
+          </a:p>
+        </p:txBody>
+      </p:sp>
+      <p:sp>
+        <p:nvSpPr>
+          <p:cNvPr id="7" name="TextBox 6">
+            <a:extLst>
+              <a:ext uri="{FF2B5EF4-FFF2-40B4-BE49-F238E27FC236}">
+                <a16:creationId xmlns:a16="http://schemas.microsoft.com/office/drawing/2014/main" id="{DEC1EA08-BC19-FD45-A36B-B7A80428A37D}"/>
+              </a:ext>
+            </a:extLst>
+          </p:cNvPr>
+          <p:cNvSpPr txBox="1"/>
+          <p:nvPr/>
+        </p:nvSpPr>
+        <p:spPr>
+          <a:xfrm>
+            <a:off x="1296376" y="2832946"/>
+            <a:ext cx="1403141" cy="369332"/>
+          </a:xfrm>
+          <a:prstGeom prst="rect">
+            <a:avLst/>
+          </a:prstGeom>
+          <a:noFill/>
+        </p:spPr>
+        <p:txBody>
+          <a:bodyPr wrap="none" rtlCol="0">
+            <a:spAutoFit/>
+          </a:bodyPr>
+          <a:lstStyle/>
+          <a:p>
+            <a:r>
+              <a:rPr lang="en-AU" dirty="0"/>
+              <a:t>Screen name</a:t>
+            </a:r>
+          </a:p>
+        </p:txBody>
+      </p:sp>
+      <p:cxnSp>
+        <p:nvCxnSpPr>
+          <p:cNvPr id="9" name="Straight Arrow Connector 8">
+            <a:extLst>
+              <a:ext uri="{FF2B5EF4-FFF2-40B4-BE49-F238E27FC236}">
+                <a16:creationId xmlns:a16="http://schemas.microsoft.com/office/drawing/2014/main" id="{EAB86032-4B4D-8140-9C8B-05743D743F17}"/>
+              </a:ext>
+            </a:extLst>
+          </p:cNvPr>
+          <p:cNvCxnSpPr>
+            <a:cxnSpLocks/>
+            <a:stCxn id="6" idx="3"/>
+          </p:cNvCxnSpPr>
+          <p:nvPr/>
+        </p:nvCxnSpPr>
+        <p:spPr>
+          <a:xfrm>
+            <a:off x="2917430" y="3556221"/>
+            <a:ext cx="6028326" cy="0"/>
+          </a:xfrm>
+          <a:prstGeom prst="straightConnector1">
+            <a:avLst/>
+          </a:prstGeom>
+          <a:ln w="57150">
+            <a:tailEnd type="triangle"/>
+          </a:ln>
+        </p:spPr>
+        <p:style>
+          <a:lnRef idx="1">
+            <a:schemeClr val="accent1"/>
+          </a:lnRef>
+          <a:fillRef idx="0">
+            <a:schemeClr val="accent1"/>
+          </a:fillRef>
+          <a:effectRef idx="0">
+            <a:schemeClr val="accent1"/>
+          </a:effectRef>
+          <a:fontRef idx="minor">
+            <a:schemeClr val="tx1"/>
+          </a:fontRef>
+        </p:style>
+      </p:cxnSp>
+      <p:sp>
+        <p:nvSpPr>
+          <p:cNvPr id="11" name="TextBox 10">
+            <a:extLst>
+              <a:ext uri="{FF2B5EF4-FFF2-40B4-BE49-F238E27FC236}">
+                <a16:creationId xmlns:a16="http://schemas.microsoft.com/office/drawing/2014/main" id="{B2A2FE4F-1279-9643-96D4-CFC18ECD2789}"/>
+              </a:ext>
+            </a:extLst>
+          </p:cNvPr>
+          <p:cNvSpPr txBox="1"/>
+          <p:nvPr/>
+        </p:nvSpPr>
+        <p:spPr>
+          <a:xfrm>
+            <a:off x="4918167" y="3026780"/>
+            <a:ext cx="2408801" cy="369332"/>
+          </a:xfrm>
+          <a:prstGeom prst="rect">
+            <a:avLst/>
+          </a:prstGeom>
+          <a:noFill/>
+        </p:spPr>
+        <p:txBody>
+          <a:bodyPr wrap="none" rtlCol="0">
+            <a:spAutoFit/>
+          </a:bodyPr>
+          <a:lstStyle/>
+          <a:p>
+            <a:r>
+              <a:rPr lang="en-AU" dirty="0"/>
+              <a:t>Standard transliteration</a:t>
+            </a:r>
+          </a:p>
+        </p:txBody>
+      </p:sp>
+      <p:sp>
+        <p:nvSpPr>
+          <p:cNvPr id="12" name="TextBox 11">
+            <a:extLst>
+              <a:ext uri="{FF2B5EF4-FFF2-40B4-BE49-F238E27FC236}">
+                <a16:creationId xmlns:a16="http://schemas.microsoft.com/office/drawing/2014/main" id="{E87C87D5-CC4B-6242-993F-13129D222C39}"/>
+              </a:ext>
+            </a:extLst>
+          </p:cNvPr>
+          <p:cNvSpPr txBox="1"/>
+          <p:nvPr/>
+        </p:nvSpPr>
+        <p:spPr>
+          <a:xfrm>
+            <a:off x="9327705" y="3202278"/>
+            <a:ext cx="1585499" cy="707886"/>
+          </a:xfrm>
+          <a:prstGeom prst="rect">
+            <a:avLst/>
+          </a:prstGeom>
+          <a:noFill/>
+        </p:spPr>
+        <p:txBody>
+          <a:bodyPr wrap="none" rtlCol="0">
+            <a:spAutoFit/>
+          </a:bodyPr>
+          <a:lstStyle/>
+          <a:p>
+            <a:r>
+              <a:rPr lang="en-AU" altLang="ja-JP" sz="4000" dirty="0" err="1"/>
+              <a:t>naruto</a:t>
+            </a:r>
+            <a:endParaRPr lang="en-AU" sz="4000" dirty="0"/>
+          </a:p>
+        </p:txBody>
+      </p:sp>
+      <p:sp>
+        <p:nvSpPr>
+          <p:cNvPr id="20" name="TextBox 19">
+            <a:extLst>
+              <a:ext uri="{FF2B5EF4-FFF2-40B4-BE49-F238E27FC236}">
+                <a16:creationId xmlns:a16="http://schemas.microsoft.com/office/drawing/2014/main" id="{5DC71C96-A708-7544-ABE2-1BD90E3A3D31}"/>
+              </a:ext>
+            </a:extLst>
+          </p:cNvPr>
+          <p:cNvSpPr txBox="1"/>
+          <p:nvPr/>
+        </p:nvSpPr>
+        <p:spPr>
+          <a:xfrm>
+            <a:off x="8945756" y="2842114"/>
+            <a:ext cx="2726772" cy="369332"/>
+          </a:xfrm>
+          <a:prstGeom prst="rect">
+            <a:avLst/>
+          </a:prstGeom>
+          <a:noFill/>
+        </p:spPr>
+        <p:txBody>
+          <a:bodyPr wrap="none" rtlCol="0">
+            <a:spAutoFit/>
+          </a:bodyPr>
+          <a:lstStyle/>
+          <a:p>
+            <a:r>
+              <a:rPr lang="en-AU" dirty="0"/>
+              <a:t>Transliterated screen name</a:t>
+            </a:r>
+          </a:p>
+        </p:txBody>
+      </p:sp>
+      <p:sp>
+        <p:nvSpPr>
+          <p:cNvPr id="27" name="TextBox 26">
+            <a:extLst>
+              <a:ext uri="{FF2B5EF4-FFF2-40B4-BE49-F238E27FC236}">
+                <a16:creationId xmlns:a16="http://schemas.microsoft.com/office/drawing/2014/main" id="{1FA7BCFA-990D-8D4C-89D8-61BF397D83D9}"/>
+              </a:ext>
+            </a:extLst>
+          </p:cNvPr>
+          <p:cNvSpPr txBox="1"/>
+          <p:nvPr/>
+        </p:nvSpPr>
+        <p:spPr>
+          <a:xfrm>
+            <a:off x="1078465" y="1783404"/>
+            <a:ext cx="7619715" cy="1323439"/>
+          </a:xfrm>
+          <a:prstGeom prst="rect">
+            <a:avLst/>
+          </a:prstGeom>
+          <a:noFill/>
+        </p:spPr>
+        <p:txBody>
+          <a:bodyPr wrap="none" rtlCol="0">
+            <a:spAutoFit/>
+          </a:bodyPr>
+          <a:lstStyle/>
+          <a:p>
+            <a:r>
+              <a:rPr lang="en-AU" altLang="ja-JP" sz="4000" dirty="0"/>
+              <a:t>For the name pair: (</a:t>
+            </a:r>
+            <a:r>
+              <a:rPr lang="en-AU" altLang="ja-JP" sz="4000" dirty="0" err="1"/>
+              <a:t>nurato</a:t>
+            </a:r>
+            <a:r>
+              <a:rPr lang="en-AU" altLang="ja-JP" sz="4000" dirty="0"/>
+              <a:t>,</a:t>
+            </a:r>
+            <a:r>
+              <a:rPr lang="ja-JP" altLang="en-US" sz="3600"/>
+              <a:t>ナルト</a:t>
+            </a:r>
+            <a:r>
+              <a:rPr lang="en-AU" altLang="ja-JP" sz="4000" dirty="0"/>
+              <a:t>)</a:t>
+            </a:r>
+            <a:endParaRPr lang="en-AU" sz="4000" dirty="0"/>
+          </a:p>
+          <a:p>
+            <a:endParaRPr lang="en-AU" sz="4000" dirty="0"/>
+          </a:p>
+        </p:txBody>
+      </p:sp>
+      <p:sp>
+        <p:nvSpPr>
+          <p:cNvPr id="28" name="TextBox 27">
+            <a:extLst>
+              <a:ext uri="{FF2B5EF4-FFF2-40B4-BE49-F238E27FC236}">
+                <a16:creationId xmlns:a16="http://schemas.microsoft.com/office/drawing/2014/main" id="{25523674-19CE-0C47-AC5F-A31046AC5A73}"/>
+              </a:ext>
+            </a:extLst>
+          </p:cNvPr>
+          <p:cNvSpPr txBox="1"/>
+          <p:nvPr/>
+        </p:nvSpPr>
+        <p:spPr>
+          <a:xfrm>
+            <a:off x="5330306" y="1518684"/>
+            <a:ext cx="1202573" cy="369332"/>
+          </a:xfrm>
+          <a:prstGeom prst="rect">
+            <a:avLst/>
+          </a:prstGeom>
+          <a:noFill/>
+        </p:spPr>
+        <p:txBody>
+          <a:bodyPr wrap="none" rtlCol="0">
+            <a:spAutoFit/>
+          </a:bodyPr>
+          <a:lstStyle/>
+          <a:p>
+            <a:r>
+              <a:rPr lang="en-AU" dirty="0"/>
+              <a:t>User name</a:t>
+            </a:r>
+          </a:p>
+        </p:txBody>
+      </p:sp>
+      <p:sp>
+        <p:nvSpPr>
+          <p:cNvPr id="29" name="TextBox 28">
+            <a:extLst>
+              <a:ext uri="{FF2B5EF4-FFF2-40B4-BE49-F238E27FC236}">
+                <a16:creationId xmlns:a16="http://schemas.microsoft.com/office/drawing/2014/main" id="{97CF21E6-ACF8-0843-BFBB-FA762AC4B3A7}"/>
+              </a:ext>
+            </a:extLst>
+          </p:cNvPr>
+          <p:cNvSpPr txBox="1"/>
+          <p:nvPr/>
+        </p:nvSpPr>
+        <p:spPr>
+          <a:xfrm>
+            <a:off x="6913959" y="1506022"/>
+            <a:ext cx="1403141" cy="369332"/>
+          </a:xfrm>
+          <a:prstGeom prst="rect">
+            <a:avLst/>
+          </a:prstGeom>
+          <a:noFill/>
+        </p:spPr>
+        <p:txBody>
+          <a:bodyPr wrap="none" rtlCol="0">
+            <a:spAutoFit/>
+          </a:bodyPr>
+          <a:lstStyle/>
+          <a:p>
+            <a:r>
+              <a:rPr lang="en-AU" dirty="0"/>
+              <a:t>Screen name</a:t>
+            </a:r>
+          </a:p>
+        </p:txBody>
+      </p:sp>
+    </p:spTree>
+    <p:extLst>
+      <p:ext uri="{BB962C8B-B14F-4D97-AF65-F5344CB8AC3E}">
+        <p14:creationId xmlns:p14="http://schemas.microsoft.com/office/powerpoint/2010/main" val="402646952"/>
+      </p:ext>
+    </p:extLst>
+  </p:cSld>
+  <p:clrMapOvr>
+    <a:masterClrMapping/>
+  </p:clrMapOvr>
+</p:sld>
+</file>
+
+<file path=ppt/slides/slide26.xml><?xml version="1.0" encoding="utf-8"?>
+<p:sld xmlns:a="http://schemas.openxmlformats.org/drawingml/2006/main" xmlns:r="http://schemas.openxmlformats.org/officeDocument/2006/relationships" xmlns:p="http://schemas.openxmlformats.org/presentationml/2006/main">
+  <p:cSld>
+    <p:spTree>
+      <p:nvGrpSpPr>
+        <p:cNvPr id="1" name=""/>
+        <p:cNvGrpSpPr/>
+        <p:nvPr/>
+      </p:nvGrpSpPr>
+      <p:grpSpPr>
+        <a:xfrm>
+          <a:off x="0" y="0"/>
+          <a:ext cx="0" cy="0"/>
+          <a:chOff x="0" y="0"/>
+          <a:chExt cx="0" cy="0"/>
+        </a:xfrm>
+      </p:grpSpPr>
+      <p:sp>
+        <p:nvSpPr>
+          <p:cNvPr id="2" name="Title 1">
+            <a:extLst>
+              <a:ext uri="{FF2B5EF4-FFF2-40B4-BE49-F238E27FC236}">
+                <a16:creationId xmlns:a16="http://schemas.microsoft.com/office/drawing/2014/main" id="{C6025800-1764-BD42-A2B1-3952C1E21E37}"/>
+              </a:ext>
+            </a:extLst>
+          </p:cNvPr>
+          <p:cNvSpPr>
+            <a:spLocks noGrp="1"/>
+          </p:cNvSpPr>
+          <p:nvPr>
+            <p:ph type="title"/>
+          </p:nvPr>
+        </p:nvSpPr>
+        <p:spPr/>
+        <p:txBody>
+          <a:bodyPr/>
+          <a:lstStyle/>
+          <a:p>
+            <a:pPr algn="ctr"/>
+            <a:r>
+              <a:rPr lang="en-AU" dirty="0"/>
+              <a:t>Finding legitimate name pairs</a:t>
+            </a:r>
+          </a:p>
+        </p:txBody>
+      </p:sp>
+      <p:sp>
+        <p:nvSpPr>
+          <p:cNvPr id="4" name="Footer Placeholder 3">
+            <a:extLst>
+              <a:ext uri="{FF2B5EF4-FFF2-40B4-BE49-F238E27FC236}">
+                <a16:creationId xmlns:a16="http://schemas.microsoft.com/office/drawing/2014/main" id="{6800274D-8373-BE45-BD5A-391ADF075176}"/>
+              </a:ext>
+            </a:extLst>
+          </p:cNvPr>
+          <p:cNvSpPr>
+            <a:spLocks noGrp="1"/>
+          </p:cNvSpPr>
+          <p:nvPr>
+            <p:ph type="ftr" sz="quarter" idx="11"/>
+          </p:nvPr>
+        </p:nvSpPr>
+        <p:spPr/>
+        <p:txBody>
+          <a:bodyPr/>
+          <a:lstStyle/>
+          <a:p>
+            <a:r>
+              <a:rPr lang="en-AU" dirty="0"/>
+              <a:t>Cleansing</a:t>
+            </a:r>
+          </a:p>
+        </p:txBody>
+      </p:sp>
+      <p:sp>
+        <p:nvSpPr>
+          <p:cNvPr id="5" name="Slide Number Placeholder 4">
+            <a:extLst>
+              <a:ext uri="{FF2B5EF4-FFF2-40B4-BE49-F238E27FC236}">
+                <a16:creationId xmlns:a16="http://schemas.microsoft.com/office/drawing/2014/main" id="{298934B5-D415-B346-98EB-A739D852B088}"/>
+              </a:ext>
+            </a:extLst>
+          </p:cNvPr>
+          <p:cNvSpPr>
+            <a:spLocks noGrp="1"/>
+          </p:cNvSpPr>
+          <p:nvPr>
+            <p:ph type="sldNum" sz="quarter" idx="12"/>
+          </p:nvPr>
+        </p:nvSpPr>
+        <p:spPr/>
+        <p:txBody>
+          <a:bodyPr/>
+          <a:lstStyle/>
+          <a:p>
+            <a:fld id="{AD0369CE-0151-F748-9ED4-9508A9FAC3FF}" type="slidenum">
+              <a:rPr lang="en-AU" smtClean="0"/>
+              <a:t>26</a:t>
+            </a:fld>
+            <a:endParaRPr lang="en-AU" dirty="0"/>
+          </a:p>
+        </p:txBody>
+      </p:sp>
+      <p:sp>
+        <p:nvSpPr>
+          <p:cNvPr id="6" name="TextBox 5">
+            <a:extLst>
+              <a:ext uri="{FF2B5EF4-FFF2-40B4-BE49-F238E27FC236}">
+                <a16:creationId xmlns:a16="http://schemas.microsoft.com/office/drawing/2014/main" id="{2D20C74B-CF24-5D49-A2FB-8E1E1595311A}"/>
+              </a:ext>
+            </a:extLst>
+          </p:cNvPr>
+          <p:cNvSpPr txBox="1"/>
+          <p:nvPr/>
+        </p:nvSpPr>
+        <p:spPr>
+          <a:xfrm>
+            <a:off x="1078465" y="3202278"/>
+            <a:ext cx="1838965" cy="707886"/>
+          </a:xfrm>
+          <a:prstGeom prst="rect">
+            <a:avLst/>
+          </a:prstGeom>
+          <a:noFill/>
+        </p:spPr>
+        <p:txBody>
+          <a:bodyPr wrap="none" rtlCol="0">
+            <a:spAutoFit/>
+          </a:bodyPr>
+          <a:lstStyle/>
+          <a:p>
+            <a:r>
+              <a:rPr lang="ja-JP" altLang="en-US" sz="4000"/>
+              <a:t>ナルト </a:t>
+            </a:r>
+            <a:endParaRPr lang="en-AU" sz="4000" dirty="0"/>
+          </a:p>
+        </p:txBody>
+      </p:sp>
+      <p:sp>
+        <p:nvSpPr>
+          <p:cNvPr id="7" name="TextBox 6">
+            <a:extLst>
+              <a:ext uri="{FF2B5EF4-FFF2-40B4-BE49-F238E27FC236}">
+                <a16:creationId xmlns:a16="http://schemas.microsoft.com/office/drawing/2014/main" id="{DEC1EA08-BC19-FD45-A36B-B7A80428A37D}"/>
+              </a:ext>
+            </a:extLst>
+          </p:cNvPr>
+          <p:cNvSpPr txBox="1"/>
+          <p:nvPr/>
+        </p:nvSpPr>
+        <p:spPr>
+          <a:xfrm>
+            <a:off x="1296376" y="2832946"/>
+            <a:ext cx="1403141" cy="369332"/>
+          </a:xfrm>
+          <a:prstGeom prst="rect">
+            <a:avLst/>
+          </a:prstGeom>
+          <a:noFill/>
+        </p:spPr>
+        <p:txBody>
+          <a:bodyPr wrap="none" rtlCol="0">
+            <a:spAutoFit/>
+          </a:bodyPr>
+          <a:lstStyle/>
+          <a:p>
+            <a:r>
+              <a:rPr lang="en-AU" dirty="0"/>
+              <a:t>Screen name</a:t>
+            </a:r>
+          </a:p>
+        </p:txBody>
+      </p:sp>
+      <p:cxnSp>
+        <p:nvCxnSpPr>
+          <p:cNvPr id="9" name="Straight Arrow Connector 8">
+            <a:extLst>
+              <a:ext uri="{FF2B5EF4-FFF2-40B4-BE49-F238E27FC236}">
+                <a16:creationId xmlns:a16="http://schemas.microsoft.com/office/drawing/2014/main" id="{EAB86032-4B4D-8140-9C8B-05743D743F17}"/>
+              </a:ext>
+            </a:extLst>
+          </p:cNvPr>
+          <p:cNvCxnSpPr>
+            <a:cxnSpLocks/>
+            <a:stCxn id="6" idx="3"/>
+          </p:cNvCxnSpPr>
+          <p:nvPr/>
+        </p:nvCxnSpPr>
+        <p:spPr>
+          <a:xfrm>
+            <a:off x="2917430" y="3556221"/>
+            <a:ext cx="6028326" cy="0"/>
+          </a:xfrm>
+          <a:prstGeom prst="straightConnector1">
+            <a:avLst/>
+          </a:prstGeom>
+          <a:ln w="57150">
+            <a:tailEnd type="triangle"/>
+          </a:ln>
+        </p:spPr>
+        <p:style>
+          <a:lnRef idx="1">
+            <a:schemeClr val="accent1"/>
+          </a:lnRef>
+          <a:fillRef idx="0">
+            <a:schemeClr val="accent1"/>
+          </a:fillRef>
+          <a:effectRef idx="0">
+            <a:schemeClr val="accent1"/>
+          </a:effectRef>
+          <a:fontRef idx="minor">
+            <a:schemeClr val="tx1"/>
+          </a:fontRef>
+        </p:style>
+      </p:cxnSp>
+      <p:sp>
+        <p:nvSpPr>
+          <p:cNvPr id="11" name="TextBox 10">
+            <a:extLst>
+              <a:ext uri="{FF2B5EF4-FFF2-40B4-BE49-F238E27FC236}">
+                <a16:creationId xmlns:a16="http://schemas.microsoft.com/office/drawing/2014/main" id="{B2A2FE4F-1279-9643-96D4-CFC18ECD2789}"/>
+              </a:ext>
+            </a:extLst>
+          </p:cNvPr>
+          <p:cNvSpPr txBox="1"/>
+          <p:nvPr/>
+        </p:nvSpPr>
+        <p:spPr>
+          <a:xfrm>
+            <a:off x="4918167" y="3026780"/>
+            <a:ext cx="2408801" cy="369332"/>
+          </a:xfrm>
+          <a:prstGeom prst="rect">
+            <a:avLst/>
+          </a:prstGeom>
+          <a:noFill/>
+        </p:spPr>
+        <p:txBody>
+          <a:bodyPr wrap="none" rtlCol="0">
+            <a:spAutoFit/>
+          </a:bodyPr>
+          <a:lstStyle/>
+          <a:p>
+            <a:r>
+              <a:rPr lang="en-AU" dirty="0"/>
+              <a:t>Standard transliteration</a:t>
+            </a:r>
+          </a:p>
+        </p:txBody>
+      </p:sp>
+      <p:sp>
+        <p:nvSpPr>
+          <p:cNvPr id="12" name="TextBox 11">
+            <a:extLst>
+              <a:ext uri="{FF2B5EF4-FFF2-40B4-BE49-F238E27FC236}">
+                <a16:creationId xmlns:a16="http://schemas.microsoft.com/office/drawing/2014/main" id="{E87C87D5-CC4B-6242-993F-13129D222C39}"/>
+              </a:ext>
+            </a:extLst>
+          </p:cNvPr>
+          <p:cNvSpPr txBox="1"/>
+          <p:nvPr/>
+        </p:nvSpPr>
+        <p:spPr>
+          <a:xfrm>
+            <a:off x="9327705" y="3202278"/>
+            <a:ext cx="1585499" cy="707886"/>
+          </a:xfrm>
+          <a:prstGeom prst="rect">
+            <a:avLst/>
+          </a:prstGeom>
+          <a:noFill/>
+        </p:spPr>
+        <p:txBody>
+          <a:bodyPr wrap="none" rtlCol="0">
+            <a:spAutoFit/>
+          </a:bodyPr>
+          <a:lstStyle/>
+          <a:p>
+            <a:r>
+              <a:rPr lang="en-AU" altLang="ja-JP" sz="4000" dirty="0" err="1"/>
+              <a:t>naruto</a:t>
+            </a:r>
+            <a:endParaRPr lang="en-AU" sz="4000" dirty="0"/>
+          </a:p>
+        </p:txBody>
+      </p:sp>
+      <p:sp>
+        <p:nvSpPr>
+          <p:cNvPr id="14" name="TextBox 13">
+            <a:extLst>
+              <a:ext uri="{FF2B5EF4-FFF2-40B4-BE49-F238E27FC236}">
+                <a16:creationId xmlns:a16="http://schemas.microsoft.com/office/drawing/2014/main" id="{919C44C1-6FEA-1646-AE67-59745B42CC17}"/>
+              </a:ext>
+            </a:extLst>
+          </p:cNvPr>
+          <p:cNvSpPr txBox="1"/>
+          <p:nvPr/>
+        </p:nvSpPr>
+        <p:spPr>
+          <a:xfrm>
+            <a:off x="3770051" y="4586349"/>
+            <a:ext cx="1585499" cy="707886"/>
+          </a:xfrm>
+          <a:prstGeom prst="rect">
+            <a:avLst/>
+          </a:prstGeom>
+          <a:noFill/>
+        </p:spPr>
+        <p:txBody>
+          <a:bodyPr wrap="none" rtlCol="0">
+            <a:spAutoFit/>
+          </a:bodyPr>
+          <a:lstStyle/>
+          <a:p>
+            <a:r>
+              <a:rPr lang="en-AU" altLang="ja-JP" sz="4000" dirty="0" err="1"/>
+              <a:t>naruto</a:t>
+            </a:r>
+            <a:endParaRPr lang="en-AU" sz="4000" dirty="0"/>
+          </a:p>
+        </p:txBody>
+      </p:sp>
+      <p:sp>
+        <p:nvSpPr>
+          <p:cNvPr id="15" name="TextBox 14">
+            <a:extLst>
+              <a:ext uri="{FF2B5EF4-FFF2-40B4-BE49-F238E27FC236}">
+                <a16:creationId xmlns:a16="http://schemas.microsoft.com/office/drawing/2014/main" id="{EAD9764C-2CF9-A448-AD69-04C4163EA145}"/>
+              </a:ext>
+            </a:extLst>
+          </p:cNvPr>
+          <p:cNvSpPr txBox="1"/>
+          <p:nvPr/>
+        </p:nvSpPr>
+        <p:spPr>
+          <a:xfrm>
+            <a:off x="3545634" y="4401683"/>
+            <a:ext cx="2726772" cy="369332"/>
+          </a:xfrm>
+          <a:prstGeom prst="rect">
+            <a:avLst/>
+          </a:prstGeom>
+          <a:noFill/>
+        </p:spPr>
+        <p:txBody>
+          <a:bodyPr wrap="none" rtlCol="0">
+            <a:spAutoFit/>
+          </a:bodyPr>
+          <a:lstStyle/>
+          <a:p>
+            <a:r>
+              <a:rPr lang="en-AU" dirty="0"/>
+              <a:t>Transliterated screen name</a:t>
+            </a:r>
+          </a:p>
+        </p:txBody>
+      </p:sp>
+      <p:sp>
+        <p:nvSpPr>
+          <p:cNvPr id="18" name="TextBox 17">
+            <a:extLst>
+              <a:ext uri="{FF2B5EF4-FFF2-40B4-BE49-F238E27FC236}">
+                <a16:creationId xmlns:a16="http://schemas.microsoft.com/office/drawing/2014/main" id="{E0D9F2CE-A7B4-4043-80A2-D356D7C34653}"/>
+              </a:ext>
+            </a:extLst>
+          </p:cNvPr>
+          <p:cNvSpPr txBox="1"/>
+          <p:nvPr/>
+        </p:nvSpPr>
+        <p:spPr>
+          <a:xfrm>
+            <a:off x="6130410" y="4596669"/>
+            <a:ext cx="1570238" cy="707886"/>
+          </a:xfrm>
+          <a:prstGeom prst="rect">
+            <a:avLst/>
+          </a:prstGeom>
+          <a:noFill/>
+        </p:spPr>
+        <p:txBody>
+          <a:bodyPr wrap="none" rtlCol="0">
+            <a:spAutoFit/>
+          </a:bodyPr>
+          <a:lstStyle/>
+          <a:p>
+            <a:r>
+              <a:rPr lang="en-AU" altLang="ja-JP" sz="4000" dirty="0" err="1"/>
+              <a:t>nurato</a:t>
+            </a:r>
+            <a:endParaRPr lang="en-AU" sz="4000" dirty="0"/>
+          </a:p>
+        </p:txBody>
+      </p:sp>
+      <p:sp>
+        <p:nvSpPr>
+          <p:cNvPr id="19" name="TextBox 18">
+            <a:extLst>
+              <a:ext uri="{FF2B5EF4-FFF2-40B4-BE49-F238E27FC236}">
+                <a16:creationId xmlns:a16="http://schemas.microsoft.com/office/drawing/2014/main" id="{EA598B05-EEC4-AE47-B6E8-AE1D6D852AAF}"/>
+              </a:ext>
+            </a:extLst>
+          </p:cNvPr>
+          <p:cNvSpPr txBox="1"/>
+          <p:nvPr/>
+        </p:nvSpPr>
+        <p:spPr>
+          <a:xfrm>
+            <a:off x="6314243" y="4438075"/>
+            <a:ext cx="1202573" cy="369332"/>
+          </a:xfrm>
+          <a:prstGeom prst="rect">
+            <a:avLst/>
+          </a:prstGeom>
+          <a:noFill/>
+        </p:spPr>
+        <p:txBody>
+          <a:bodyPr wrap="none" rtlCol="0">
+            <a:spAutoFit/>
+          </a:bodyPr>
+          <a:lstStyle/>
+          <a:p>
+            <a:r>
+              <a:rPr lang="en-AU" dirty="0"/>
+              <a:t>User name</a:t>
+            </a:r>
+          </a:p>
+        </p:txBody>
+      </p:sp>
+      <p:sp>
+        <p:nvSpPr>
+          <p:cNvPr id="20" name="TextBox 19">
+            <a:extLst>
+              <a:ext uri="{FF2B5EF4-FFF2-40B4-BE49-F238E27FC236}">
+                <a16:creationId xmlns:a16="http://schemas.microsoft.com/office/drawing/2014/main" id="{5DC71C96-A708-7544-ABE2-1BD90E3A3D31}"/>
+              </a:ext>
+            </a:extLst>
+          </p:cNvPr>
+          <p:cNvSpPr txBox="1"/>
+          <p:nvPr/>
+        </p:nvSpPr>
+        <p:spPr>
+          <a:xfrm>
+            <a:off x="8945756" y="2842114"/>
+            <a:ext cx="2726772" cy="369332"/>
+          </a:xfrm>
+          <a:prstGeom prst="rect">
+            <a:avLst/>
+          </a:prstGeom>
+          <a:noFill/>
+        </p:spPr>
+        <p:txBody>
+          <a:bodyPr wrap="none" rtlCol="0">
+            <a:spAutoFit/>
+          </a:bodyPr>
+          <a:lstStyle/>
+          <a:p>
+            <a:r>
+              <a:rPr lang="en-AU" dirty="0"/>
+              <a:t>Transliterated screen name</a:t>
+            </a:r>
+          </a:p>
+        </p:txBody>
+      </p:sp>
+      <p:sp>
+        <p:nvSpPr>
+          <p:cNvPr id="21" name="TextBox 20">
+            <a:extLst>
+              <a:ext uri="{FF2B5EF4-FFF2-40B4-BE49-F238E27FC236}">
+                <a16:creationId xmlns:a16="http://schemas.microsoft.com/office/drawing/2014/main" id="{6BA7F698-3754-F54D-BAAF-E545B8370EE4}"/>
+              </a:ext>
+            </a:extLst>
+          </p:cNvPr>
+          <p:cNvSpPr txBox="1"/>
+          <p:nvPr/>
+        </p:nvSpPr>
+        <p:spPr>
+          <a:xfrm>
+            <a:off x="5618687" y="4644785"/>
+            <a:ext cx="312906" cy="707886"/>
+          </a:xfrm>
+          <a:prstGeom prst="rect">
+            <a:avLst/>
+          </a:prstGeom>
+          <a:noFill/>
+        </p:spPr>
+        <p:txBody>
+          <a:bodyPr wrap="none" rtlCol="0">
+            <a:spAutoFit/>
+          </a:bodyPr>
+          <a:lstStyle/>
+          <a:p>
+            <a:r>
+              <a:rPr lang="en-AU" altLang="ja-JP" sz="4000" dirty="0"/>
+              <a:t>,</a:t>
+            </a:r>
+            <a:endParaRPr lang="en-AU" sz="4000" dirty="0"/>
+          </a:p>
+        </p:txBody>
+      </p:sp>
+      <p:sp>
+        <p:nvSpPr>
+          <p:cNvPr id="22" name="TextBox 21">
+            <a:extLst>
+              <a:ext uri="{FF2B5EF4-FFF2-40B4-BE49-F238E27FC236}">
+                <a16:creationId xmlns:a16="http://schemas.microsoft.com/office/drawing/2014/main" id="{C3CE6932-20DE-2E41-A2BB-376F5FA9F262}"/>
+              </a:ext>
+            </a:extLst>
+          </p:cNvPr>
+          <p:cNvSpPr txBox="1"/>
+          <p:nvPr/>
+        </p:nvSpPr>
+        <p:spPr>
+          <a:xfrm>
+            <a:off x="3055163" y="3756351"/>
+            <a:ext cx="721672" cy="2215991"/>
+          </a:xfrm>
+          <a:prstGeom prst="rect">
+            <a:avLst/>
+          </a:prstGeom>
+          <a:noFill/>
+        </p:spPr>
+        <p:txBody>
+          <a:bodyPr wrap="none" rtlCol="0">
+            <a:spAutoFit/>
+          </a:bodyPr>
+          <a:lstStyle/>
+          <a:p>
+            <a:r>
+              <a:rPr lang="en-AU" sz="13800" dirty="0"/>
+              <a:t>(</a:t>
+            </a:r>
+          </a:p>
+        </p:txBody>
+      </p:sp>
+      <p:sp>
+        <p:nvSpPr>
+          <p:cNvPr id="23" name="TextBox 22">
+            <a:extLst>
+              <a:ext uri="{FF2B5EF4-FFF2-40B4-BE49-F238E27FC236}">
+                <a16:creationId xmlns:a16="http://schemas.microsoft.com/office/drawing/2014/main" id="{5D4152FA-5FB7-2B4B-B587-04A965D51EE1}"/>
+              </a:ext>
+            </a:extLst>
+          </p:cNvPr>
+          <p:cNvSpPr txBox="1"/>
+          <p:nvPr/>
+        </p:nvSpPr>
+        <p:spPr>
+          <a:xfrm>
+            <a:off x="7431728" y="3683568"/>
+            <a:ext cx="721672" cy="2215991"/>
+          </a:xfrm>
+          <a:prstGeom prst="rect">
+            <a:avLst/>
+          </a:prstGeom>
+          <a:noFill/>
+        </p:spPr>
+        <p:txBody>
+          <a:bodyPr wrap="none" rtlCol="0">
+            <a:spAutoFit/>
+          </a:bodyPr>
+          <a:lstStyle/>
+          <a:p>
+            <a:r>
+              <a:rPr lang="en-AU" sz="13800" dirty="0"/>
+              <a:t>)</a:t>
+            </a:r>
+          </a:p>
+        </p:txBody>
+      </p:sp>
+      <p:sp>
+        <p:nvSpPr>
+          <p:cNvPr id="24" name="TextBox 23">
+            <a:extLst>
+              <a:ext uri="{FF2B5EF4-FFF2-40B4-BE49-F238E27FC236}">
+                <a16:creationId xmlns:a16="http://schemas.microsoft.com/office/drawing/2014/main" id="{BD6E46B8-E2CD-9143-8415-01DCA24EF0F1}"/>
+              </a:ext>
+            </a:extLst>
+          </p:cNvPr>
+          <p:cNvSpPr txBox="1"/>
+          <p:nvPr/>
+        </p:nvSpPr>
+        <p:spPr>
+          <a:xfrm>
+            <a:off x="1555582" y="4155462"/>
+            <a:ext cx="1898136" cy="1569660"/>
+          </a:xfrm>
+          <a:prstGeom prst="rect">
+            <a:avLst/>
+          </a:prstGeom>
+          <a:noFill/>
+        </p:spPr>
+        <p:txBody>
+          <a:bodyPr wrap="square" rtlCol="0">
+            <a:spAutoFit/>
+          </a:bodyPr>
+          <a:lstStyle/>
+          <a:p>
+            <a:r>
+              <a:rPr lang="en-AU" sz="3200" dirty="0"/>
+              <a:t>Modified edit distance</a:t>
+            </a:r>
+          </a:p>
+        </p:txBody>
+      </p:sp>
+      <mc:AlternateContent xmlns:mc="http://schemas.openxmlformats.org/markup-compatibility/2006">
+        <mc:Choice xmlns:a14="http://schemas.microsoft.com/office/drawing/2010/main" Requires="a14">
+          <p:sp>
+            <p:nvSpPr>
+              <p:cNvPr id="25" name="TextBox 24">
+                <a:extLst>
+                  <a:ext uri="{FF2B5EF4-FFF2-40B4-BE49-F238E27FC236}">
+                    <a16:creationId xmlns:a16="http://schemas.microsoft.com/office/drawing/2014/main" id="{D732EFE3-7106-FE4F-997A-BB7190358878}"/>
+                  </a:ext>
+                </a:extLst>
+              </p:cNvPr>
+              <p:cNvSpPr txBox="1"/>
+              <p:nvPr/>
+            </p:nvSpPr>
+            <p:spPr>
+              <a:xfrm>
+                <a:off x="8007600" y="4125201"/>
+                <a:ext cx="1203791" cy="1364412"/>
+              </a:xfrm>
+              <a:prstGeom prst="rect">
+                <a:avLst/>
+              </a:prstGeom>
+              <a:noFill/>
+            </p:spPr>
+            <p:txBody>
+              <a:bodyPr wrap="none" rtlCol="0">
+                <a:spAutoFit/>
+              </a:bodyPr>
+              <a:lstStyle/>
+              <a:p>
+                <a:pPr/>
+                <a14:m>
+                  <m:oMathPara xmlns:m="http://schemas.openxmlformats.org/officeDocument/2006/math">
+                    <m:oMathParaPr>
+                      <m:jc m:val="centerGroup"/>
+                    </m:oMathParaPr>
+                    <m:oMath xmlns:m="http://schemas.openxmlformats.org/officeDocument/2006/math">
+                      <m:r>
+                        <a:rPr lang="en-AU" sz="4400" b="0" i="1" smtClean="0">
+                          <a:latin typeface="Cambria Math" panose="02040503050406030204" pitchFamily="18" charset="0"/>
+                        </a:rPr>
+                        <m:t>=</m:t>
+                      </m:r>
+                      <m:f>
+                        <m:fPr>
+                          <m:ctrlPr>
+                            <a:rPr lang="en-AU" sz="4400" b="0" i="1" smtClean="0">
+                              <a:latin typeface="Cambria Math" panose="02040503050406030204" pitchFamily="18" charset="0"/>
+                            </a:rPr>
+                          </m:ctrlPr>
+                        </m:fPr>
+                        <m:num>
+                          <m:r>
+                            <a:rPr lang="en-AU" sz="4400" b="0" i="1" smtClean="0">
+                              <a:latin typeface="Cambria Math" panose="02040503050406030204" pitchFamily="18" charset="0"/>
+                            </a:rPr>
+                            <m:t>1</m:t>
+                          </m:r>
+                        </m:num>
+                        <m:den>
+                          <m:r>
+                            <a:rPr lang="en-AU" sz="4400" b="0" i="1" smtClean="0">
+                              <a:latin typeface="Cambria Math" panose="02040503050406030204" pitchFamily="18" charset="0"/>
+                            </a:rPr>
+                            <m:t>3</m:t>
+                          </m:r>
+                        </m:den>
+                      </m:f>
+                    </m:oMath>
+                  </m:oMathPara>
+                </a14:m>
+                <a:endParaRPr lang="en-AU" sz="4400" dirty="0"/>
+              </a:p>
+            </p:txBody>
+          </p:sp>
+        </mc:Choice>
+        <mc:Fallback>
+          <p:sp>
+            <p:nvSpPr>
+              <p:cNvPr id="25" name="TextBox 24">
+                <a:extLst>
+                  <a:ext uri="{FF2B5EF4-FFF2-40B4-BE49-F238E27FC236}">
+                    <a16:creationId xmlns:a16="http://schemas.microsoft.com/office/drawing/2014/main" id="{D732EFE3-7106-FE4F-997A-BB7190358878}"/>
+                  </a:ext>
+                </a:extLst>
+              </p:cNvPr>
+              <p:cNvSpPr txBox="1">
+                <a:spLocks noRot="1" noChangeAspect="1" noMove="1" noResize="1" noEditPoints="1" noAdjustHandles="1" noChangeArrowheads="1" noChangeShapeType="1" noTextEdit="1"/>
+              </p:cNvSpPr>
+              <p:nvPr/>
+            </p:nvSpPr>
+            <p:spPr>
+              <a:xfrm>
+                <a:off x="8007600" y="4125201"/>
+                <a:ext cx="1203791" cy="1364412"/>
+              </a:xfrm>
+              <a:prstGeom prst="rect">
+                <a:avLst/>
+              </a:prstGeom>
+              <a:blipFill>
+                <a:blip r:embed="rId2"/>
+                <a:stretch>
+                  <a:fillRect r="-2083" b="-9174"/>
+                </a:stretch>
+              </a:blipFill>
+            </p:spPr>
+            <p:txBody>
+              <a:bodyPr/>
+              <a:lstStyle/>
+              <a:p>
+                <a:r>
+                  <a:rPr lang="en-AU">
+                    <a:noFill/>
+                  </a:rPr>
+                  <a:t> </a:t>
+                </a:r>
+              </a:p>
+            </p:txBody>
+          </p:sp>
+        </mc:Fallback>
+      </mc:AlternateContent>
+      <p:sp>
+        <p:nvSpPr>
+          <p:cNvPr id="26" name="TextBox 25">
+            <a:extLst>
+              <a:ext uri="{FF2B5EF4-FFF2-40B4-BE49-F238E27FC236}">
+                <a16:creationId xmlns:a16="http://schemas.microsoft.com/office/drawing/2014/main" id="{6C323631-876C-8443-8FA2-D440ECDB17C5}"/>
+              </a:ext>
+            </a:extLst>
+          </p:cNvPr>
+          <p:cNvSpPr txBox="1"/>
+          <p:nvPr/>
+        </p:nvSpPr>
+        <p:spPr>
+          <a:xfrm>
+            <a:off x="9903125" y="4155462"/>
+            <a:ext cx="1905168" cy="1200329"/>
+          </a:xfrm>
+          <a:prstGeom prst="rect">
+            <a:avLst/>
+          </a:prstGeom>
+          <a:noFill/>
+        </p:spPr>
+        <p:txBody>
+          <a:bodyPr wrap="square" rtlCol="0">
+            <a:spAutoFit/>
+          </a:bodyPr>
+          <a:lstStyle/>
+          <a:p>
+            <a:r>
+              <a:rPr lang="en-AU" dirty="0"/>
+              <a:t>If this score is under a threshold.</a:t>
+            </a:r>
+          </a:p>
+          <a:p>
+            <a:r>
+              <a:rPr lang="en-AU" dirty="0"/>
+              <a:t>It is a legitimate name pair</a:t>
+            </a:r>
+          </a:p>
+        </p:txBody>
+      </p:sp>
+      <p:sp>
+        <p:nvSpPr>
+          <p:cNvPr id="27" name="TextBox 26">
+            <a:extLst>
+              <a:ext uri="{FF2B5EF4-FFF2-40B4-BE49-F238E27FC236}">
+                <a16:creationId xmlns:a16="http://schemas.microsoft.com/office/drawing/2014/main" id="{1FA7BCFA-990D-8D4C-89D8-61BF397D83D9}"/>
+              </a:ext>
+            </a:extLst>
+          </p:cNvPr>
+          <p:cNvSpPr txBox="1"/>
+          <p:nvPr/>
+        </p:nvSpPr>
+        <p:spPr>
+          <a:xfrm>
+            <a:off x="1078465" y="1783404"/>
+            <a:ext cx="7619715" cy="1323439"/>
+          </a:xfrm>
+          <a:prstGeom prst="rect">
+            <a:avLst/>
+          </a:prstGeom>
+          <a:noFill/>
+        </p:spPr>
+        <p:txBody>
+          <a:bodyPr wrap="none" rtlCol="0">
+            <a:spAutoFit/>
+          </a:bodyPr>
+          <a:lstStyle/>
+          <a:p>
+            <a:r>
+              <a:rPr lang="en-AU" altLang="ja-JP" sz="4000" dirty="0"/>
+              <a:t>For the name pair: (</a:t>
+            </a:r>
+            <a:r>
+              <a:rPr lang="en-AU" altLang="ja-JP" sz="4000" dirty="0" err="1"/>
+              <a:t>nurato</a:t>
+            </a:r>
+            <a:r>
+              <a:rPr lang="en-AU" altLang="ja-JP" sz="4000" dirty="0"/>
+              <a:t>,</a:t>
+            </a:r>
+            <a:r>
+              <a:rPr lang="ja-JP" altLang="en-US" sz="3600"/>
+              <a:t>ナルト</a:t>
+            </a:r>
+            <a:r>
+              <a:rPr lang="en-AU" altLang="ja-JP" sz="4000" dirty="0"/>
+              <a:t>)</a:t>
+            </a:r>
+            <a:endParaRPr lang="en-AU" sz="4000" dirty="0"/>
+          </a:p>
+          <a:p>
+            <a:endParaRPr lang="en-AU" sz="4000" dirty="0"/>
+          </a:p>
+        </p:txBody>
+      </p:sp>
+      <p:sp>
+        <p:nvSpPr>
+          <p:cNvPr id="28" name="TextBox 27">
+            <a:extLst>
+              <a:ext uri="{FF2B5EF4-FFF2-40B4-BE49-F238E27FC236}">
+                <a16:creationId xmlns:a16="http://schemas.microsoft.com/office/drawing/2014/main" id="{72327478-17D9-A843-B950-D28D21BBB8B9}"/>
+              </a:ext>
+            </a:extLst>
+          </p:cNvPr>
+          <p:cNvSpPr txBox="1"/>
+          <p:nvPr/>
+        </p:nvSpPr>
+        <p:spPr>
+          <a:xfrm>
+            <a:off x="5330306" y="1518684"/>
+            <a:ext cx="1202573" cy="369332"/>
+          </a:xfrm>
+          <a:prstGeom prst="rect">
+            <a:avLst/>
+          </a:prstGeom>
+          <a:noFill/>
+        </p:spPr>
+        <p:txBody>
+          <a:bodyPr wrap="none" rtlCol="0">
+            <a:spAutoFit/>
+          </a:bodyPr>
+          <a:lstStyle/>
+          <a:p>
+            <a:r>
+              <a:rPr lang="en-AU" dirty="0"/>
+              <a:t>User name</a:t>
+            </a:r>
+          </a:p>
+        </p:txBody>
+      </p:sp>
+      <p:sp>
+        <p:nvSpPr>
+          <p:cNvPr id="29" name="TextBox 28">
+            <a:extLst>
+              <a:ext uri="{FF2B5EF4-FFF2-40B4-BE49-F238E27FC236}">
+                <a16:creationId xmlns:a16="http://schemas.microsoft.com/office/drawing/2014/main" id="{FD3F6788-BF4E-5F46-9875-5501C912BA5A}"/>
+              </a:ext>
+            </a:extLst>
+          </p:cNvPr>
+          <p:cNvSpPr txBox="1"/>
+          <p:nvPr/>
+        </p:nvSpPr>
+        <p:spPr>
+          <a:xfrm>
+            <a:off x="6913959" y="1506022"/>
+            <a:ext cx="1403141" cy="369332"/>
+          </a:xfrm>
+          <a:prstGeom prst="rect">
+            <a:avLst/>
+          </a:prstGeom>
+          <a:noFill/>
+        </p:spPr>
+        <p:txBody>
+          <a:bodyPr wrap="none" rtlCol="0">
+            <a:spAutoFit/>
+          </a:bodyPr>
+          <a:lstStyle/>
+          <a:p>
+            <a:r>
+              <a:rPr lang="en-AU" dirty="0"/>
+              <a:t>Screen name</a:t>
+            </a:r>
+          </a:p>
+        </p:txBody>
+      </p:sp>
+    </p:spTree>
+    <p:extLst>
+      <p:ext uri="{BB962C8B-B14F-4D97-AF65-F5344CB8AC3E}">
+        <p14:creationId xmlns:p14="http://schemas.microsoft.com/office/powerpoint/2010/main" val="3868938962"/>
+      </p:ext>
+    </p:extLst>
+  </p:cSld>
+  <p:clrMapOvr>
+    <a:masterClrMapping/>
+  </p:clrMapOvr>
+</p:sld>
+</file>
+
+<file path=ppt/slides/slide27.xml><?xml version="1.0" encoding="utf-8"?>
+<p:sld xmlns:a="http://schemas.openxmlformats.org/drawingml/2006/main" xmlns:r="http://schemas.openxmlformats.org/officeDocument/2006/relationships" xmlns:p="http://schemas.openxmlformats.org/presentationml/2006/main">
+  <p:cSld>
+    <p:spTree>
+      <p:nvGrpSpPr>
+        <p:cNvPr id="1" name=""/>
+        <p:cNvGrpSpPr/>
+        <p:nvPr/>
+      </p:nvGrpSpPr>
+      <p:grpSpPr>
+        <a:xfrm>
+          <a:off x="0" y="0"/>
+          <a:ext cx="0" cy="0"/>
+          <a:chOff x="0" y="0"/>
+          <a:chExt cx="0" cy="0"/>
+        </a:xfrm>
+      </p:grpSpPr>
+      <p:sp>
+        <p:nvSpPr>
+          <p:cNvPr id="2" name="Title 1">
+            <a:extLst>
+              <a:ext uri="{FF2B5EF4-FFF2-40B4-BE49-F238E27FC236}">
+                <a16:creationId xmlns:a16="http://schemas.microsoft.com/office/drawing/2014/main" id="{892AA4A7-6DBB-ED4F-93D1-8E440F5AD3D6}"/>
+              </a:ext>
+            </a:extLst>
+          </p:cNvPr>
+          <p:cNvSpPr>
+            <a:spLocks noGrp="1"/>
+          </p:cNvSpPr>
+          <p:nvPr>
+            <p:ph type="title"/>
+          </p:nvPr>
+        </p:nvSpPr>
+        <p:spPr/>
+        <p:txBody>
+          <a:bodyPr/>
+          <a:lstStyle/>
+          <a:p>
+            <a:pPr algn="ctr"/>
+            <a:r>
+              <a:rPr lang="en-AU" dirty="0"/>
+              <a:t>Training – Model Overview</a:t>
+            </a:r>
+          </a:p>
+        </p:txBody>
+      </p:sp>
+      <p:sp>
+        <p:nvSpPr>
+          <p:cNvPr id="4" name="Footer Placeholder 3">
+            <a:extLst>
+              <a:ext uri="{FF2B5EF4-FFF2-40B4-BE49-F238E27FC236}">
+                <a16:creationId xmlns:a16="http://schemas.microsoft.com/office/drawing/2014/main" id="{E7829D71-6572-EA40-98E6-9AEF9EBD410A}"/>
+              </a:ext>
+            </a:extLst>
+          </p:cNvPr>
+          <p:cNvSpPr>
+            <a:spLocks noGrp="1"/>
+          </p:cNvSpPr>
+          <p:nvPr>
+            <p:ph type="ftr" sz="quarter" idx="11"/>
+          </p:nvPr>
+        </p:nvSpPr>
+        <p:spPr/>
+        <p:txBody>
+          <a:bodyPr/>
+          <a:lstStyle/>
+          <a:p>
+            <a:r>
+              <a:rPr lang="en-AU" dirty="0"/>
+              <a:t>Training</a:t>
+            </a:r>
+          </a:p>
+        </p:txBody>
+      </p:sp>
+      <p:sp>
+        <p:nvSpPr>
+          <p:cNvPr id="5" name="Slide Number Placeholder 4">
+            <a:extLst>
+              <a:ext uri="{FF2B5EF4-FFF2-40B4-BE49-F238E27FC236}">
+                <a16:creationId xmlns:a16="http://schemas.microsoft.com/office/drawing/2014/main" id="{79564150-6DC4-F34F-BF7B-C9D0F6010413}"/>
+              </a:ext>
+            </a:extLst>
+          </p:cNvPr>
+          <p:cNvSpPr>
+            <a:spLocks noGrp="1"/>
+          </p:cNvSpPr>
+          <p:nvPr>
+            <p:ph type="sldNum" sz="quarter" idx="12"/>
+          </p:nvPr>
+        </p:nvSpPr>
+        <p:spPr/>
+        <p:txBody>
+          <a:bodyPr/>
+          <a:lstStyle/>
+          <a:p>
+            <a:fld id="{AD0369CE-0151-F748-9ED4-9508A9FAC3FF}" type="slidenum">
+              <a:rPr lang="en-AU" smtClean="0"/>
+              <a:t>27</a:t>
+            </a:fld>
+            <a:endParaRPr lang="en-AU"/>
+          </a:p>
+        </p:txBody>
+      </p:sp>
+      <p:pic>
+        <p:nvPicPr>
+          <p:cNvPr id="9" name="Picture 8">
+            <a:extLst>
+              <a:ext uri="{FF2B5EF4-FFF2-40B4-BE49-F238E27FC236}">
+                <a16:creationId xmlns:a16="http://schemas.microsoft.com/office/drawing/2014/main" id="{670CB719-C7D8-CD4C-8D3C-F9B8BEA217C5}"/>
+              </a:ext>
+            </a:extLst>
+          </p:cNvPr>
+          <p:cNvPicPr>
+            <a:picLocks noChangeAspect="1"/>
+          </p:cNvPicPr>
+          <p:nvPr/>
+        </p:nvPicPr>
+        <p:blipFill>
+          <a:blip r:embed="rId2"/>
+          <a:stretch>
+            <a:fillRect/>
+          </a:stretch>
+        </p:blipFill>
+        <p:spPr>
+          <a:xfrm>
+            <a:off x="2254250" y="2260600"/>
+            <a:ext cx="7683500" cy="2336800"/>
+          </a:xfrm>
+          <a:prstGeom prst="rect">
+            <a:avLst/>
+          </a:prstGeom>
+        </p:spPr>
+      </p:pic>
+      <p:sp>
+        <p:nvSpPr>
+          <p:cNvPr id="10" name="TextBox 9">
+            <a:extLst>
+              <a:ext uri="{FF2B5EF4-FFF2-40B4-BE49-F238E27FC236}">
+                <a16:creationId xmlns:a16="http://schemas.microsoft.com/office/drawing/2014/main" id="{98A15EB5-B173-5240-BA60-7A90DED67006}"/>
+              </a:ext>
+            </a:extLst>
+          </p:cNvPr>
+          <p:cNvSpPr txBox="1"/>
+          <p:nvPr/>
+        </p:nvSpPr>
+        <p:spPr>
+          <a:xfrm>
+            <a:off x="3805881" y="5165124"/>
+            <a:ext cx="4570803" cy="369332"/>
+          </a:xfrm>
+          <a:prstGeom prst="rect">
+            <a:avLst/>
+          </a:prstGeom>
+          <a:noFill/>
+        </p:spPr>
+        <p:txBody>
+          <a:bodyPr wrap="none" rtlCol="0">
+            <a:spAutoFit/>
+          </a:bodyPr>
+          <a:lstStyle/>
+          <a:p>
+            <a:r>
+              <a:rPr lang="en-AU" dirty="0"/>
+              <a:t>Change to character level instead of word level</a:t>
+            </a:r>
+          </a:p>
+        </p:txBody>
+      </p:sp>
+    </p:spTree>
+    <p:extLst>
+      <p:ext uri="{BB962C8B-B14F-4D97-AF65-F5344CB8AC3E}">
+        <p14:creationId xmlns:p14="http://schemas.microsoft.com/office/powerpoint/2010/main" val="3536873905"/>
+      </p:ext>
+    </p:extLst>
+  </p:cSld>
+  <p:clrMapOvr>
+    <a:masterClrMapping/>
+  </p:clrMapOvr>
+</p:sld>
+</file>
+
+<file path=ppt/slides/slide28.xml><?xml version="1.0" encoding="utf-8"?>
+<p:sld xmlns:a="http://schemas.openxmlformats.org/drawingml/2006/main" xmlns:r="http://schemas.openxmlformats.org/officeDocument/2006/relationships" xmlns:p="http://schemas.openxmlformats.org/presentationml/2006/main">
+  <p:cSld>
+    <p:spTree>
+      <p:nvGrpSpPr>
+        <p:cNvPr id="1" name=""/>
+        <p:cNvGrpSpPr/>
+        <p:nvPr/>
+      </p:nvGrpSpPr>
+      <p:grpSpPr>
+        <a:xfrm>
+          <a:off x="0" y="0"/>
+          <a:ext cx="0" cy="0"/>
+          <a:chOff x="0" y="0"/>
+          <a:chExt cx="0" cy="0"/>
+        </a:xfrm>
+      </p:grpSpPr>
+      <p:sp>
+        <p:nvSpPr>
+          <p:cNvPr id="2" name="Title 1">
+            <a:extLst>
+              <a:ext uri="{FF2B5EF4-FFF2-40B4-BE49-F238E27FC236}">
+                <a16:creationId xmlns:a16="http://schemas.microsoft.com/office/drawing/2014/main" id="{F45E5960-2518-BE42-A5BB-91737F63CF82}"/>
+              </a:ext>
+            </a:extLst>
+          </p:cNvPr>
+          <p:cNvSpPr>
+            <a:spLocks noGrp="1"/>
+          </p:cNvSpPr>
+          <p:nvPr>
+            <p:ph type="title"/>
+          </p:nvPr>
+        </p:nvSpPr>
+        <p:spPr/>
+        <p:txBody>
+          <a:bodyPr/>
+          <a:lstStyle/>
+          <a:p>
+            <a:pPr algn="ctr"/>
+            <a:r>
+              <a:rPr lang="en-AU" dirty="0"/>
+              <a:t>Evaluation</a:t>
+            </a:r>
+          </a:p>
+        </p:txBody>
+      </p:sp>
+      <p:sp>
+        <p:nvSpPr>
+          <p:cNvPr id="3" name="Content Placeholder 2">
+            <a:extLst>
+              <a:ext uri="{FF2B5EF4-FFF2-40B4-BE49-F238E27FC236}">
+                <a16:creationId xmlns:a16="http://schemas.microsoft.com/office/drawing/2014/main" id="{8F3D7199-2E99-4047-9C30-6BB77144A841}"/>
+              </a:ext>
+            </a:extLst>
+          </p:cNvPr>
+          <p:cNvSpPr>
+            <a:spLocks noGrp="1"/>
+          </p:cNvSpPr>
+          <p:nvPr>
+            <p:ph idx="1"/>
+          </p:nvPr>
+        </p:nvSpPr>
+        <p:spPr/>
+        <p:txBody>
+          <a:bodyPr/>
+          <a:lstStyle/>
+          <a:p>
+            <a:r>
+              <a:rPr lang="en-AU" dirty="0"/>
+              <a:t>3 testing data sets</a:t>
+            </a:r>
+          </a:p>
+          <a:p>
+            <a:r>
+              <a:rPr lang="en-AU" dirty="0"/>
+              <a:t>Each cleansed using different modified edit-distance thresholds</a:t>
+            </a:r>
+          </a:p>
+          <a:p>
+            <a:r>
+              <a:rPr lang="en-AU" dirty="0"/>
+              <a:t>Provides different standards of evaluation</a:t>
+            </a:r>
+          </a:p>
+        </p:txBody>
+      </p:sp>
+      <p:sp>
+        <p:nvSpPr>
+          <p:cNvPr id="4" name="Footer Placeholder 3">
+            <a:extLst>
+              <a:ext uri="{FF2B5EF4-FFF2-40B4-BE49-F238E27FC236}">
+                <a16:creationId xmlns:a16="http://schemas.microsoft.com/office/drawing/2014/main" id="{42B8634E-0E00-AB46-A6AD-10D57AB127DB}"/>
+              </a:ext>
+            </a:extLst>
+          </p:cNvPr>
+          <p:cNvSpPr>
+            <a:spLocks noGrp="1"/>
+          </p:cNvSpPr>
+          <p:nvPr>
+            <p:ph type="ftr" sz="quarter" idx="11"/>
+          </p:nvPr>
+        </p:nvSpPr>
+        <p:spPr/>
+        <p:txBody>
+          <a:bodyPr/>
+          <a:lstStyle/>
+          <a:p>
+            <a:r>
+              <a:rPr lang="en-AU" dirty="0"/>
+              <a:t>Evaluation</a:t>
+            </a:r>
+          </a:p>
+        </p:txBody>
+      </p:sp>
+      <p:sp>
+        <p:nvSpPr>
+          <p:cNvPr id="5" name="Slide Number Placeholder 4">
+            <a:extLst>
+              <a:ext uri="{FF2B5EF4-FFF2-40B4-BE49-F238E27FC236}">
+                <a16:creationId xmlns:a16="http://schemas.microsoft.com/office/drawing/2014/main" id="{7F994313-D410-B84E-85FE-04E1F77F60B6}"/>
+              </a:ext>
+            </a:extLst>
+          </p:cNvPr>
+          <p:cNvSpPr>
+            <a:spLocks noGrp="1"/>
+          </p:cNvSpPr>
+          <p:nvPr>
+            <p:ph type="sldNum" sz="quarter" idx="12"/>
+          </p:nvPr>
+        </p:nvSpPr>
+        <p:spPr/>
+        <p:txBody>
+          <a:bodyPr/>
+          <a:lstStyle/>
+          <a:p>
+            <a:fld id="{AD0369CE-0151-F748-9ED4-9508A9FAC3FF}" type="slidenum">
+              <a:rPr lang="en-AU" smtClean="0"/>
+              <a:t>28</a:t>
+            </a:fld>
+            <a:endParaRPr lang="en-AU"/>
+          </a:p>
+        </p:txBody>
+      </p:sp>
+    </p:spTree>
+    <p:extLst>
+      <p:ext uri="{BB962C8B-B14F-4D97-AF65-F5344CB8AC3E}">
+        <p14:creationId xmlns:p14="http://schemas.microsoft.com/office/powerpoint/2010/main" val="2300414414"/>
+      </p:ext>
+    </p:extLst>
+  </p:cSld>
+  <p:clrMapOvr>
+    <a:masterClrMapping/>
+  </p:clrMapOvr>
+</p:sld>
+</file>
+
+<file path=ppt/slides/slide29.xml><?xml version="1.0" encoding="utf-8"?>
+<p:sld xmlns:a="http://schemas.openxmlformats.org/drawingml/2006/main" xmlns:r="http://schemas.openxmlformats.org/officeDocument/2006/relationships" xmlns:p="http://schemas.openxmlformats.org/presentationml/2006/main">
+  <p:cSld>
+    <p:spTree>
+      <p:nvGrpSpPr>
+        <p:cNvPr id="1" name=""/>
+        <p:cNvGrpSpPr/>
+        <p:nvPr/>
+      </p:nvGrpSpPr>
+      <p:grpSpPr>
+        <a:xfrm>
+          <a:off x="0" y="0"/>
+          <a:ext cx="0" cy="0"/>
+          <a:chOff x="0" y="0"/>
+          <a:chExt cx="0" cy="0"/>
+        </a:xfrm>
+      </p:grpSpPr>
+      <p:sp>
+        <p:nvSpPr>
+          <p:cNvPr id="2" name="Title 1">
+            <a:extLst>
+              <a:ext uri="{FF2B5EF4-FFF2-40B4-BE49-F238E27FC236}">
+                <a16:creationId xmlns:a16="http://schemas.microsoft.com/office/drawing/2014/main" id="{8FFFB7A0-46C3-3F48-8D6E-FEBD97C1059F}"/>
+              </a:ext>
+            </a:extLst>
+          </p:cNvPr>
+          <p:cNvSpPr>
+            <a:spLocks noGrp="1"/>
+          </p:cNvSpPr>
+          <p:nvPr>
+            <p:ph type="title"/>
+          </p:nvPr>
+        </p:nvSpPr>
+        <p:spPr/>
+        <p:txBody>
+          <a:bodyPr/>
+          <a:lstStyle/>
+          <a:p>
+            <a:pPr algn="ctr"/>
+            <a:r>
+              <a:rPr lang="en-AU" dirty="0"/>
+              <a:t>Results</a:t>
+            </a:r>
+          </a:p>
+        </p:txBody>
+      </p:sp>
+      <p:sp>
+        <p:nvSpPr>
+          <p:cNvPr id="3" name="Content Placeholder 2">
+            <a:extLst>
+              <a:ext uri="{FF2B5EF4-FFF2-40B4-BE49-F238E27FC236}">
+                <a16:creationId xmlns:a16="http://schemas.microsoft.com/office/drawing/2014/main" id="{D1C5712D-BB57-6F46-B59D-F6BD14F32C7E}"/>
+              </a:ext>
+            </a:extLst>
+          </p:cNvPr>
+          <p:cNvSpPr>
+            <a:spLocks noGrp="1"/>
+          </p:cNvSpPr>
+          <p:nvPr>
+            <p:ph idx="1"/>
+          </p:nvPr>
+        </p:nvSpPr>
+        <p:spPr/>
+        <p:txBody>
+          <a:bodyPr/>
+          <a:lstStyle/>
+          <a:p>
+            <a:r>
+              <a:rPr lang="en-AU" dirty="0"/>
+              <a:t>Should note that I was only able to use 536 Twitter files due to hardware limitations</a:t>
+            </a:r>
+          </a:p>
+          <a:p>
+            <a:r>
+              <a:rPr lang="en-AU" dirty="0"/>
+              <a:t>Overall good results based on evaluation</a:t>
+            </a:r>
+          </a:p>
+        </p:txBody>
+      </p:sp>
+      <p:sp>
+        <p:nvSpPr>
+          <p:cNvPr id="4" name="Footer Placeholder 3">
+            <a:extLst>
+              <a:ext uri="{FF2B5EF4-FFF2-40B4-BE49-F238E27FC236}">
+                <a16:creationId xmlns:a16="http://schemas.microsoft.com/office/drawing/2014/main" id="{E9C4C56A-E76D-074B-B6D5-9DBA7FE3C637}"/>
+              </a:ext>
+            </a:extLst>
+          </p:cNvPr>
+          <p:cNvSpPr>
+            <a:spLocks noGrp="1"/>
+          </p:cNvSpPr>
+          <p:nvPr>
+            <p:ph type="ftr" sz="quarter" idx="11"/>
+          </p:nvPr>
+        </p:nvSpPr>
+        <p:spPr/>
+        <p:txBody>
+          <a:bodyPr/>
+          <a:lstStyle/>
+          <a:p>
+            <a:r>
+              <a:rPr lang="en-AU" dirty="0"/>
+              <a:t>Results</a:t>
+            </a:r>
+          </a:p>
+        </p:txBody>
+      </p:sp>
+      <p:sp>
+        <p:nvSpPr>
+          <p:cNvPr id="5" name="Slide Number Placeholder 4">
+            <a:extLst>
+              <a:ext uri="{FF2B5EF4-FFF2-40B4-BE49-F238E27FC236}">
+                <a16:creationId xmlns:a16="http://schemas.microsoft.com/office/drawing/2014/main" id="{AFF0C83E-B33D-5441-84FD-517B0E81C09E}"/>
+              </a:ext>
+            </a:extLst>
+          </p:cNvPr>
+          <p:cNvSpPr>
+            <a:spLocks noGrp="1"/>
+          </p:cNvSpPr>
+          <p:nvPr>
+            <p:ph type="sldNum" sz="quarter" idx="12"/>
+          </p:nvPr>
+        </p:nvSpPr>
+        <p:spPr/>
+        <p:txBody>
+          <a:bodyPr/>
+          <a:lstStyle/>
+          <a:p>
+            <a:fld id="{AD0369CE-0151-F748-9ED4-9508A9FAC3FF}" type="slidenum">
+              <a:rPr lang="en-AU" smtClean="0"/>
+              <a:t>29</a:t>
+            </a:fld>
+            <a:endParaRPr lang="en-AU"/>
+          </a:p>
+        </p:txBody>
+      </p:sp>
+    </p:spTree>
+    <p:extLst>
+      <p:ext uri="{BB962C8B-B14F-4D97-AF65-F5344CB8AC3E}">
+        <p14:creationId xmlns:p14="http://schemas.microsoft.com/office/powerpoint/2010/main" val="3357927872"/>
       </p:ext>
     </p:extLst>
   </p:cSld>
@@ -4247,6 +9785,232 @@
     <p:extLst>
       <p:ext uri="{BB962C8B-B14F-4D97-AF65-F5344CB8AC3E}">
         <p14:creationId xmlns:p14="http://schemas.microsoft.com/office/powerpoint/2010/main" val="360314062"/>
+      </p:ext>
+    </p:extLst>
+  </p:cSld>
+  <p:clrMapOvr>
+    <a:masterClrMapping/>
+  </p:clrMapOvr>
+</p:sld>
+</file>
+
+<file path=ppt/slides/slide30.xml><?xml version="1.0" encoding="utf-8"?>
+<p:sld xmlns:a="http://schemas.openxmlformats.org/drawingml/2006/main" xmlns:r="http://schemas.openxmlformats.org/officeDocument/2006/relationships" xmlns:p="http://schemas.openxmlformats.org/presentationml/2006/main">
+  <p:cSld>
+    <p:spTree>
+      <p:nvGrpSpPr>
+        <p:cNvPr id="1" name=""/>
+        <p:cNvGrpSpPr/>
+        <p:nvPr/>
+      </p:nvGrpSpPr>
+      <p:grpSpPr>
+        <a:xfrm>
+          <a:off x="0" y="0"/>
+          <a:ext cx="0" cy="0"/>
+          <a:chOff x="0" y="0"/>
+          <a:chExt cx="0" cy="0"/>
+        </a:xfrm>
+      </p:grpSpPr>
+      <p:sp>
+        <p:nvSpPr>
+          <p:cNvPr id="2" name="Title 1">
+            <a:extLst>
+              <a:ext uri="{FF2B5EF4-FFF2-40B4-BE49-F238E27FC236}">
+                <a16:creationId xmlns:a16="http://schemas.microsoft.com/office/drawing/2014/main" id="{7CFEE28B-73DA-9E4E-97FC-6B1ACA0D2F80}"/>
+              </a:ext>
+            </a:extLst>
+          </p:cNvPr>
+          <p:cNvSpPr>
+            <a:spLocks noGrp="1"/>
+          </p:cNvSpPr>
+          <p:nvPr>
+            <p:ph type="title"/>
+          </p:nvPr>
+        </p:nvSpPr>
+        <p:spPr/>
+        <p:txBody>
+          <a:bodyPr/>
+          <a:lstStyle/>
+          <a:p>
+            <a:pPr algn="ctr"/>
+            <a:r>
+              <a:rPr lang="en-AU" dirty="0"/>
+              <a:t>Future Work</a:t>
+            </a:r>
+          </a:p>
+        </p:txBody>
+      </p:sp>
+      <p:sp>
+        <p:nvSpPr>
+          <p:cNvPr id="3" name="Content Placeholder 2">
+            <a:extLst>
+              <a:ext uri="{FF2B5EF4-FFF2-40B4-BE49-F238E27FC236}">
+                <a16:creationId xmlns:a16="http://schemas.microsoft.com/office/drawing/2014/main" id="{42F491DA-370A-164B-8D4A-12CC4D6D33E5}"/>
+              </a:ext>
+            </a:extLst>
+          </p:cNvPr>
+          <p:cNvSpPr>
+            <a:spLocks noGrp="1"/>
+          </p:cNvSpPr>
+          <p:nvPr>
+            <p:ph idx="1"/>
+          </p:nvPr>
+        </p:nvSpPr>
+        <p:spPr/>
+        <p:txBody>
+          <a:bodyPr/>
+          <a:lstStyle/>
+          <a:p>
+            <a:r>
+              <a:rPr lang="en-AU" dirty="0"/>
+              <a:t>Get better hardware to run all 2,000 files</a:t>
+            </a:r>
+          </a:p>
+        </p:txBody>
+      </p:sp>
+      <p:sp>
+        <p:nvSpPr>
+          <p:cNvPr id="4" name="Footer Placeholder 3">
+            <a:extLst>
+              <a:ext uri="{FF2B5EF4-FFF2-40B4-BE49-F238E27FC236}">
+                <a16:creationId xmlns:a16="http://schemas.microsoft.com/office/drawing/2014/main" id="{58EBF050-F002-E145-A476-17CC53FC7160}"/>
+              </a:ext>
+            </a:extLst>
+          </p:cNvPr>
+          <p:cNvSpPr>
+            <a:spLocks noGrp="1"/>
+          </p:cNvSpPr>
+          <p:nvPr>
+            <p:ph type="ftr" sz="quarter" idx="11"/>
+          </p:nvPr>
+        </p:nvSpPr>
+        <p:spPr/>
+        <p:txBody>
+          <a:bodyPr/>
+          <a:lstStyle/>
+          <a:p>
+            <a:r>
+              <a:rPr lang="en-AU" dirty="0"/>
+              <a:t>Future Work</a:t>
+            </a:r>
+          </a:p>
+        </p:txBody>
+      </p:sp>
+      <p:sp>
+        <p:nvSpPr>
+          <p:cNvPr id="5" name="Slide Number Placeholder 4">
+            <a:extLst>
+              <a:ext uri="{FF2B5EF4-FFF2-40B4-BE49-F238E27FC236}">
+                <a16:creationId xmlns:a16="http://schemas.microsoft.com/office/drawing/2014/main" id="{2E4CEF03-FF57-4D49-B793-A09E7102F1DC}"/>
+              </a:ext>
+            </a:extLst>
+          </p:cNvPr>
+          <p:cNvSpPr>
+            <a:spLocks noGrp="1"/>
+          </p:cNvSpPr>
+          <p:nvPr>
+            <p:ph type="sldNum" sz="quarter" idx="12"/>
+          </p:nvPr>
+        </p:nvSpPr>
+        <p:spPr/>
+        <p:txBody>
+          <a:bodyPr/>
+          <a:lstStyle/>
+          <a:p>
+            <a:fld id="{AD0369CE-0151-F748-9ED4-9508A9FAC3FF}" type="slidenum">
+              <a:rPr lang="en-AU" smtClean="0"/>
+              <a:t>30</a:t>
+            </a:fld>
+            <a:endParaRPr lang="en-AU"/>
+          </a:p>
+        </p:txBody>
+      </p:sp>
+      <p:pic>
+        <p:nvPicPr>
+          <p:cNvPr id="3074" name="Picture 2" descr="GIGABYTE Launches GeForce® GTX TITAN X. The Most Advanced GPU Ever Built! |  News - GIGABYTE Global">
+            <a:extLst>
+              <a:ext uri="{FF2B5EF4-FFF2-40B4-BE49-F238E27FC236}">
+                <a16:creationId xmlns:a16="http://schemas.microsoft.com/office/drawing/2014/main" id="{10419F63-39F1-3C4D-9E7E-942A2FDC4689}"/>
+              </a:ext>
+            </a:extLst>
+          </p:cNvPr>
+          <p:cNvPicPr>
+            <a:picLocks noChangeAspect="1" noChangeArrowheads="1"/>
+          </p:cNvPicPr>
+          <p:nvPr/>
+        </p:nvPicPr>
+        <p:blipFill>
+          <a:blip r:embed="rId2">
+            <a:extLst>
+              <a:ext uri="{28A0092B-C50C-407E-A947-70E740481C1C}">
+                <a14:useLocalDpi xmlns:a14="http://schemas.microsoft.com/office/drawing/2010/main" val="0"/>
+              </a:ext>
+            </a:extLst>
+          </a:blip>
+          <a:srcRect/>
+          <a:stretch>
+            <a:fillRect/>
+          </a:stretch>
+        </p:blipFill>
+        <p:spPr bwMode="auto">
+          <a:xfrm>
+            <a:off x="1173892" y="2256566"/>
+            <a:ext cx="3773531" cy="3773531"/>
+          </a:xfrm>
+          <a:prstGeom prst="rect">
+            <a:avLst/>
+          </a:prstGeom>
+          <a:noFill/>
+          <a:extLst>
+            <a:ext uri="{909E8E84-426E-40DD-AFC4-6F175D3DCCD1}">
+              <a14:hiddenFill xmlns:a14="http://schemas.microsoft.com/office/drawing/2010/main">
+                <a:solidFill>
+                  <a:srgbClr val="FFFFFF"/>
+                </a:solidFill>
+              </a14:hiddenFill>
+            </a:ext>
+          </a:extLst>
+        </p:spPr>
+      </p:pic>
+      <p:sp>
+        <p:nvSpPr>
+          <p:cNvPr id="6" name="TextBox 5">
+            <a:extLst>
+              <a:ext uri="{FF2B5EF4-FFF2-40B4-BE49-F238E27FC236}">
+                <a16:creationId xmlns:a16="http://schemas.microsoft.com/office/drawing/2014/main" id="{271BF77F-F19B-F844-AF0D-95FBCC408401}"/>
+              </a:ext>
+            </a:extLst>
+          </p:cNvPr>
+          <p:cNvSpPr txBox="1"/>
+          <p:nvPr/>
+        </p:nvSpPr>
+        <p:spPr>
+          <a:xfrm>
+            <a:off x="4038600" y="5226908"/>
+            <a:ext cx="1372492" cy="369332"/>
+          </a:xfrm>
+          <a:prstGeom prst="rect">
+            <a:avLst/>
+          </a:prstGeom>
+          <a:noFill/>
+        </p:spPr>
+        <p:txBody>
+          <a:bodyPr wrap="none" rtlCol="0">
+            <a:spAutoFit/>
+          </a:bodyPr>
+          <a:lstStyle/>
+          <a:p>
+            <a:r>
+              <a:rPr lang="en-AU" dirty="0"/>
+              <a:t>pls buy 4 me</a:t>
+            </a:r>
+          </a:p>
+        </p:txBody>
+      </p:sp>
+    </p:spTree>
+    <p:extLst>
+      <p:ext uri="{BB962C8B-B14F-4D97-AF65-F5344CB8AC3E}">
+        <p14:creationId xmlns:p14="http://schemas.microsoft.com/office/powerpoint/2010/main" val="2478124123"/>
       </p:ext>
     </p:extLst>
   </p:cSld>
@@ -4488,13 +10252,25 @@
           <a:p>
             <a:r>
               <a:rPr lang="en-AU" dirty="0"/>
-              <a:t>Many self-transliterate</a:t>
-            </a:r>
-          </a:p>
-          <a:p>
-            <a:r>
-              <a:rPr lang="en-AU" dirty="0"/>
-              <a:t>We are trying to capture this informal transliteration process</a:t>
+              <a:t>Many </a:t>
+            </a:r>
+            <a:r>
+              <a:rPr lang="en-AU" b="1" dirty="0"/>
+              <a:t>self-transliterate</a:t>
+            </a:r>
+          </a:p>
+          <a:p>
+            <a:r>
+              <a:rPr lang="en-AU" dirty="0"/>
+              <a:t>We are trying to capture this </a:t>
+            </a:r>
+            <a:r>
+              <a:rPr lang="en-AU" b="1" dirty="0"/>
+              <a:t>informal</a:t>
+            </a:r>
+            <a:r>
+              <a:rPr lang="en-AU" dirty="0"/>
+              <a:t> transliteration process</a:t>
             </a:r>
           </a:p>
           <a:p>
@@ -4855,7 +10631,11 @@
           <a:bodyPr/>
           <a:lstStyle/>
           <a:p>
-            <a:endParaRPr lang="en-AU"/>
+            <a:pPr algn="ctr"/>
+            <a:r>
+              <a:rPr lang="en-AU" dirty="0"/>
+              <a:t>The Project Goal</a:t>
+            </a:r>
           </a:p>
         </p:txBody>
       </p:sp>
@@ -4880,7 +10660,10 @@
           <a:bodyPr/>
           <a:lstStyle/>
           <a:p>
-            <a:endParaRPr lang="en-AU"/>
+            <a:r>
+              <a:rPr lang="en-AU" dirty="0"/>
+              <a:t>Create a name transliteration pipeline</a:t>
+            </a:r>
           </a:p>
         </p:txBody>
       </p:sp>
@@ -4937,7 +10720,152 @@
               <a:rPr lang="en-AU" smtClean="0"/>
               <a:t>7</a:t>
             </a:fld>
-            <a:endParaRPr lang="en-AU"/>
+            <a:endParaRPr lang="en-AU" dirty="0"/>
+          </a:p>
+        </p:txBody>
+      </p:sp>
+      <p:sp>
+        <p:nvSpPr>
+          <p:cNvPr id="7" name="Rectangle 6">
+            <a:extLst>
+              <a:ext uri="{FF2B5EF4-FFF2-40B4-BE49-F238E27FC236}">
+                <a16:creationId xmlns:a16="http://schemas.microsoft.com/office/drawing/2014/main" id="{0B67E054-5788-6743-867A-88D9D3E49AEF}"/>
+              </a:ext>
+            </a:extLst>
+          </p:cNvPr>
+          <p:cNvSpPr/>
+          <p:nvPr/>
+        </p:nvSpPr>
+        <p:spPr>
+          <a:xfrm>
+            <a:off x="1379913" y="2729447"/>
+            <a:ext cx="2443941" cy="2543694"/>
+          </a:xfrm>
+          <a:prstGeom prst="rect">
+            <a:avLst/>
+          </a:prstGeom>
+        </p:spPr>
+        <p:style>
+          <a:lnRef idx="2">
+            <a:schemeClr val="accent1">
+              <a:shade val="50000"/>
+            </a:schemeClr>
+          </a:lnRef>
+          <a:fillRef idx="1">
+            <a:schemeClr val="accent1"/>
+          </a:fillRef>
+          <a:effectRef idx="0">
+            <a:schemeClr val="accent1"/>
+          </a:effectRef>
+          <a:fontRef idx="minor">
+            <a:schemeClr val="lt1"/>
+          </a:fontRef>
+        </p:style>
+        <p:txBody>
+          <a:bodyPr rtlCol="0" anchor="ctr"/>
+          <a:lstStyle/>
+          <a:p>
+            <a:pPr algn="ctr"/>
+            <a:r>
+              <a:rPr lang="en-AU" dirty="0">
+                <a:solidFill>
+                  <a:sysClr val="windowText" lastClr="000000"/>
+                </a:solidFill>
+              </a:rPr>
+              <a:t>Raw Twitter Data</a:t>
+            </a:r>
+          </a:p>
+        </p:txBody>
+      </p:sp>
+      <p:cxnSp>
+        <p:nvCxnSpPr>
+          <p:cNvPr id="9" name="Straight Arrow Connector 8">
+            <a:extLst>
+              <a:ext uri="{FF2B5EF4-FFF2-40B4-BE49-F238E27FC236}">
+                <a16:creationId xmlns:a16="http://schemas.microsoft.com/office/drawing/2014/main" id="{73AA9031-D6C9-DE42-AD25-66B791F30A2E}"/>
+              </a:ext>
+            </a:extLst>
+          </p:cNvPr>
+          <p:cNvCxnSpPr/>
+          <p:nvPr/>
+        </p:nvCxnSpPr>
+        <p:spPr>
+          <a:xfrm>
+            <a:off x="4038600" y="4001294"/>
+            <a:ext cx="3326476" cy="0"/>
+          </a:xfrm>
+          <a:prstGeom prst="straightConnector1">
+            <a:avLst/>
+          </a:prstGeom>
+          <a:ln w="57150">
+            <a:tailEnd type="triangle"/>
+          </a:ln>
+        </p:spPr>
+        <p:style>
+          <a:lnRef idx="1">
+            <a:schemeClr val="accent1"/>
+          </a:lnRef>
+          <a:fillRef idx="0">
+            <a:schemeClr val="accent1"/>
+          </a:fillRef>
+          <a:effectRef idx="0">
+            <a:schemeClr val="accent1"/>
+          </a:effectRef>
+          <a:fontRef idx="minor">
+            <a:schemeClr val="tx1"/>
+          </a:fontRef>
+        </p:style>
+      </p:cxnSp>
+      <p:sp>
+        <p:nvSpPr>
+          <p:cNvPr id="10" name="Rectangle 9">
+            <a:extLst>
+              <a:ext uri="{FF2B5EF4-FFF2-40B4-BE49-F238E27FC236}">
+                <a16:creationId xmlns:a16="http://schemas.microsoft.com/office/drawing/2014/main" id="{4FB99351-32DB-614D-A893-03BDE4F43F75}"/>
+              </a:ext>
+            </a:extLst>
+          </p:cNvPr>
+          <p:cNvSpPr/>
+          <p:nvPr/>
+        </p:nvSpPr>
+        <p:spPr>
+          <a:xfrm>
+            <a:off x="7579822" y="2856706"/>
+            <a:ext cx="2443941" cy="2543694"/>
+          </a:xfrm>
+          <a:prstGeom prst="rect">
+            <a:avLst/>
+          </a:prstGeom>
+        </p:spPr>
+        <p:style>
+          <a:lnRef idx="2">
+            <a:schemeClr val="accent1">
+              <a:shade val="50000"/>
+            </a:schemeClr>
+          </a:lnRef>
+          <a:fillRef idx="1">
+            <a:schemeClr val="accent1"/>
+          </a:fillRef>
+          <a:effectRef idx="0">
+            <a:schemeClr val="accent1"/>
+          </a:effectRef>
+          <a:fontRef idx="minor">
+            <a:schemeClr val="lt1"/>
+          </a:fontRef>
+        </p:style>
+        <p:txBody>
+          <a:bodyPr rtlCol="0" anchor="ctr"/>
+          <a:lstStyle/>
+          <a:p>
+            <a:pPr algn="ctr"/>
+            <a:r>
+              <a:rPr lang="en-AU" dirty="0">
+                <a:solidFill>
+                  <a:sysClr val="windowText" lastClr="000000"/>
+                </a:solidFill>
+              </a:rPr>
+              <a:t>Language Model</a:t>
+            </a:r>
           </a:p>
         </p:txBody>
       </p:sp>
@@ -4945,6 +10873,412 @@
     <p:extLst>
       <p:ext uri="{BB962C8B-B14F-4D97-AF65-F5344CB8AC3E}">
         <p14:creationId xmlns:p14="http://schemas.microsoft.com/office/powerpoint/2010/main" val="156074755"/>
+      </p:ext>
+    </p:extLst>
+  </p:cSld>
+  <p:clrMapOvr>
+    <a:masterClrMapping/>
+  </p:clrMapOvr>
+</p:sld>
+</file>
+
+<file path=ppt/slides/slide8.xml><?xml version="1.0" encoding="utf-8"?>
+<p:sld xmlns:a="http://schemas.openxmlformats.org/drawingml/2006/main" xmlns:r="http://schemas.openxmlformats.org/officeDocument/2006/relationships" xmlns:p="http://schemas.openxmlformats.org/presentationml/2006/main">
+  <p:cSld>
+    <p:spTree>
+      <p:nvGrpSpPr>
+        <p:cNvPr id="1" name=""/>
+        <p:cNvGrpSpPr/>
+        <p:nvPr/>
+      </p:nvGrpSpPr>
+      <p:grpSpPr>
+        <a:xfrm>
+          <a:off x="0" y="0"/>
+          <a:ext cx="0" cy="0"/>
+          <a:chOff x="0" y="0"/>
+          <a:chExt cx="0" cy="0"/>
+        </a:xfrm>
+      </p:grpSpPr>
+      <p:sp>
+        <p:nvSpPr>
+          <p:cNvPr id="2" name="Title 1">
+            <a:extLst>
+              <a:ext uri="{FF2B5EF4-FFF2-40B4-BE49-F238E27FC236}">
+                <a16:creationId xmlns:a16="http://schemas.microsoft.com/office/drawing/2014/main" id="{7B296DA4-BCD2-4147-ABED-3FE5F6B5C449}"/>
+              </a:ext>
+            </a:extLst>
+          </p:cNvPr>
+          <p:cNvSpPr>
+            <a:spLocks noGrp="1"/>
+          </p:cNvSpPr>
+          <p:nvPr>
+            <p:ph type="title"/>
+          </p:nvPr>
+        </p:nvSpPr>
+        <p:spPr/>
+        <p:txBody>
+          <a:bodyPr/>
+          <a:lstStyle/>
+          <a:p>
+            <a:pPr algn="ctr"/>
+            <a:r>
+              <a:rPr lang="en-AU" dirty="0"/>
+              <a:t>Data Source</a:t>
+            </a:r>
+          </a:p>
+        </p:txBody>
+      </p:sp>
+      <p:sp>
+        <p:nvSpPr>
+          <p:cNvPr id="3" name="Content Placeholder 2">
+            <a:extLst>
+              <a:ext uri="{FF2B5EF4-FFF2-40B4-BE49-F238E27FC236}">
+                <a16:creationId xmlns:a16="http://schemas.microsoft.com/office/drawing/2014/main" id="{E371B955-30CE-D749-BCFB-D6D32FD39A5C}"/>
+              </a:ext>
+            </a:extLst>
+          </p:cNvPr>
+          <p:cNvSpPr>
+            <a:spLocks noGrp="1"/>
+          </p:cNvSpPr>
+          <p:nvPr>
+            <p:ph idx="1"/>
+          </p:nvPr>
+        </p:nvSpPr>
+        <p:spPr>
+          <a:xfrm>
+            <a:off x="838200" y="1825625"/>
+            <a:ext cx="4114800" cy="4351338"/>
+          </a:xfrm>
+        </p:spPr>
+        <p:txBody>
+          <a:bodyPr/>
+          <a:lstStyle/>
+          <a:p>
+            <a:r>
+              <a:rPr lang="en-AU" dirty="0"/>
+              <a:t>Twitter Tweets</a:t>
+            </a:r>
+          </a:p>
+          <a:p>
+            <a:pPr lvl="1"/>
+            <a:r>
+              <a:rPr lang="en-AU" dirty="0"/>
+              <a:t>Global user space</a:t>
+            </a:r>
+          </a:p>
+          <a:p>
+            <a:pPr lvl="1"/>
+            <a:r>
+              <a:rPr lang="en-AU" dirty="0"/>
+              <a:t>However, very noisy data</a:t>
+            </a:r>
+          </a:p>
+          <a:p>
+            <a:r>
+              <a:rPr lang="en-AU" dirty="0"/>
+              <a:t>Scope of data</a:t>
+            </a:r>
+          </a:p>
+          <a:p>
+            <a:pPr lvl="1"/>
+            <a:r>
+              <a:rPr lang="en-AU" dirty="0"/>
+              <a:t>2,00 Twitter files</a:t>
+            </a:r>
+          </a:p>
+          <a:p>
+            <a:pPr lvl="1"/>
+            <a:r>
+              <a:rPr lang="en-AU" dirty="0"/>
+              <a:t>Each file has 100,000 Tweets</a:t>
+            </a:r>
+          </a:p>
+          <a:p>
+            <a:pPr lvl="1"/>
+            <a:r>
+              <a:rPr lang="en-AU" dirty="0"/>
+              <a:t>Each Tweet is in JSON format</a:t>
+            </a:r>
+          </a:p>
+          <a:p>
+            <a:pPr lvl="1"/>
+            <a:endParaRPr lang="en-AU" dirty="0"/>
+          </a:p>
+        </p:txBody>
+      </p:sp>
+      <p:sp>
+        <p:nvSpPr>
+          <p:cNvPr id="4" name="Footer Placeholder 3">
+            <a:extLst>
+              <a:ext uri="{FF2B5EF4-FFF2-40B4-BE49-F238E27FC236}">
+                <a16:creationId xmlns:a16="http://schemas.microsoft.com/office/drawing/2014/main" id="{C74FA9C4-ACFF-F24D-AA3E-0E8BA255CC49}"/>
+              </a:ext>
+            </a:extLst>
+          </p:cNvPr>
+          <p:cNvSpPr>
+            <a:spLocks noGrp="1"/>
+          </p:cNvSpPr>
+          <p:nvPr>
+            <p:ph type="ftr" sz="quarter" idx="11"/>
+          </p:nvPr>
+        </p:nvSpPr>
+        <p:spPr/>
+        <p:txBody>
+          <a:bodyPr/>
+          <a:lstStyle/>
+          <a:p>
+            <a:r>
+              <a:rPr lang="en-AU" dirty="0"/>
+              <a:t>Data Source</a:t>
+            </a:r>
+          </a:p>
+        </p:txBody>
+      </p:sp>
+      <p:sp>
+        <p:nvSpPr>
+          <p:cNvPr id="5" name="Slide Number Placeholder 4">
+            <a:extLst>
+              <a:ext uri="{FF2B5EF4-FFF2-40B4-BE49-F238E27FC236}">
+                <a16:creationId xmlns:a16="http://schemas.microsoft.com/office/drawing/2014/main" id="{89164664-1BC5-6041-A4E2-63F8F66EF20C}"/>
+              </a:ext>
+            </a:extLst>
+          </p:cNvPr>
+          <p:cNvSpPr>
+            <a:spLocks noGrp="1"/>
+          </p:cNvSpPr>
+          <p:nvPr>
+            <p:ph type="sldNum" sz="quarter" idx="12"/>
+          </p:nvPr>
+        </p:nvSpPr>
+        <p:spPr/>
+        <p:txBody>
+          <a:bodyPr/>
+          <a:lstStyle/>
+          <a:p>
+            <a:fld id="{AD0369CE-0151-F748-9ED4-9508A9FAC3FF}" type="slidenum">
+              <a:rPr lang="en-AU" smtClean="0"/>
+              <a:t>8</a:t>
+            </a:fld>
+            <a:endParaRPr lang="en-AU"/>
+          </a:p>
+        </p:txBody>
+      </p:sp>
+      <p:pic>
+        <p:nvPicPr>
+          <p:cNvPr id="1028" name="Picture 4">
+            <a:extLst>
+              <a:ext uri="{FF2B5EF4-FFF2-40B4-BE49-F238E27FC236}">
+                <a16:creationId xmlns:a16="http://schemas.microsoft.com/office/drawing/2014/main" id="{E244D3D0-C2CA-FE4F-B0CC-747541575916}"/>
+              </a:ext>
+            </a:extLst>
+          </p:cNvPr>
+          <p:cNvPicPr>
+            <a:picLocks noChangeAspect="1" noChangeArrowheads="1"/>
+          </p:cNvPicPr>
+          <p:nvPr/>
+        </p:nvPicPr>
+        <p:blipFill>
+          <a:blip r:embed="rId2">
+            <a:extLst>
+              <a:ext uri="{28A0092B-C50C-407E-A947-70E740481C1C}">
+                <a14:useLocalDpi xmlns:a14="http://schemas.microsoft.com/office/drawing/2010/main" val="0"/>
+              </a:ext>
+            </a:extLst>
+          </a:blip>
+          <a:srcRect/>
+          <a:stretch>
+            <a:fillRect/>
+          </a:stretch>
+        </p:blipFill>
+        <p:spPr bwMode="auto">
+          <a:xfrm>
+            <a:off x="4953000" y="1646238"/>
+            <a:ext cx="6930609" cy="4270375"/>
+          </a:xfrm>
+          <a:prstGeom prst="rect">
+            <a:avLst/>
+          </a:prstGeom>
+          <a:noFill/>
+          <a:extLst>
+            <a:ext uri="{909E8E84-426E-40DD-AFC4-6F175D3DCCD1}">
+              <a14:hiddenFill xmlns:a14="http://schemas.microsoft.com/office/drawing/2010/main">
+                <a:solidFill>
+                  <a:srgbClr val="FFFFFF"/>
+                </a:solidFill>
+              </a14:hiddenFill>
+            </a:ext>
+          </a:extLst>
+        </p:spPr>
+      </p:pic>
+    </p:spTree>
+    <p:extLst>
+      <p:ext uri="{BB962C8B-B14F-4D97-AF65-F5344CB8AC3E}">
+        <p14:creationId xmlns:p14="http://schemas.microsoft.com/office/powerpoint/2010/main" val="3028656600"/>
+      </p:ext>
+    </p:extLst>
+  </p:cSld>
+  <p:clrMapOvr>
+    <a:masterClrMapping/>
+  </p:clrMapOvr>
+</p:sld>
+</file>
+
+<file path=ppt/slides/slide9.xml><?xml version="1.0" encoding="utf-8"?>
+<p:sld xmlns:a="http://schemas.openxmlformats.org/drawingml/2006/main" xmlns:r="http://schemas.openxmlformats.org/officeDocument/2006/relationships" xmlns:p="http://schemas.openxmlformats.org/presentationml/2006/main">
+  <p:cSld>
+    <p:spTree>
+      <p:nvGrpSpPr>
+        <p:cNvPr id="1" name=""/>
+        <p:cNvGrpSpPr/>
+        <p:nvPr/>
+      </p:nvGrpSpPr>
+      <p:grpSpPr>
+        <a:xfrm>
+          <a:off x="0" y="0"/>
+          <a:ext cx="0" cy="0"/>
+          <a:chOff x="0" y="0"/>
+          <a:chExt cx="0" cy="0"/>
+        </a:xfrm>
+      </p:grpSpPr>
+      <p:sp>
+        <p:nvSpPr>
+          <p:cNvPr id="2" name="Title 1">
+            <a:extLst>
+              <a:ext uri="{FF2B5EF4-FFF2-40B4-BE49-F238E27FC236}">
+                <a16:creationId xmlns:a16="http://schemas.microsoft.com/office/drawing/2014/main" id="{3FCD5D0B-0E9A-9E46-BDCB-81AA965D9B45}"/>
+              </a:ext>
+            </a:extLst>
+          </p:cNvPr>
+          <p:cNvSpPr>
+            <a:spLocks noGrp="1"/>
+          </p:cNvSpPr>
+          <p:nvPr>
+            <p:ph type="title"/>
+          </p:nvPr>
+        </p:nvSpPr>
+        <p:spPr/>
+        <p:txBody>
+          <a:bodyPr/>
+          <a:lstStyle/>
+          <a:p>
+            <a:pPr algn="ctr"/>
+            <a:r>
+              <a:rPr lang="en-AU" dirty="0"/>
+              <a:t>Methodology – An overview</a:t>
+            </a:r>
+          </a:p>
+        </p:txBody>
+      </p:sp>
+      <p:sp>
+        <p:nvSpPr>
+          <p:cNvPr id="3" name="Content Placeholder 2">
+            <a:extLst>
+              <a:ext uri="{FF2B5EF4-FFF2-40B4-BE49-F238E27FC236}">
+                <a16:creationId xmlns:a16="http://schemas.microsoft.com/office/drawing/2014/main" id="{EE4403B9-43B1-3B4D-A5F0-5F2007F56F1A}"/>
+              </a:ext>
+            </a:extLst>
+          </p:cNvPr>
+          <p:cNvSpPr>
+            <a:spLocks noGrp="1"/>
+          </p:cNvSpPr>
+          <p:nvPr>
+            <p:ph idx="1"/>
+          </p:nvPr>
+        </p:nvSpPr>
+        <p:spPr/>
+        <p:txBody>
+          <a:bodyPr/>
+          <a:lstStyle/>
+          <a:p>
+            <a:r>
+              <a:rPr lang="en-AU" dirty="0"/>
+              <a:t>Filtering</a:t>
+            </a:r>
+          </a:p>
+          <a:p>
+            <a:r>
+              <a:rPr lang="en-AU" dirty="0"/>
+              <a:t>Cleansing</a:t>
+            </a:r>
+          </a:p>
+          <a:p>
+            <a:r>
+              <a:rPr lang="en-AU" dirty="0"/>
+              <a:t>Training</a:t>
+            </a:r>
+          </a:p>
+          <a:p>
+            <a:endParaRPr lang="en-AU" dirty="0"/>
+          </a:p>
+          <a:p>
+            <a:r>
+              <a:rPr lang="en-AU" dirty="0"/>
+              <a:t>Make into images or something</a:t>
+            </a:r>
+          </a:p>
+        </p:txBody>
+      </p:sp>
+      <p:sp>
+        <p:nvSpPr>
+          <p:cNvPr id="4" name="Footer Placeholder 3">
+            <a:extLst>
+              <a:ext uri="{FF2B5EF4-FFF2-40B4-BE49-F238E27FC236}">
+                <a16:creationId xmlns:a16="http://schemas.microsoft.com/office/drawing/2014/main" id="{68851261-8C16-5E4C-B697-D8F0975F82E1}"/>
+              </a:ext>
+            </a:extLst>
+          </p:cNvPr>
+          <p:cNvSpPr>
+            <a:spLocks noGrp="1"/>
+          </p:cNvSpPr>
+          <p:nvPr>
+            <p:ph type="ftr" sz="quarter" idx="11"/>
+          </p:nvPr>
+        </p:nvSpPr>
+        <p:spPr/>
+        <p:txBody>
+          <a:bodyPr/>
+          <a:lstStyle/>
+          <a:p>
+            <a:r>
+              <a:rPr lang="en-AU" dirty="0"/>
+              <a:t>Methodology</a:t>
+            </a:r>
+          </a:p>
+        </p:txBody>
+      </p:sp>
+      <p:sp>
+        <p:nvSpPr>
+          <p:cNvPr id="5" name="Slide Number Placeholder 4">
+            <a:extLst>
+              <a:ext uri="{FF2B5EF4-FFF2-40B4-BE49-F238E27FC236}">
+                <a16:creationId xmlns:a16="http://schemas.microsoft.com/office/drawing/2014/main" id="{E327A110-D783-E545-8C75-DA9281A685B2}"/>
+              </a:ext>
+            </a:extLst>
+          </p:cNvPr>
+          <p:cNvSpPr>
+            <a:spLocks noGrp="1"/>
+          </p:cNvSpPr>
+          <p:nvPr>
+            <p:ph type="sldNum" sz="quarter" idx="12"/>
+          </p:nvPr>
+        </p:nvSpPr>
+        <p:spPr/>
+        <p:txBody>
+          <a:bodyPr/>
+          <a:lstStyle/>
+          <a:p>
+            <a:fld id="{AD0369CE-0151-F748-9ED4-9508A9FAC3FF}" type="slidenum">
+              <a:rPr lang="en-AU" smtClean="0"/>
+              <a:t>9</a:t>
+            </a:fld>
+            <a:endParaRPr lang="en-AU"/>
+          </a:p>
+        </p:txBody>
+      </p:sp>
+    </p:spTree>
+    <p:extLst>
+      <p:ext uri="{BB962C8B-B14F-4D97-AF65-F5344CB8AC3E}">
+        <p14:creationId xmlns:p14="http://schemas.microsoft.com/office/powerpoint/2010/main" val="2067065272"/>
       </p:ext>
     </p:extLst>
   </p:cSld>
